--- a/docs/TLC-Club.pptx
+++ b/docs/TLC-Club.pptx
@@ -1,22 +1,32 @@
 
 <file path=ppt/presentation.xml><?xml version="1.0" encoding="utf-8"?>
-<p:presentation xmlns:a="http://schemas.openxmlformats.org/drawingml/2006/main" xmlns:r="http://schemas.openxmlformats.org/officeDocument/2006/relationships" xmlns:mc="http://schemas.openxmlformats.org/markup-compatibility/2006" xmlns:mv="urn:schemas-microsoft-com:mac:vml" xmlns:p="http://schemas.openxmlformats.org/presentationml/2006/main" xmlns:c="http://schemas.openxmlformats.org/drawingml/2006/chart" xmlns:dgm="http://schemas.openxmlformats.org/drawingml/2006/diagram" xmlns:o="urn:schemas-microsoft-com:office:office" xmlns:v="urn:schemas-microsoft-com:vml" xmlns:pvml="urn:schemas-microsoft-com:office:powerpoint" xmlns:com="http://schemas.openxmlformats.org/drawingml/2006/compatibility" xmlns:p14="http://schemas.microsoft.com/office/powerpoint/2010/main" xmlns:p15="http://schemas.microsoft.com/office/powerpoint/2012/main" xmlns:ahyp="http://schemas.microsoft.com/office/drawing/2018/hyperlinkcolor" autoCompressPictures="0" strictFirstAndLastChars="0" saveSubsetFonts="1">
+<p:presentation xmlns:a="http://schemas.openxmlformats.org/drawingml/2006/main" xmlns:r="http://schemas.openxmlformats.org/officeDocument/2006/relationships" xmlns:p="http://schemas.openxmlformats.org/presentationml/2006/main" strictFirstAndLastChars="0" embedTrueTypeFonts="1" saveSubsetFonts="1" autoCompressPictures="0">
   <p:sldMasterIdLst>
-    <p:sldMasterId id="2147483659" r:id="rId4"/>
+    <p:sldMasterId id="2147483659" r:id="rId1"/>
   </p:sldMasterIdLst>
   <p:notesMasterIdLst>
-    <p:notesMasterId r:id="rId5"/>
+    <p:notesMasterId r:id="rId7"/>
   </p:notesMasterIdLst>
   <p:sldIdLst>
-    <p:sldId id="256" r:id="rId6"/>
-    <p:sldId id="257" r:id="rId7"/>
-    <p:sldId id="258" r:id="rId8"/>
-    <p:sldId id="259" r:id="rId9"/>
+    <p:sldId id="256" r:id="rId2"/>
+    <p:sldId id="257" r:id="rId3"/>
+    <p:sldId id="258" r:id="rId4"/>
+    <p:sldId id="259" r:id="rId5"/>
+    <p:sldId id="260" r:id="rId6"/>
   </p:sldIdLst>
-  <p:sldSz cy="5143500" cx="9144000"/>
+  <p:sldSz cx="9144000" cy="5143500" type="screen16x9"/>
   <p:notesSz cx="6858000" cy="9144000"/>
+  <p:embeddedFontLst>
+    <p:embeddedFont>
+      <p:font typeface="Proxima Nova" panose="020B0604020202020204" charset="0"/>
+      <p:regular r:id="rId8"/>
+      <p:bold r:id="rId9"/>
+      <p:italic r:id="rId10"/>
+      <p:boldItalic r:id="rId11"/>
+    </p:embeddedFont>
+  </p:embeddedFontLst>
   <p:defaultTextStyle>
-    <a:defPPr lvl="0" marR="0" rtl="0" algn="l">
+    <a:defPPr marR="0" lvl="0" algn="l" rtl="0">
       <a:lnSpc>
         <a:spcPct val="100000"/>
       </a:lnSpc>
@@ -27,7 +37,7 @@
         <a:spcPts val="0"/>
       </a:spcAft>
     </a:defPPr>
-    <a:lvl1pPr lvl="0" marR="0" rtl="0" algn="l">
+    <a:lvl1pPr marR="0" lvl="0" algn="l" rtl="0">
       <a:lnSpc>
         <a:spcPct val="100000"/>
       </a:lnSpc>
@@ -41,7 +51,7 @@
         <a:srgbClr val="000000"/>
       </a:buClr>
       <a:buFont typeface="Arial"/>
-      <a:defRPr b="0" i="0" sz="1400" u="none" cap="none" strike="noStrike">
+      <a:defRPr sz="1400" b="0" i="0" u="none" strike="noStrike" cap="none">
         <a:solidFill>
           <a:srgbClr val="000000"/>
         </a:solidFill>
@@ -51,7 +61,7 @@
         <a:sym typeface="Arial"/>
       </a:defRPr>
     </a:lvl1pPr>
-    <a:lvl2pPr lvl="1" marR="0" rtl="0" algn="l">
+    <a:lvl2pPr marR="0" lvl="1" algn="l" rtl="0">
       <a:lnSpc>
         <a:spcPct val="100000"/>
       </a:lnSpc>
@@ -65,7 +75,7 @@
         <a:srgbClr val="000000"/>
       </a:buClr>
       <a:buFont typeface="Arial"/>
-      <a:defRPr b="0" i="0" sz="1400" u="none" cap="none" strike="noStrike">
+      <a:defRPr sz="1400" b="0" i="0" u="none" strike="noStrike" cap="none">
         <a:solidFill>
           <a:srgbClr val="000000"/>
         </a:solidFill>
@@ -75,7 +85,7 @@
         <a:sym typeface="Arial"/>
       </a:defRPr>
     </a:lvl2pPr>
-    <a:lvl3pPr lvl="2" marR="0" rtl="0" algn="l">
+    <a:lvl3pPr marR="0" lvl="2" algn="l" rtl="0">
       <a:lnSpc>
         <a:spcPct val="100000"/>
       </a:lnSpc>
@@ -89,7 +99,7 @@
         <a:srgbClr val="000000"/>
       </a:buClr>
       <a:buFont typeface="Arial"/>
-      <a:defRPr b="0" i="0" sz="1400" u="none" cap="none" strike="noStrike">
+      <a:defRPr sz="1400" b="0" i="0" u="none" strike="noStrike" cap="none">
         <a:solidFill>
           <a:srgbClr val="000000"/>
         </a:solidFill>
@@ -99,7 +109,7 @@
         <a:sym typeface="Arial"/>
       </a:defRPr>
     </a:lvl3pPr>
-    <a:lvl4pPr lvl="3" marR="0" rtl="0" algn="l">
+    <a:lvl4pPr marR="0" lvl="3" algn="l" rtl="0">
       <a:lnSpc>
         <a:spcPct val="100000"/>
       </a:lnSpc>
@@ -113,7 +123,7 @@
         <a:srgbClr val="000000"/>
       </a:buClr>
       <a:buFont typeface="Arial"/>
-      <a:defRPr b="0" i="0" sz="1400" u="none" cap="none" strike="noStrike">
+      <a:defRPr sz="1400" b="0" i="0" u="none" strike="noStrike" cap="none">
         <a:solidFill>
           <a:srgbClr val="000000"/>
         </a:solidFill>
@@ -123,7 +133,7 @@
         <a:sym typeface="Arial"/>
       </a:defRPr>
     </a:lvl4pPr>
-    <a:lvl5pPr lvl="4" marR="0" rtl="0" algn="l">
+    <a:lvl5pPr marR="0" lvl="4" algn="l" rtl="0">
       <a:lnSpc>
         <a:spcPct val="100000"/>
       </a:lnSpc>
@@ -137,7 +147,7 @@
         <a:srgbClr val="000000"/>
       </a:buClr>
       <a:buFont typeface="Arial"/>
-      <a:defRPr b="0" i="0" sz="1400" u="none" cap="none" strike="noStrike">
+      <a:defRPr sz="1400" b="0" i="0" u="none" strike="noStrike" cap="none">
         <a:solidFill>
           <a:srgbClr val="000000"/>
         </a:solidFill>
@@ -147,7 +157,7 @@
         <a:sym typeface="Arial"/>
       </a:defRPr>
     </a:lvl5pPr>
-    <a:lvl6pPr lvl="5" marR="0" rtl="0" algn="l">
+    <a:lvl6pPr marR="0" lvl="5" algn="l" rtl="0">
       <a:lnSpc>
         <a:spcPct val="100000"/>
       </a:lnSpc>
@@ -161,7 +171,7 @@
         <a:srgbClr val="000000"/>
       </a:buClr>
       <a:buFont typeface="Arial"/>
-      <a:defRPr b="0" i="0" sz="1400" u="none" cap="none" strike="noStrike">
+      <a:defRPr sz="1400" b="0" i="0" u="none" strike="noStrike" cap="none">
         <a:solidFill>
           <a:srgbClr val="000000"/>
         </a:solidFill>
@@ -171,7 +181,7 @@
         <a:sym typeface="Arial"/>
       </a:defRPr>
     </a:lvl6pPr>
-    <a:lvl7pPr lvl="6" marR="0" rtl="0" algn="l">
+    <a:lvl7pPr marR="0" lvl="6" algn="l" rtl="0">
       <a:lnSpc>
         <a:spcPct val="100000"/>
       </a:lnSpc>
@@ -185,7 +195,7 @@
         <a:srgbClr val="000000"/>
       </a:buClr>
       <a:buFont typeface="Arial"/>
-      <a:defRPr b="0" i="0" sz="1400" u="none" cap="none" strike="noStrike">
+      <a:defRPr sz="1400" b="0" i="0" u="none" strike="noStrike" cap="none">
         <a:solidFill>
           <a:srgbClr val="000000"/>
         </a:solidFill>
@@ -195,7 +205,7 @@
         <a:sym typeface="Arial"/>
       </a:defRPr>
     </a:lvl7pPr>
-    <a:lvl8pPr lvl="7" marR="0" rtl="0" algn="l">
+    <a:lvl8pPr marR="0" lvl="7" algn="l" rtl="0">
       <a:lnSpc>
         <a:spcPct val="100000"/>
       </a:lnSpc>
@@ -209,7 +219,7 @@
         <a:srgbClr val="000000"/>
       </a:buClr>
       <a:buFont typeface="Arial"/>
-      <a:defRPr b="0" i="0" sz="1400" u="none" cap="none" strike="noStrike">
+      <a:defRPr sz="1400" b="0" i="0" u="none" strike="noStrike" cap="none">
         <a:solidFill>
           <a:srgbClr val="000000"/>
         </a:solidFill>
@@ -219,7 +229,7 @@
         <a:sym typeface="Arial"/>
       </a:defRPr>
     </a:lvl8pPr>
-    <a:lvl9pPr lvl="8" marR="0" rtl="0" algn="l">
+    <a:lvl9pPr marR="0" lvl="8" algn="l" rtl="0">
       <a:lnSpc>
         <a:spcPct val="100000"/>
       </a:lnSpc>
@@ -233,7 +243,7 @@
         <a:srgbClr val="000000"/>
       </a:buClr>
       <a:buFont typeface="Arial"/>
-      <a:defRPr b="0" i="0" sz="1400" u="none" cap="none" strike="noStrike">
+      <a:defRPr sz="1400" b="0" i="0" u="none" strike="noStrike" cap="none">
         <a:solidFill>
           <a:srgbClr val="000000"/>
         </a:solidFill>
@@ -246,7 +256,7 @@
   </p:defaultTextStyle>
   <p:extLst>
     <p:ext uri="{EFAFB233-063F-42B5-8137-9DF3F51BA10A}">
-      <p15:sldGuideLst>
+      <p15:sldGuideLst xmlns:p15="http://schemas.microsoft.com/office/powerpoint/2012/main">
         <p15:guide id="1" orient="horz" pos="1620">
           <p15:clr>
             <a:srgbClr val="747775"/>
@@ -264,11 +274,16 @@
 </file>
 
 <file path=ppt/notesMasters/notesMaster1.xml><?xml version="1.0" encoding="utf-8"?>
-<p:notesMaster xmlns:a="http://schemas.openxmlformats.org/drawingml/2006/main" xmlns:r="http://schemas.openxmlformats.org/officeDocument/2006/relationships" xmlns:mc="http://schemas.openxmlformats.org/markup-compatibility/2006" xmlns:mv="urn:schemas-microsoft-com:mac:vml" xmlns:p="http://schemas.openxmlformats.org/presentationml/2006/main" xmlns:c="http://schemas.openxmlformats.org/drawingml/2006/chart" xmlns:dgm="http://schemas.openxmlformats.org/drawingml/2006/diagram" xmlns:o="urn:schemas-microsoft-com:office:office" xmlns:v="urn:schemas-microsoft-com:vml" xmlns:pvml="urn:schemas-microsoft-com:office:powerpoint" xmlns:com="http://schemas.openxmlformats.org/drawingml/2006/compatibility" xmlns:p14="http://schemas.microsoft.com/office/powerpoint/2010/main" xmlns:p15="http://schemas.microsoft.com/office/powerpoint/2012/main" xmlns:ahyp="http://schemas.microsoft.com/office/drawing/2018/hyperlinkcolor">
+<p:notesMaster xmlns:a="http://schemas.openxmlformats.org/drawingml/2006/main" xmlns:r="http://schemas.openxmlformats.org/officeDocument/2006/relationships" xmlns:p="http://schemas.openxmlformats.org/presentationml/2006/main">
   <p:cSld>
+    <p:bg>
+      <p:bgRef idx="1001">
+        <a:schemeClr val="bg1"/>
+      </p:bgRef>
+    </p:bg>
     <p:spTree>
       <p:nvGrpSpPr>
-        <p:cNvPr id="2" name="Shape 2"/>
+        <p:cNvPr id="1" name="Shape 2"/>
         <p:cNvGrpSpPr/>
         <p:nvPr/>
       </p:nvGrpSpPr>
@@ -283,9 +298,11 @@
       <p:sp>
         <p:nvSpPr>
           <p:cNvPr id="3" name="Google Shape;3;n"/>
-          <p:cNvSpPr/>
+          <p:cNvSpPr>
+            <a:spLocks noGrp="1" noRot="1" noChangeAspect="1"/>
+          </p:cNvSpPr>
           <p:nvPr>
-            <p:ph idx="2" type="sldImg"/>
+            <p:ph type="sldImg" idx="2"/>
           </p:nvPr>
         </p:nvSpPr>
         <p:spPr>
@@ -294,9 +311,13 @@
             <a:ext cx="6096075" cy="3429000"/>
           </a:xfrm>
           <a:custGeom>
-            <a:rect b="b" l="l" r="r" t="t"/>
+            <a:avLst/>
+            <a:gdLst/>
+            <a:ahLst/>
+            <a:cxnLst/>
+            <a:rect l="l" t="t" r="r" b="b"/>
             <a:pathLst>
-              <a:path extrusionOk="0" h="120000" w="120000">
+              <a:path w="120000" h="120000" extrusionOk="0">
                 <a:moveTo>
                   <a:pt x="0" y="0"/>
                 </a:moveTo>
@@ -314,23 +335,25 @@
             </a:pathLst>
           </a:custGeom>
           <a:noFill/>
-          <a:ln cap="flat" cmpd="sng" w="9525">
+          <a:ln w="9525" cap="flat" cmpd="sng">
             <a:solidFill>
               <a:srgbClr val="000000"/>
             </a:solidFill>
             <a:prstDash val="solid"/>
             <a:round/>
-            <a:headEnd len="sm" w="sm" type="none"/>
-            <a:tailEnd len="sm" w="sm" type="none"/>
+            <a:headEnd type="none" w="sm" len="sm"/>
+            <a:tailEnd type="none" w="sm" len="sm"/>
           </a:ln>
         </p:spPr>
       </p:sp>
       <p:sp>
         <p:nvSpPr>
           <p:cNvPr id="4" name="Google Shape;4;n"/>
-          <p:cNvSpPr txBox="1"/>
+          <p:cNvSpPr txBox="1">
+            <a:spLocks noGrp="1"/>
+          </p:cNvSpPr>
           <p:nvPr>
-            <p:ph idx="1" type="body"/>
+            <p:ph type="body" idx="1"/>
           </p:nvPr>
         </p:nvSpPr>
         <p:spPr>
@@ -347,11 +370,11 @@
           </a:ln>
         </p:spPr>
         <p:txBody>
-          <a:bodyPr anchorCtr="0" anchor="t" bIns="91425" lIns="91425" spcFirstLastPara="1" rIns="91425" wrap="square" tIns="91425">
+          <a:bodyPr spcFirstLastPara="1" wrap="square" lIns="91425" tIns="91425" rIns="91425" bIns="91425" anchor="t" anchorCtr="0">
             <a:noAutofit/>
           </a:bodyPr>
           <a:lstStyle>
-            <a:lvl1pPr indent="-298450" lvl="0" marL="457200">
+            <a:lvl1pPr marL="457200" lvl="0" indent="-298450">
               <a:spcBef>
                 <a:spcPts val="0"/>
               </a:spcBef>
@@ -362,7 +385,7 @@
               <a:buChar char="●"/>
               <a:defRPr sz="1100"/>
             </a:lvl1pPr>
-            <a:lvl2pPr indent="-298450" lvl="1" marL="914400">
+            <a:lvl2pPr marL="914400" lvl="1" indent="-298450">
               <a:spcBef>
                 <a:spcPts val="0"/>
               </a:spcBef>
@@ -373,7 +396,7 @@
               <a:buChar char="○"/>
               <a:defRPr sz="1100"/>
             </a:lvl2pPr>
-            <a:lvl3pPr indent="-298450" lvl="2" marL="1371600">
+            <a:lvl3pPr marL="1371600" lvl="2" indent="-298450">
               <a:spcBef>
                 <a:spcPts val="0"/>
               </a:spcBef>
@@ -384,7 +407,7 @@
               <a:buChar char="■"/>
               <a:defRPr sz="1100"/>
             </a:lvl3pPr>
-            <a:lvl4pPr indent="-298450" lvl="3" marL="1828800">
+            <a:lvl4pPr marL="1828800" lvl="3" indent="-298450">
               <a:spcBef>
                 <a:spcPts val="0"/>
               </a:spcBef>
@@ -395,7 +418,7 @@
               <a:buChar char="●"/>
               <a:defRPr sz="1100"/>
             </a:lvl4pPr>
-            <a:lvl5pPr indent="-298450" lvl="4" marL="2286000">
+            <a:lvl5pPr marL="2286000" lvl="4" indent="-298450">
               <a:spcBef>
                 <a:spcPts val="0"/>
               </a:spcBef>
@@ -406,7 +429,7 @@
               <a:buChar char="○"/>
               <a:defRPr sz="1100"/>
             </a:lvl5pPr>
-            <a:lvl6pPr indent="-298450" lvl="5" marL="2743200">
+            <a:lvl6pPr marL="2743200" lvl="5" indent="-298450">
               <a:spcBef>
                 <a:spcPts val="0"/>
               </a:spcBef>
@@ -417,7 +440,7 @@
               <a:buChar char="■"/>
               <a:defRPr sz="1100"/>
             </a:lvl6pPr>
-            <a:lvl7pPr indent="-298450" lvl="6" marL="3200400">
+            <a:lvl7pPr marL="3200400" lvl="6" indent="-298450">
               <a:spcBef>
                 <a:spcPts val="0"/>
               </a:spcBef>
@@ -428,7 +451,7 @@
               <a:buChar char="●"/>
               <a:defRPr sz="1100"/>
             </a:lvl7pPr>
-            <a:lvl8pPr indent="-298450" lvl="7" marL="3657600">
+            <a:lvl8pPr marL="3657600" lvl="7" indent="-298450">
               <a:spcBef>
                 <a:spcPts val="0"/>
               </a:spcBef>
@@ -439,7 +462,7 @@
               <a:buChar char="○"/>
               <a:defRPr sz="1100"/>
             </a:lvl8pPr>
-            <a:lvl9pPr indent="-298450" lvl="8" marL="4114800">
+            <a:lvl9pPr marL="4114800" lvl="8" indent="-298450">
               <a:spcBef>
                 <a:spcPts val="0"/>
               </a:spcBef>
@@ -451,14 +474,16 @@
               <a:defRPr sz="1100"/>
             </a:lvl9pPr>
           </a:lstStyle>
-          <a:p/>
+          <a:p>
+            <a:endParaRPr/>
+          </a:p>
         </p:txBody>
       </p:sp>
     </p:spTree>
   </p:cSld>
-  <p:clrMap accent1="accent1" accent2="accent2" accent3="accent3" accent4="accent4" accent5="accent5" accent6="accent6" bg1="lt1" bg2="dk2" tx1="dk1" tx2="lt2" folHlink="folHlink" hlink="hlink"/>
+  <p:clrMap bg1="lt1" tx1="dk1" bg2="dk2" tx2="lt2" accent1="accent1" accent2="accent2" accent3="accent3" accent4="accent4" accent5="accent5" accent6="accent6" hlink="hlink" folHlink="folHlink"/>
   <p:notesStyle>
-    <a:defPPr lvl="0" marR="0" rtl="0" algn="l">
+    <a:defPPr marR="0" lvl="0" algn="l" rtl="0">
       <a:lnSpc>
         <a:spcPct val="100000"/>
       </a:lnSpc>
@@ -469,7 +494,7 @@
         <a:spcPts val="0"/>
       </a:spcAft>
     </a:defPPr>
-    <a:lvl1pPr lvl="0" marR="0" rtl="0" algn="l">
+    <a:lvl1pPr marR="0" lvl="0" algn="l" rtl="0">
       <a:lnSpc>
         <a:spcPct val="100000"/>
       </a:lnSpc>
@@ -483,7 +508,7 @@
         <a:srgbClr val="000000"/>
       </a:buClr>
       <a:buFont typeface="Arial"/>
-      <a:defRPr b="0" i="0" sz="1400" u="none" cap="none" strike="noStrike">
+      <a:defRPr sz="1400" b="0" i="0" u="none" strike="noStrike" cap="none">
         <a:solidFill>
           <a:srgbClr val="000000"/>
         </a:solidFill>
@@ -493,7 +518,7 @@
         <a:sym typeface="Arial"/>
       </a:defRPr>
     </a:lvl1pPr>
-    <a:lvl2pPr lvl="1" marR="0" rtl="0" algn="l">
+    <a:lvl2pPr marR="0" lvl="1" algn="l" rtl="0">
       <a:lnSpc>
         <a:spcPct val="100000"/>
       </a:lnSpc>
@@ -507,7 +532,7 @@
         <a:srgbClr val="000000"/>
       </a:buClr>
       <a:buFont typeface="Arial"/>
-      <a:defRPr b="0" i="0" sz="1400" u="none" cap="none" strike="noStrike">
+      <a:defRPr sz="1400" b="0" i="0" u="none" strike="noStrike" cap="none">
         <a:solidFill>
           <a:srgbClr val="000000"/>
         </a:solidFill>
@@ -517,7 +542,7 @@
         <a:sym typeface="Arial"/>
       </a:defRPr>
     </a:lvl2pPr>
-    <a:lvl3pPr lvl="2" marR="0" rtl="0" algn="l">
+    <a:lvl3pPr marR="0" lvl="2" algn="l" rtl="0">
       <a:lnSpc>
         <a:spcPct val="100000"/>
       </a:lnSpc>
@@ -531,7 +556,7 @@
         <a:srgbClr val="000000"/>
       </a:buClr>
       <a:buFont typeface="Arial"/>
-      <a:defRPr b="0" i="0" sz="1400" u="none" cap="none" strike="noStrike">
+      <a:defRPr sz="1400" b="0" i="0" u="none" strike="noStrike" cap="none">
         <a:solidFill>
           <a:srgbClr val="000000"/>
         </a:solidFill>
@@ -541,7 +566,7 @@
         <a:sym typeface="Arial"/>
       </a:defRPr>
     </a:lvl3pPr>
-    <a:lvl4pPr lvl="3" marR="0" rtl="0" algn="l">
+    <a:lvl4pPr marR="0" lvl="3" algn="l" rtl="0">
       <a:lnSpc>
         <a:spcPct val="100000"/>
       </a:lnSpc>
@@ -555,7 +580,7 @@
         <a:srgbClr val="000000"/>
       </a:buClr>
       <a:buFont typeface="Arial"/>
-      <a:defRPr b="0" i="0" sz="1400" u="none" cap="none" strike="noStrike">
+      <a:defRPr sz="1400" b="0" i="0" u="none" strike="noStrike" cap="none">
         <a:solidFill>
           <a:srgbClr val="000000"/>
         </a:solidFill>
@@ -565,7 +590,7 @@
         <a:sym typeface="Arial"/>
       </a:defRPr>
     </a:lvl4pPr>
-    <a:lvl5pPr lvl="4" marR="0" rtl="0" algn="l">
+    <a:lvl5pPr marR="0" lvl="4" algn="l" rtl="0">
       <a:lnSpc>
         <a:spcPct val="100000"/>
       </a:lnSpc>
@@ -579,7 +604,7 @@
         <a:srgbClr val="000000"/>
       </a:buClr>
       <a:buFont typeface="Arial"/>
-      <a:defRPr b="0" i="0" sz="1400" u="none" cap="none" strike="noStrike">
+      <a:defRPr sz="1400" b="0" i="0" u="none" strike="noStrike" cap="none">
         <a:solidFill>
           <a:srgbClr val="000000"/>
         </a:solidFill>
@@ -589,7 +614,7 @@
         <a:sym typeface="Arial"/>
       </a:defRPr>
     </a:lvl5pPr>
-    <a:lvl6pPr lvl="5" marR="0" rtl="0" algn="l">
+    <a:lvl6pPr marR="0" lvl="5" algn="l" rtl="0">
       <a:lnSpc>
         <a:spcPct val="100000"/>
       </a:lnSpc>
@@ -603,7 +628,7 @@
         <a:srgbClr val="000000"/>
       </a:buClr>
       <a:buFont typeface="Arial"/>
-      <a:defRPr b="0" i="0" sz="1400" u="none" cap="none" strike="noStrike">
+      <a:defRPr sz="1400" b="0" i="0" u="none" strike="noStrike" cap="none">
         <a:solidFill>
           <a:srgbClr val="000000"/>
         </a:solidFill>
@@ -613,7 +638,7 @@
         <a:sym typeface="Arial"/>
       </a:defRPr>
     </a:lvl6pPr>
-    <a:lvl7pPr lvl="6" marR="0" rtl="0" algn="l">
+    <a:lvl7pPr marR="0" lvl="6" algn="l" rtl="0">
       <a:lnSpc>
         <a:spcPct val="100000"/>
       </a:lnSpc>
@@ -627,7 +652,7 @@
         <a:srgbClr val="000000"/>
       </a:buClr>
       <a:buFont typeface="Arial"/>
-      <a:defRPr b="0" i="0" sz="1400" u="none" cap="none" strike="noStrike">
+      <a:defRPr sz="1400" b="0" i="0" u="none" strike="noStrike" cap="none">
         <a:solidFill>
           <a:srgbClr val="000000"/>
         </a:solidFill>
@@ -637,7 +662,7 @@
         <a:sym typeface="Arial"/>
       </a:defRPr>
     </a:lvl7pPr>
-    <a:lvl8pPr lvl="7" marR="0" rtl="0" algn="l">
+    <a:lvl8pPr marR="0" lvl="7" algn="l" rtl="0">
       <a:lnSpc>
         <a:spcPct val="100000"/>
       </a:lnSpc>
@@ -651,7 +676,7 @@
         <a:srgbClr val="000000"/>
       </a:buClr>
       <a:buFont typeface="Arial"/>
-      <a:defRPr b="0" i="0" sz="1400" u="none" cap="none" strike="noStrike">
+      <a:defRPr sz="1400" b="0" i="0" u="none" strike="noStrike" cap="none">
         <a:solidFill>
           <a:srgbClr val="000000"/>
         </a:solidFill>
@@ -661,7 +686,7 @@
         <a:sym typeface="Arial"/>
       </a:defRPr>
     </a:lvl8pPr>
-    <a:lvl9pPr lvl="8" marR="0" rtl="0" algn="l">
+    <a:lvl9pPr marR="0" lvl="8" algn="l" rtl="0">
       <a:lnSpc>
         <a:spcPct val="100000"/>
       </a:lnSpc>
@@ -675,7 +700,7 @@
         <a:srgbClr val="000000"/>
       </a:buClr>
       <a:buFont typeface="Arial"/>
-      <a:defRPr b="0" i="0" sz="1400" u="none" cap="none" strike="noStrike">
+      <a:defRPr sz="1400" b="0" i="0" u="none" strike="noStrike" cap="none">
         <a:solidFill>
           <a:srgbClr val="000000"/>
         </a:solidFill>
@@ -690,11 +715,11 @@
 </file>
 
 <file path=ppt/notesSlides/notesSlide1.xml><?xml version="1.0" encoding="utf-8"?>
-<p:notes xmlns:a="http://schemas.openxmlformats.org/drawingml/2006/main" xmlns:r="http://schemas.openxmlformats.org/officeDocument/2006/relationships" xmlns:mc="http://schemas.openxmlformats.org/markup-compatibility/2006" xmlns:mv="urn:schemas-microsoft-com:mac:vml" xmlns:p="http://schemas.openxmlformats.org/presentationml/2006/main" xmlns:c="http://schemas.openxmlformats.org/drawingml/2006/chart" xmlns:dgm="http://schemas.openxmlformats.org/drawingml/2006/diagram" xmlns:o="urn:schemas-microsoft-com:office:office" xmlns:v="urn:schemas-microsoft-com:vml" xmlns:pvml="urn:schemas-microsoft-com:office:powerpoint" xmlns:com="http://schemas.openxmlformats.org/drawingml/2006/compatibility" xmlns:p14="http://schemas.microsoft.com/office/powerpoint/2010/main" xmlns:p15="http://schemas.microsoft.com/office/powerpoint/2012/main" xmlns:ahyp="http://schemas.microsoft.com/office/drawing/2018/hyperlinkcolor" showMasterPhAnim="0" showMasterSp="0">
+<p:notes xmlns:a="http://schemas.openxmlformats.org/drawingml/2006/main" xmlns:r="http://schemas.openxmlformats.org/officeDocument/2006/relationships" xmlns:p="http://schemas.openxmlformats.org/presentationml/2006/main" showMasterSp="0" showMasterPhAnim="0">
   <p:cSld>
     <p:spTree>
       <p:nvGrpSpPr>
-        <p:cNvPr id="50" name="Shape 50"/>
+        <p:cNvPr id="1" name="Shape 55"/>
         <p:cNvGrpSpPr/>
         <p:nvPr/>
       </p:nvGrpSpPr>
@@ -708,21 +733,27 @@
       </p:grpSpPr>
       <p:sp>
         <p:nvSpPr>
-          <p:cNvPr id="51" name="Google Shape;51;p:notes"/>
-          <p:cNvSpPr/>
+          <p:cNvPr id="56" name="Google Shape;56;p:notes"/>
+          <p:cNvSpPr>
+            <a:spLocks noGrp="1" noRot="1" noChangeAspect="1"/>
+          </p:cNvSpPr>
           <p:nvPr>
-            <p:ph idx="2" type="sldImg"/>
+            <p:ph type="sldImg" idx="2"/>
           </p:nvPr>
         </p:nvSpPr>
         <p:spPr>
           <a:xfrm>
-            <a:off x="381300" y="685800"/>
-            <a:ext cx="6096075" cy="3429000"/>
+            <a:off x="381000" y="685800"/>
+            <a:ext cx="6096000" cy="3429000"/>
           </a:xfrm>
           <a:custGeom>
-            <a:rect b="b" l="l" r="r" t="t"/>
+            <a:avLst/>
+            <a:gdLst/>
+            <a:ahLst/>
+            <a:cxnLst/>
+            <a:rect l="l" t="t" r="r" b="b"/>
             <a:pathLst>
-              <a:path extrusionOk="0" h="120000" w="120000">
+              <a:path w="120000" h="120000" extrusionOk="0">
                 <a:moveTo>
                   <a:pt x="0" y="0"/>
                 </a:moveTo>
@@ -743,10 +774,12 @@
       </p:sp>
       <p:sp>
         <p:nvSpPr>
-          <p:cNvPr id="52" name="Google Shape;52;p:notes"/>
-          <p:cNvSpPr txBox="1"/>
+          <p:cNvPr id="57" name="Google Shape;57;p:notes"/>
+          <p:cNvSpPr txBox="1">
+            <a:spLocks noGrp="1"/>
+          </p:cNvSpPr>
           <p:nvPr>
-            <p:ph idx="1" type="body"/>
+            <p:ph type="body" idx="1"/>
           </p:nvPr>
         </p:nvSpPr>
         <p:spPr>
@@ -759,12 +792,12 @@
           </a:prstGeom>
         </p:spPr>
         <p:txBody>
-          <a:bodyPr anchorCtr="0" anchor="t" bIns="91425" lIns="91425" spcFirstLastPara="1" rIns="91425" wrap="square" tIns="91425">
+          <a:bodyPr spcFirstLastPara="1" wrap="square" lIns="91425" tIns="91425" rIns="91425" bIns="91425" anchor="t" anchorCtr="0">
             <a:noAutofit/>
           </a:bodyPr>
           <a:lstStyle/>
           <a:p>
-            <a:pPr indent="0" lvl="0" marL="0" rtl="0" algn="l">
+            <a:pPr marL="0" lvl="0" indent="0" algn="l" rtl="0">
               <a:spcBef>
                 <a:spcPts val="0"/>
               </a:spcBef>
@@ -773,9 +806,6 @@
               </a:spcAft>
               <a:buNone/>
             </a:pPr>
-            <a:r>
-              <a:t/>
-            </a:r>
             <a:endParaRPr/>
           </a:p>
         </p:txBody>
@@ -789,11 +819,11 @@
 </file>
 
 <file path=ppt/notesSlides/notesSlide2.xml><?xml version="1.0" encoding="utf-8"?>
-<p:notes xmlns:a="http://schemas.openxmlformats.org/drawingml/2006/main" xmlns:r="http://schemas.openxmlformats.org/officeDocument/2006/relationships" xmlns:mc="http://schemas.openxmlformats.org/markup-compatibility/2006" xmlns:mv="urn:schemas-microsoft-com:mac:vml" xmlns:p="http://schemas.openxmlformats.org/presentationml/2006/main" xmlns:c="http://schemas.openxmlformats.org/drawingml/2006/chart" xmlns:dgm="http://schemas.openxmlformats.org/drawingml/2006/diagram" xmlns:o="urn:schemas-microsoft-com:office:office" xmlns:v="urn:schemas-microsoft-com:vml" xmlns:pvml="urn:schemas-microsoft-com:office:powerpoint" xmlns:com="http://schemas.openxmlformats.org/drawingml/2006/compatibility" xmlns:p14="http://schemas.microsoft.com/office/powerpoint/2010/main" xmlns:p15="http://schemas.microsoft.com/office/powerpoint/2012/main" xmlns:ahyp="http://schemas.microsoft.com/office/drawing/2018/hyperlinkcolor" showMasterPhAnim="0" showMasterSp="0">
+<p:notes xmlns:a="http://schemas.openxmlformats.org/drawingml/2006/main" xmlns:r="http://schemas.openxmlformats.org/officeDocument/2006/relationships" xmlns:p="http://schemas.openxmlformats.org/presentationml/2006/main" showMasterSp="0" showMasterPhAnim="0">
   <p:cSld>
     <p:spTree>
       <p:nvGrpSpPr>
-        <p:cNvPr id="56" name="Shape 56"/>
+        <p:cNvPr id="1" name="Shape 61"/>
         <p:cNvGrpSpPr/>
         <p:nvPr/>
       </p:nvGrpSpPr>
@@ -807,21 +837,27 @@
       </p:grpSpPr>
       <p:sp>
         <p:nvSpPr>
-          <p:cNvPr id="57" name="Google Shape;57;g22c3fa71500_1_0:notes"/>
-          <p:cNvSpPr/>
+          <p:cNvPr id="62" name="Google Shape;62;g22c3fa71500_1_0:notes"/>
+          <p:cNvSpPr>
+            <a:spLocks noGrp="1" noRot="1" noChangeAspect="1"/>
+          </p:cNvSpPr>
           <p:nvPr>
-            <p:ph idx="2" type="sldImg"/>
+            <p:ph type="sldImg" idx="2"/>
           </p:nvPr>
         </p:nvSpPr>
         <p:spPr>
           <a:xfrm>
-            <a:off x="381300" y="685800"/>
+            <a:off x="381000" y="685800"/>
             <a:ext cx="6096000" cy="3429000"/>
           </a:xfrm>
           <a:custGeom>
-            <a:rect b="b" l="l" r="r" t="t"/>
+            <a:avLst/>
+            <a:gdLst/>
+            <a:ahLst/>
+            <a:cxnLst/>
+            <a:rect l="l" t="t" r="r" b="b"/>
             <a:pathLst>
-              <a:path extrusionOk="0" h="120000" w="120000">
+              <a:path w="120000" h="120000" extrusionOk="0">
                 <a:moveTo>
                   <a:pt x="0" y="0"/>
                 </a:moveTo>
@@ -842,10 +878,12 @@
       </p:sp>
       <p:sp>
         <p:nvSpPr>
-          <p:cNvPr id="58" name="Google Shape;58;g22c3fa71500_1_0:notes"/>
-          <p:cNvSpPr txBox="1"/>
+          <p:cNvPr id="63" name="Google Shape;63;g22c3fa71500_1_0:notes"/>
+          <p:cNvSpPr txBox="1">
+            <a:spLocks noGrp="1"/>
+          </p:cNvSpPr>
           <p:nvPr>
-            <p:ph idx="1" type="body"/>
+            <p:ph type="body" idx="1"/>
           </p:nvPr>
         </p:nvSpPr>
         <p:spPr>
@@ -858,12 +896,12 @@
           </a:prstGeom>
         </p:spPr>
         <p:txBody>
-          <a:bodyPr anchorCtr="0" anchor="t" bIns="91425" lIns="91425" spcFirstLastPara="1" rIns="91425" wrap="square" tIns="91425">
+          <a:bodyPr spcFirstLastPara="1" wrap="square" lIns="91425" tIns="91425" rIns="91425" bIns="91425" anchor="t" anchorCtr="0">
             <a:noAutofit/>
           </a:bodyPr>
           <a:lstStyle/>
           <a:p>
-            <a:pPr indent="0" lvl="0" marL="0" rtl="0" algn="l">
+            <a:pPr marL="0" lvl="0" indent="0" algn="l" rtl="0">
               <a:spcBef>
                 <a:spcPts val="0"/>
               </a:spcBef>
@@ -872,9 +910,6 @@
               </a:spcAft>
               <a:buNone/>
             </a:pPr>
-            <a:r>
-              <a:t/>
-            </a:r>
             <a:endParaRPr/>
           </a:p>
         </p:txBody>
@@ -888,11 +923,11 @@
 </file>
 
 <file path=ppt/notesSlides/notesSlide3.xml><?xml version="1.0" encoding="utf-8"?>
-<p:notes xmlns:a="http://schemas.openxmlformats.org/drawingml/2006/main" xmlns:r="http://schemas.openxmlformats.org/officeDocument/2006/relationships" xmlns:mc="http://schemas.openxmlformats.org/markup-compatibility/2006" xmlns:mv="urn:schemas-microsoft-com:mac:vml" xmlns:p="http://schemas.openxmlformats.org/presentationml/2006/main" xmlns:c="http://schemas.openxmlformats.org/drawingml/2006/chart" xmlns:dgm="http://schemas.openxmlformats.org/drawingml/2006/diagram" xmlns:o="urn:schemas-microsoft-com:office:office" xmlns:v="urn:schemas-microsoft-com:vml" xmlns:pvml="urn:schemas-microsoft-com:office:powerpoint" xmlns:com="http://schemas.openxmlformats.org/drawingml/2006/compatibility" xmlns:p14="http://schemas.microsoft.com/office/powerpoint/2010/main" xmlns:p15="http://schemas.microsoft.com/office/powerpoint/2012/main" xmlns:ahyp="http://schemas.microsoft.com/office/drawing/2018/hyperlinkcolor" showMasterPhAnim="0" showMasterSp="0">
+<p:notes xmlns:a="http://schemas.openxmlformats.org/drawingml/2006/main" xmlns:r="http://schemas.openxmlformats.org/officeDocument/2006/relationships" xmlns:p="http://schemas.openxmlformats.org/presentationml/2006/main" showMasterSp="0" showMasterPhAnim="0">
   <p:cSld>
     <p:spTree>
       <p:nvGrpSpPr>
-        <p:cNvPr id="64" name="Shape 64"/>
+        <p:cNvPr id="1" name="Shape 68"/>
         <p:cNvGrpSpPr/>
         <p:nvPr/>
       </p:nvGrpSpPr>
@@ -906,21 +941,27 @@
       </p:grpSpPr>
       <p:sp>
         <p:nvSpPr>
-          <p:cNvPr id="65" name="Google Shape;65;g22c3fa71500_2_2:notes"/>
-          <p:cNvSpPr/>
+          <p:cNvPr id="69" name="Google Shape;69;g22c3fa71500_2_2:notes"/>
+          <p:cNvSpPr>
+            <a:spLocks noGrp="1" noRot="1" noChangeAspect="1"/>
+          </p:cNvSpPr>
           <p:nvPr>
-            <p:ph idx="2" type="sldImg"/>
+            <p:ph type="sldImg" idx="2"/>
           </p:nvPr>
         </p:nvSpPr>
         <p:spPr>
           <a:xfrm>
-            <a:off x="381300" y="685800"/>
+            <a:off x="381000" y="685800"/>
             <a:ext cx="6096000" cy="3429000"/>
           </a:xfrm>
           <a:custGeom>
-            <a:rect b="b" l="l" r="r" t="t"/>
+            <a:avLst/>
+            <a:gdLst/>
+            <a:ahLst/>
+            <a:cxnLst/>
+            <a:rect l="l" t="t" r="r" b="b"/>
             <a:pathLst>
-              <a:path extrusionOk="0" h="120000" w="120000">
+              <a:path w="120000" h="120000" extrusionOk="0">
                 <a:moveTo>
                   <a:pt x="0" y="0"/>
                 </a:moveTo>
@@ -941,10 +982,12 @@
       </p:sp>
       <p:sp>
         <p:nvSpPr>
-          <p:cNvPr id="66" name="Google Shape;66;g22c3fa71500_2_2:notes"/>
-          <p:cNvSpPr txBox="1"/>
+          <p:cNvPr id="70" name="Google Shape;70;g22c3fa71500_2_2:notes"/>
+          <p:cNvSpPr txBox="1">
+            <a:spLocks noGrp="1"/>
+          </p:cNvSpPr>
           <p:nvPr>
-            <p:ph idx="1" type="body"/>
+            <p:ph type="body" idx="1"/>
           </p:nvPr>
         </p:nvSpPr>
         <p:spPr>
@@ -957,12 +1000,12 @@
           </a:prstGeom>
         </p:spPr>
         <p:txBody>
-          <a:bodyPr anchorCtr="0" anchor="t" bIns="91425" lIns="91425" spcFirstLastPara="1" rIns="91425" wrap="square" tIns="91425">
+          <a:bodyPr spcFirstLastPara="1" wrap="square" lIns="91425" tIns="91425" rIns="91425" bIns="91425" anchor="t" anchorCtr="0">
             <a:noAutofit/>
           </a:bodyPr>
           <a:lstStyle/>
           <a:p>
-            <a:pPr indent="0" lvl="0" marL="0" rtl="0" algn="l">
+            <a:pPr marL="0" lvl="0" indent="0" algn="l" rtl="0">
               <a:spcBef>
                 <a:spcPts val="0"/>
               </a:spcBef>
@@ -971,9 +1014,6 @@
               </a:spcAft>
               <a:buNone/>
             </a:pPr>
-            <a:r>
-              <a:t/>
-            </a:r>
             <a:endParaRPr/>
           </a:p>
         </p:txBody>
@@ -987,11 +1027,11 @@
 </file>
 
 <file path=ppt/notesSlides/notesSlide4.xml><?xml version="1.0" encoding="utf-8"?>
-<p:notes xmlns:a="http://schemas.openxmlformats.org/drawingml/2006/main" xmlns:r="http://schemas.openxmlformats.org/officeDocument/2006/relationships" xmlns:mc="http://schemas.openxmlformats.org/markup-compatibility/2006" xmlns:mv="urn:schemas-microsoft-com:mac:vml" xmlns:p="http://schemas.openxmlformats.org/presentationml/2006/main" xmlns:c="http://schemas.openxmlformats.org/drawingml/2006/chart" xmlns:dgm="http://schemas.openxmlformats.org/drawingml/2006/diagram" xmlns:o="urn:schemas-microsoft-com:office:office" xmlns:v="urn:schemas-microsoft-com:vml" xmlns:pvml="urn:schemas-microsoft-com:office:powerpoint" xmlns:com="http://schemas.openxmlformats.org/drawingml/2006/compatibility" xmlns:p14="http://schemas.microsoft.com/office/powerpoint/2010/main" xmlns:p15="http://schemas.microsoft.com/office/powerpoint/2012/main" xmlns:ahyp="http://schemas.microsoft.com/office/drawing/2018/hyperlinkcolor" showMasterPhAnim="0" showMasterSp="0">
+<p:notes xmlns:a="http://schemas.openxmlformats.org/drawingml/2006/main" xmlns:r="http://schemas.openxmlformats.org/officeDocument/2006/relationships" xmlns:p="http://schemas.openxmlformats.org/presentationml/2006/main" showMasterSp="0" showMasterPhAnim="0">
   <p:cSld>
     <p:spTree>
       <p:nvGrpSpPr>
-        <p:cNvPr id="70" name="Shape 70"/>
+        <p:cNvPr id="1" name="Shape 74"/>
         <p:cNvGrpSpPr/>
         <p:nvPr/>
       </p:nvGrpSpPr>
@@ -1005,21 +1045,27 @@
       </p:grpSpPr>
       <p:sp>
         <p:nvSpPr>
-          <p:cNvPr id="71" name="Google Shape;71;g22c3fa71500_2_8:notes"/>
-          <p:cNvSpPr/>
+          <p:cNvPr id="75" name="Google Shape;75;g22c3fa71500_2_8:notes"/>
+          <p:cNvSpPr>
+            <a:spLocks noGrp="1" noRot="1" noChangeAspect="1"/>
+          </p:cNvSpPr>
           <p:nvPr>
-            <p:ph idx="2" type="sldImg"/>
+            <p:ph type="sldImg" idx="2"/>
           </p:nvPr>
         </p:nvSpPr>
         <p:spPr>
           <a:xfrm>
-            <a:off x="381300" y="685800"/>
+            <a:off x="381000" y="685800"/>
             <a:ext cx="6096000" cy="3429000"/>
           </a:xfrm>
           <a:custGeom>
-            <a:rect b="b" l="l" r="r" t="t"/>
+            <a:avLst/>
+            <a:gdLst/>
+            <a:ahLst/>
+            <a:cxnLst/>
+            <a:rect l="l" t="t" r="r" b="b"/>
             <a:pathLst>
-              <a:path extrusionOk="0" h="120000" w="120000">
+              <a:path w="120000" h="120000" extrusionOk="0">
                 <a:moveTo>
                   <a:pt x="0" y="0"/>
                 </a:moveTo>
@@ -1040,10 +1086,12 @@
       </p:sp>
       <p:sp>
         <p:nvSpPr>
-          <p:cNvPr id="72" name="Google Shape;72;g22c3fa71500_2_8:notes"/>
-          <p:cNvSpPr txBox="1"/>
+          <p:cNvPr id="76" name="Google Shape;76;g22c3fa71500_2_8:notes"/>
+          <p:cNvSpPr txBox="1">
+            <a:spLocks noGrp="1"/>
+          </p:cNvSpPr>
           <p:nvPr>
-            <p:ph idx="1" type="body"/>
+            <p:ph type="body" idx="1"/>
           </p:nvPr>
         </p:nvSpPr>
         <p:spPr>
@@ -1056,12 +1104,12 @@
           </a:prstGeom>
         </p:spPr>
         <p:txBody>
-          <a:bodyPr anchorCtr="0" anchor="t" bIns="91425" lIns="91425" spcFirstLastPara="1" rIns="91425" wrap="square" tIns="91425">
+          <a:bodyPr spcFirstLastPara="1" wrap="square" lIns="91425" tIns="91425" rIns="91425" bIns="91425" anchor="t" anchorCtr="0">
             <a:noAutofit/>
           </a:bodyPr>
           <a:lstStyle/>
           <a:p>
-            <a:pPr indent="0" lvl="0" marL="0" rtl="0" algn="l">
+            <a:pPr marL="0" lvl="0" indent="0" algn="l" rtl="0">
               <a:spcBef>
                 <a:spcPts val="0"/>
               </a:spcBef>
@@ -1070,9 +1118,110 @@
               </a:spcAft>
               <a:buNone/>
             </a:pPr>
-            <a:r>
-              <a:t/>
-            </a:r>
+            <a:endParaRPr/>
+          </a:p>
+        </p:txBody>
+      </p:sp>
+    </p:spTree>
+  </p:cSld>
+  <p:clrMapOvr>
+    <a:masterClrMapping/>
+  </p:clrMapOvr>
+</p:notes>
+</file>
+
+<file path=ppt/notesSlides/notesSlide5.xml><?xml version="1.0" encoding="utf-8"?>
+<p:notes xmlns:a="http://schemas.openxmlformats.org/drawingml/2006/main" xmlns:r="http://schemas.openxmlformats.org/officeDocument/2006/relationships" xmlns:p="http://schemas.openxmlformats.org/presentationml/2006/main" showMasterSp="0" showMasterPhAnim="0">
+  <p:cSld>
+    <p:spTree>
+      <p:nvGrpSpPr>
+        <p:cNvPr id="1" name="Shape 80"/>
+        <p:cNvGrpSpPr/>
+        <p:nvPr/>
+      </p:nvGrpSpPr>
+      <p:grpSpPr>
+        <a:xfrm>
+          <a:off x="0" y="0"/>
+          <a:ext cx="0" cy="0"/>
+          <a:chOff x="0" y="0"/>
+          <a:chExt cx="0" cy="0"/>
+        </a:xfrm>
+      </p:grpSpPr>
+      <p:sp>
+        <p:nvSpPr>
+          <p:cNvPr id="81" name="Google Shape;81;g32e6ab6d612a0447_55:notes"/>
+          <p:cNvSpPr>
+            <a:spLocks noGrp="1" noRot="1" noChangeAspect="1"/>
+          </p:cNvSpPr>
+          <p:nvPr>
+            <p:ph type="sldImg" idx="2"/>
+          </p:nvPr>
+        </p:nvSpPr>
+        <p:spPr>
+          <a:xfrm>
+            <a:off x="381000" y="685800"/>
+            <a:ext cx="6096000" cy="3429000"/>
+          </a:xfrm>
+          <a:custGeom>
+            <a:avLst/>
+            <a:gdLst/>
+            <a:ahLst/>
+            <a:cxnLst/>
+            <a:rect l="l" t="t" r="r" b="b"/>
+            <a:pathLst>
+              <a:path w="120000" h="120000" extrusionOk="0">
+                <a:moveTo>
+                  <a:pt x="0" y="0"/>
+                </a:moveTo>
+                <a:lnTo>
+                  <a:pt x="120000" y="0"/>
+                </a:lnTo>
+                <a:lnTo>
+                  <a:pt x="120000" y="120000"/>
+                </a:lnTo>
+                <a:lnTo>
+                  <a:pt x="0" y="120000"/>
+                </a:lnTo>
+                <a:close/>
+              </a:path>
+            </a:pathLst>
+          </a:custGeom>
+        </p:spPr>
+      </p:sp>
+      <p:sp>
+        <p:nvSpPr>
+          <p:cNvPr id="82" name="Google Shape;82;g32e6ab6d612a0447_55:notes"/>
+          <p:cNvSpPr txBox="1">
+            <a:spLocks noGrp="1"/>
+          </p:cNvSpPr>
+          <p:nvPr>
+            <p:ph type="body" idx="1"/>
+          </p:nvPr>
+        </p:nvSpPr>
+        <p:spPr>
+          <a:xfrm>
+            <a:off x="685800" y="4343400"/>
+            <a:ext cx="5486400" cy="4114800"/>
+          </a:xfrm>
+          <a:prstGeom prst="rect">
+            <a:avLst/>
+          </a:prstGeom>
+        </p:spPr>
+        <p:txBody>
+          <a:bodyPr spcFirstLastPara="1" wrap="square" lIns="91425" tIns="91425" rIns="91425" bIns="91425" anchor="t" anchorCtr="0">
+            <a:noAutofit/>
+          </a:bodyPr>
+          <a:lstStyle/>
+          <a:p>
+            <a:pPr marL="0" lvl="0" indent="0" algn="l" rtl="0">
+              <a:spcBef>
+                <a:spcPts val="0"/>
+              </a:spcBef>
+              <a:spcAft>
+                <a:spcPts val="0"/>
+              </a:spcAft>
+              <a:buNone/>
+            </a:pPr>
             <a:endParaRPr/>
           </a:p>
         </p:txBody>
@@ -1086,11 +1235,19 @@
 </file>
 
 <file path=ppt/slideLayouts/slideLayout1.xml><?xml version="1.0" encoding="utf-8"?>
-<p:sldLayout xmlns:a="http://schemas.openxmlformats.org/drawingml/2006/main" xmlns:r="http://schemas.openxmlformats.org/officeDocument/2006/relationships" xmlns:mc="http://schemas.openxmlformats.org/markup-compatibility/2006" xmlns:mv="urn:schemas-microsoft-com:mac:vml" xmlns:p="http://schemas.openxmlformats.org/presentationml/2006/main" xmlns:c="http://schemas.openxmlformats.org/drawingml/2006/chart" xmlns:dgm="http://schemas.openxmlformats.org/drawingml/2006/diagram" xmlns:o="urn:schemas-microsoft-com:office:office" xmlns:v="urn:schemas-microsoft-com:vml" xmlns:pvml="urn:schemas-microsoft-com:office:powerpoint" xmlns:com="http://schemas.openxmlformats.org/drawingml/2006/compatibility" xmlns:p14="http://schemas.microsoft.com/office/powerpoint/2010/main" xmlns:p15="http://schemas.microsoft.com/office/powerpoint/2012/main" xmlns:ahyp="http://schemas.microsoft.com/office/drawing/2018/hyperlinkcolor" matchingName="Title slide" type="title">
+<p:sldLayout xmlns:a="http://schemas.openxmlformats.org/drawingml/2006/main" xmlns:r="http://schemas.openxmlformats.org/officeDocument/2006/relationships" xmlns:p="http://schemas.openxmlformats.org/presentationml/2006/main" matchingName="Title slide" type="title">
   <p:cSld name="TITLE">
+    <p:bg>
+      <p:bgPr>
+        <a:solidFill>
+          <a:schemeClr val="dk1"/>
+        </a:solidFill>
+        <a:effectLst/>
+      </p:bgPr>
+    </p:bg>
     <p:spTree>
       <p:nvGrpSpPr>
-        <p:cNvPr id="9" name="Shape 9"/>
+        <p:cNvPr id="1" name="Shape 9"/>
         <p:cNvGrpSpPr/>
         <p:nvPr/>
       </p:nvGrpSpPr>
@@ -1102,154 +1259,249 @@
           <a:chExt cx="0" cy="0"/>
         </a:xfrm>
       </p:grpSpPr>
+      <p:cxnSp>
+        <p:nvCxnSpPr>
+          <p:cNvPr id="10" name="Google Shape;10;p2"/>
+          <p:cNvCxnSpPr/>
+          <p:nvPr/>
+        </p:nvCxnSpPr>
+        <p:spPr>
+          <a:xfrm>
+            <a:off x="0" y="2998150"/>
+            <a:ext cx="9144000" cy="0"/>
+          </a:xfrm>
+          <a:prstGeom prst="straightConnector1">
+            <a:avLst/>
+          </a:prstGeom>
+          <a:noFill/>
+          <a:ln w="19050" cap="flat" cmpd="sng">
+            <a:solidFill>
+              <a:schemeClr val="lt2"/>
+            </a:solidFill>
+            <a:prstDash val="solid"/>
+            <a:round/>
+            <a:headEnd type="none" w="sm" len="sm"/>
+            <a:tailEnd type="none" w="sm" len="sm"/>
+          </a:ln>
+        </p:spPr>
+      </p:cxnSp>
       <p:sp>
         <p:nvSpPr>
-          <p:cNvPr id="10" name="Google Shape;10;p2"/>
-          <p:cNvSpPr txBox="1"/>
+          <p:cNvPr id="11" name="Google Shape;11;p2"/>
+          <p:cNvSpPr txBox="1">
+            <a:spLocks noGrp="1"/>
+          </p:cNvSpPr>
           <p:nvPr>
             <p:ph type="ctrTitle"/>
           </p:nvPr>
         </p:nvSpPr>
         <p:spPr>
           <a:xfrm>
-            <a:off x="311708" y="744575"/>
-            <a:ext cx="8520600" cy="2052600"/>
+            <a:off x="510450" y="1257300"/>
+            <a:ext cx="8123100" cy="1588500"/>
           </a:xfrm>
           <a:prstGeom prst="rect">
             <a:avLst/>
           </a:prstGeom>
         </p:spPr>
         <p:txBody>
-          <a:bodyPr anchorCtr="0" anchor="b" bIns="91425" lIns="91425" spcFirstLastPara="1" rIns="91425" wrap="square" tIns="91425">
+          <a:bodyPr spcFirstLastPara="1" wrap="square" lIns="91425" tIns="91425" rIns="91425" bIns="91425" anchor="b" anchorCtr="0">
             <a:normAutofit/>
           </a:bodyPr>
           <a:lstStyle>
-            <a:lvl1pPr lvl="0" algn="ctr">
-              <a:spcBef>
-                <a:spcPts val="0"/>
-              </a:spcBef>
-              <a:spcAft>
-                <a:spcPts val="0"/>
-              </a:spcAft>
-              <a:buSzPts val="5200"/>
-              <a:buNone/>
-              <a:defRPr sz="5200"/>
+            <a:lvl1pPr lvl="0">
+              <a:spcBef>
+                <a:spcPts val="0"/>
+              </a:spcBef>
+              <a:spcAft>
+                <a:spcPts val="0"/>
+              </a:spcAft>
+              <a:buClr>
+                <a:schemeClr val="lt1"/>
+              </a:buClr>
+              <a:buSzPts val="4800"/>
+              <a:buNone/>
+              <a:defRPr sz="4800">
+                <a:solidFill>
+                  <a:schemeClr val="lt1"/>
+                </a:solidFill>
+              </a:defRPr>
             </a:lvl1pPr>
-            <a:lvl2pPr lvl="1" algn="ctr">
-              <a:spcBef>
-                <a:spcPts val="0"/>
-              </a:spcBef>
-              <a:spcAft>
-                <a:spcPts val="0"/>
-              </a:spcAft>
-              <a:buSzPts val="5200"/>
-              <a:buNone/>
-              <a:defRPr sz="5200"/>
+            <a:lvl2pPr lvl="1">
+              <a:spcBef>
+                <a:spcPts val="0"/>
+              </a:spcBef>
+              <a:spcAft>
+                <a:spcPts val="0"/>
+              </a:spcAft>
+              <a:buClr>
+                <a:schemeClr val="lt1"/>
+              </a:buClr>
+              <a:buSzPts val="4800"/>
+              <a:buNone/>
+              <a:defRPr sz="4800">
+                <a:solidFill>
+                  <a:schemeClr val="lt1"/>
+                </a:solidFill>
+              </a:defRPr>
             </a:lvl2pPr>
-            <a:lvl3pPr lvl="2" algn="ctr">
-              <a:spcBef>
-                <a:spcPts val="0"/>
-              </a:spcBef>
-              <a:spcAft>
-                <a:spcPts val="0"/>
-              </a:spcAft>
-              <a:buSzPts val="5200"/>
-              <a:buNone/>
-              <a:defRPr sz="5200"/>
+            <a:lvl3pPr lvl="2">
+              <a:spcBef>
+                <a:spcPts val="0"/>
+              </a:spcBef>
+              <a:spcAft>
+                <a:spcPts val="0"/>
+              </a:spcAft>
+              <a:buClr>
+                <a:schemeClr val="lt1"/>
+              </a:buClr>
+              <a:buSzPts val="4800"/>
+              <a:buNone/>
+              <a:defRPr sz="4800">
+                <a:solidFill>
+                  <a:schemeClr val="lt1"/>
+                </a:solidFill>
+              </a:defRPr>
             </a:lvl3pPr>
-            <a:lvl4pPr lvl="3" algn="ctr">
-              <a:spcBef>
-                <a:spcPts val="0"/>
-              </a:spcBef>
-              <a:spcAft>
-                <a:spcPts val="0"/>
-              </a:spcAft>
-              <a:buSzPts val="5200"/>
-              <a:buNone/>
-              <a:defRPr sz="5200"/>
+            <a:lvl4pPr lvl="3">
+              <a:spcBef>
+                <a:spcPts val="0"/>
+              </a:spcBef>
+              <a:spcAft>
+                <a:spcPts val="0"/>
+              </a:spcAft>
+              <a:buClr>
+                <a:schemeClr val="lt1"/>
+              </a:buClr>
+              <a:buSzPts val="4800"/>
+              <a:buNone/>
+              <a:defRPr sz="4800">
+                <a:solidFill>
+                  <a:schemeClr val="lt1"/>
+                </a:solidFill>
+              </a:defRPr>
             </a:lvl4pPr>
-            <a:lvl5pPr lvl="4" algn="ctr">
-              <a:spcBef>
-                <a:spcPts val="0"/>
-              </a:spcBef>
-              <a:spcAft>
-                <a:spcPts val="0"/>
-              </a:spcAft>
-              <a:buSzPts val="5200"/>
-              <a:buNone/>
-              <a:defRPr sz="5200"/>
+            <a:lvl5pPr lvl="4">
+              <a:spcBef>
+                <a:spcPts val="0"/>
+              </a:spcBef>
+              <a:spcAft>
+                <a:spcPts val="0"/>
+              </a:spcAft>
+              <a:buClr>
+                <a:schemeClr val="lt1"/>
+              </a:buClr>
+              <a:buSzPts val="4800"/>
+              <a:buNone/>
+              <a:defRPr sz="4800">
+                <a:solidFill>
+                  <a:schemeClr val="lt1"/>
+                </a:solidFill>
+              </a:defRPr>
             </a:lvl5pPr>
-            <a:lvl6pPr lvl="5" algn="ctr">
-              <a:spcBef>
-                <a:spcPts val="0"/>
-              </a:spcBef>
-              <a:spcAft>
-                <a:spcPts val="0"/>
-              </a:spcAft>
-              <a:buSzPts val="5200"/>
-              <a:buNone/>
-              <a:defRPr sz="5200"/>
+            <a:lvl6pPr lvl="5">
+              <a:spcBef>
+                <a:spcPts val="0"/>
+              </a:spcBef>
+              <a:spcAft>
+                <a:spcPts val="0"/>
+              </a:spcAft>
+              <a:buClr>
+                <a:schemeClr val="lt1"/>
+              </a:buClr>
+              <a:buSzPts val="4800"/>
+              <a:buNone/>
+              <a:defRPr sz="4800">
+                <a:solidFill>
+                  <a:schemeClr val="lt1"/>
+                </a:solidFill>
+              </a:defRPr>
             </a:lvl6pPr>
-            <a:lvl7pPr lvl="6" algn="ctr">
-              <a:spcBef>
-                <a:spcPts val="0"/>
-              </a:spcBef>
-              <a:spcAft>
-                <a:spcPts val="0"/>
-              </a:spcAft>
-              <a:buSzPts val="5200"/>
-              <a:buNone/>
-              <a:defRPr sz="5200"/>
+            <a:lvl7pPr lvl="6">
+              <a:spcBef>
+                <a:spcPts val="0"/>
+              </a:spcBef>
+              <a:spcAft>
+                <a:spcPts val="0"/>
+              </a:spcAft>
+              <a:buClr>
+                <a:schemeClr val="lt1"/>
+              </a:buClr>
+              <a:buSzPts val="4800"/>
+              <a:buNone/>
+              <a:defRPr sz="4800">
+                <a:solidFill>
+                  <a:schemeClr val="lt1"/>
+                </a:solidFill>
+              </a:defRPr>
             </a:lvl7pPr>
-            <a:lvl8pPr lvl="7" algn="ctr">
-              <a:spcBef>
-                <a:spcPts val="0"/>
-              </a:spcBef>
-              <a:spcAft>
-                <a:spcPts val="0"/>
-              </a:spcAft>
-              <a:buSzPts val="5200"/>
-              <a:buNone/>
-              <a:defRPr sz="5200"/>
+            <a:lvl8pPr lvl="7">
+              <a:spcBef>
+                <a:spcPts val="0"/>
+              </a:spcBef>
+              <a:spcAft>
+                <a:spcPts val="0"/>
+              </a:spcAft>
+              <a:buClr>
+                <a:schemeClr val="lt1"/>
+              </a:buClr>
+              <a:buSzPts val="4800"/>
+              <a:buNone/>
+              <a:defRPr sz="4800">
+                <a:solidFill>
+                  <a:schemeClr val="lt1"/>
+                </a:solidFill>
+              </a:defRPr>
             </a:lvl8pPr>
-            <a:lvl9pPr lvl="8" algn="ctr">
-              <a:spcBef>
-                <a:spcPts val="0"/>
-              </a:spcBef>
-              <a:spcAft>
-                <a:spcPts val="0"/>
-              </a:spcAft>
-              <a:buSzPts val="5200"/>
-              <a:buNone/>
-              <a:defRPr sz="5200"/>
+            <a:lvl9pPr lvl="8">
+              <a:spcBef>
+                <a:spcPts val="0"/>
+              </a:spcBef>
+              <a:spcAft>
+                <a:spcPts val="0"/>
+              </a:spcAft>
+              <a:buClr>
+                <a:schemeClr val="lt1"/>
+              </a:buClr>
+              <a:buSzPts val="4800"/>
+              <a:buNone/>
+              <a:defRPr sz="4800">
+                <a:solidFill>
+                  <a:schemeClr val="lt1"/>
+                </a:solidFill>
+              </a:defRPr>
             </a:lvl9pPr>
           </a:lstStyle>
-          <a:p/>
+          <a:p>
+            <a:endParaRPr/>
+          </a:p>
         </p:txBody>
       </p:sp>
       <p:sp>
         <p:nvSpPr>
-          <p:cNvPr id="11" name="Google Shape;11;p2"/>
-          <p:cNvSpPr txBox="1"/>
+          <p:cNvPr id="12" name="Google Shape;12;p2"/>
+          <p:cNvSpPr txBox="1">
+            <a:spLocks noGrp="1"/>
+          </p:cNvSpPr>
           <p:nvPr>
-            <p:ph idx="1" type="subTitle"/>
+            <p:ph type="subTitle" idx="1"/>
           </p:nvPr>
         </p:nvSpPr>
         <p:spPr>
           <a:xfrm>
-            <a:off x="311700" y="2834125"/>
-            <a:ext cx="8520600" cy="792600"/>
+            <a:off x="510450" y="3182313"/>
+            <a:ext cx="8123100" cy="630000"/>
           </a:xfrm>
           <a:prstGeom prst="rect">
             <a:avLst/>
           </a:prstGeom>
         </p:spPr>
         <p:txBody>
-          <a:bodyPr anchorCtr="0" anchor="t" bIns="91425" lIns="91425" spcFirstLastPara="1" rIns="91425" wrap="square" tIns="91425">
+          <a:bodyPr spcFirstLastPara="1" wrap="square" lIns="91425" tIns="91425" rIns="91425" bIns="91425" anchor="t" anchorCtr="0">
             <a:normAutofit/>
           </a:bodyPr>
           <a:lstStyle>
-            <a:lvl1pPr lvl="0" algn="ctr">
+            <a:lvl1pPr lvl="0">
               <a:lnSpc>
                 <a:spcPct val="100000"/>
               </a:lnSpc>
@@ -1259,11 +1511,18 @@
               <a:spcAft>
                 <a:spcPts val="0"/>
               </a:spcAft>
-              <a:buSzPts val="2800"/>
-              <a:buNone/>
-              <a:defRPr sz="2800"/>
+              <a:buClr>
+                <a:schemeClr val="lt1"/>
+              </a:buClr>
+              <a:buSzPts val="2400"/>
+              <a:buNone/>
+              <a:defRPr sz="2400">
+                <a:solidFill>
+                  <a:schemeClr val="lt1"/>
+                </a:solidFill>
+              </a:defRPr>
             </a:lvl1pPr>
-            <a:lvl2pPr lvl="1" algn="ctr">
+            <a:lvl2pPr lvl="1">
               <a:lnSpc>
                 <a:spcPct val="100000"/>
               </a:lnSpc>
@@ -1273,11 +1532,18 @@
               <a:spcAft>
                 <a:spcPts val="0"/>
               </a:spcAft>
-              <a:buSzPts val="2800"/>
-              <a:buNone/>
-              <a:defRPr sz="2800"/>
+              <a:buClr>
+                <a:schemeClr val="lt1"/>
+              </a:buClr>
+              <a:buSzPts val="2400"/>
+              <a:buNone/>
+              <a:defRPr sz="2400">
+                <a:solidFill>
+                  <a:schemeClr val="lt1"/>
+                </a:solidFill>
+              </a:defRPr>
             </a:lvl2pPr>
-            <a:lvl3pPr lvl="2" algn="ctr">
+            <a:lvl3pPr lvl="2">
               <a:lnSpc>
                 <a:spcPct val="100000"/>
               </a:lnSpc>
@@ -1287,11 +1553,18 @@
               <a:spcAft>
                 <a:spcPts val="0"/>
               </a:spcAft>
-              <a:buSzPts val="2800"/>
-              <a:buNone/>
-              <a:defRPr sz="2800"/>
+              <a:buClr>
+                <a:schemeClr val="lt1"/>
+              </a:buClr>
+              <a:buSzPts val="2400"/>
+              <a:buNone/>
+              <a:defRPr sz="2400">
+                <a:solidFill>
+                  <a:schemeClr val="lt1"/>
+                </a:solidFill>
+              </a:defRPr>
             </a:lvl3pPr>
-            <a:lvl4pPr lvl="3" algn="ctr">
+            <a:lvl4pPr lvl="3">
               <a:lnSpc>
                 <a:spcPct val="100000"/>
               </a:lnSpc>
@@ -1301,11 +1574,18 @@
               <a:spcAft>
                 <a:spcPts val="0"/>
               </a:spcAft>
-              <a:buSzPts val="2800"/>
-              <a:buNone/>
-              <a:defRPr sz="2800"/>
+              <a:buClr>
+                <a:schemeClr val="lt1"/>
+              </a:buClr>
+              <a:buSzPts val="2400"/>
+              <a:buNone/>
+              <a:defRPr sz="2400">
+                <a:solidFill>
+                  <a:schemeClr val="lt1"/>
+                </a:solidFill>
+              </a:defRPr>
             </a:lvl4pPr>
-            <a:lvl5pPr lvl="4" algn="ctr">
+            <a:lvl5pPr lvl="4">
               <a:lnSpc>
                 <a:spcPct val="100000"/>
               </a:lnSpc>
@@ -1315,11 +1595,18 @@
               <a:spcAft>
                 <a:spcPts val="0"/>
               </a:spcAft>
-              <a:buSzPts val="2800"/>
-              <a:buNone/>
-              <a:defRPr sz="2800"/>
+              <a:buClr>
+                <a:schemeClr val="lt1"/>
+              </a:buClr>
+              <a:buSzPts val="2400"/>
+              <a:buNone/>
+              <a:defRPr sz="2400">
+                <a:solidFill>
+                  <a:schemeClr val="lt1"/>
+                </a:solidFill>
+              </a:defRPr>
             </a:lvl5pPr>
-            <a:lvl6pPr lvl="5" algn="ctr">
+            <a:lvl6pPr lvl="5">
               <a:lnSpc>
                 <a:spcPct val="100000"/>
               </a:lnSpc>
@@ -1329,11 +1616,18 @@
               <a:spcAft>
                 <a:spcPts val="0"/>
               </a:spcAft>
-              <a:buSzPts val="2800"/>
-              <a:buNone/>
-              <a:defRPr sz="2800"/>
+              <a:buClr>
+                <a:schemeClr val="lt1"/>
+              </a:buClr>
+              <a:buSzPts val="2400"/>
+              <a:buNone/>
+              <a:defRPr sz="2400">
+                <a:solidFill>
+                  <a:schemeClr val="lt1"/>
+                </a:solidFill>
+              </a:defRPr>
             </a:lvl6pPr>
-            <a:lvl7pPr lvl="6" algn="ctr">
+            <a:lvl7pPr lvl="6">
               <a:lnSpc>
                 <a:spcPct val="100000"/>
               </a:lnSpc>
@@ -1343,11 +1637,18 @@
               <a:spcAft>
                 <a:spcPts val="0"/>
               </a:spcAft>
-              <a:buSzPts val="2800"/>
-              <a:buNone/>
-              <a:defRPr sz="2800"/>
+              <a:buClr>
+                <a:schemeClr val="lt1"/>
+              </a:buClr>
+              <a:buSzPts val="2400"/>
+              <a:buNone/>
+              <a:defRPr sz="2400">
+                <a:solidFill>
+                  <a:schemeClr val="lt1"/>
+                </a:solidFill>
+              </a:defRPr>
             </a:lvl7pPr>
-            <a:lvl8pPr lvl="7" algn="ctr">
+            <a:lvl8pPr lvl="7">
               <a:lnSpc>
                 <a:spcPct val="100000"/>
               </a:lnSpc>
@@ -1357,11 +1658,18 @@
               <a:spcAft>
                 <a:spcPts val="0"/>
               </a:spcAft>
-              <a:buSzPts val="2800"/>
-              <a:buNone/>
-              <a:defRPr sz="2800"/>
+              <a:buClr>
+                <a:schemeClr val="lt1"/>
+              </a:buClr>
+              <a:buSzPts val="2400"/>
+              <a:buNone/>
+              <a:defRPr sz="2400">
+                <a:solidFill>
+                  <a:schemeClr val="lt1"/>
+                </a:solidFill>
+              </a:defRPr>
             </a:lvl8pPr>
-            <a:lvl9pPr lvl="8" algn="ctr">
+            <a:lvl9pPr lvl="8">
               <a:lnSpc>
                 <a:spcPct val="100000"/>
               </a:lnSpc>
@@ -1371,20 +1679,31 @@
               <a:spcAft>
                 <a:spcPts val="0"/>
               </a:spcAft>
-              <a:buSzPts val="2800"/>
-              <a:buNone/>
-              <a:defRPr sz="2800"/>
+              <a:buClr>
+                <a:schemeClr val="lt1"/>
+              </a:buClr>
+              <a:buSzPts val="2400"/>
+              <a:buNone/>
+              <a:defRPr sz="2400">
+                <a:solidFill>
+                  <a:schemeClr val="lt1"/>
+                </a:solidFill>
+              </a:defRPr>
             </a:lvl9pPr>
           </a:lstStyle>
-          <a:p/>
+          <a:p>
+            <a:endParaRPr/>
+          </a:p>
         </p:txBody>
       </p:sp>
       <p:sp>
         <p:nvSpPr>
-          <p:cNvPr id="12" name="Google Shape;12;p2"/>
-          <p:cNvSpPr txBox="1"/>
+          <p:cNvPr id="13" name="Google Shape;13;p2"/>
+          <p:cNvSpPr txBox="1">
+            <a:spLocks noGrp="1"/>
+          </p:cNvSpPr>
           <p:nvPr>
-            <p:ph idx="12" type="sldNum"/>
+            <p:ph type="sldNum" idx="12"/>
           </p:nvPr>
         </p:nvSpPr>
         <p:spPr>
@@ -1397,49 +1716,85 @@
           </a:prstGeom>
         </p:spPr>
         <p:txBody>
-          <a:bodyPr anchorCtr="0" anchor="ctr" bIns="91425" lIns="91425" spcFirstLastPara="1" rIns="91425" wrap="square" tIns="91425">
+          <a:bodyPr spcFirstLastPara="1" wrap="square" lIns="91425" tIns="91425" rIns="91425" bIns="91425" anchor="ctr" anchorCtr="0">
             <a:normAutofit/>
           </a:bodyPr>
           <a:lstStyle>
             <a:lvl1pPr lvl="0">
               <a:buNone/>
-              <a:defRPr/>
+              <a:defRPr>
+                <a:solidFill>
+                  <a:schemeClr val="lt1"/>
+                </a:solidFill>
+              </a:defRPr>
             </a:lvl1pPr>
             <a:lvl2pPr lvl="1">
               <a:buNone/>
-              <a:defRPr/>
+              <a:defRPr>
+                <a:solidFill>
+                  <a:schemeClr val="lt1"/>
+                </a:solidFill>
+              </a:defRPr>
             </a:lvl2pPr>
             <a:lvl3pPr lvl="2">
               <a:buNone/>
-              <a:defRPr/>
+              <a:defRPr>
+                <a:solidFill>
+                  <a:schemeClr val="lt1"/>
+                </a:solidFill>
+              </a:defRPr>
             </a:lvl3pPr>
             <a:lvl4pPr lvl="3">
               <a:buNone/>
-              <a:defRPr/>
+              <a:defRPr>
+                <a:solidFill>
+                  <a:schemeClr val="lt1"/>
+                </a:solidFill>
+              </a:defRPr>
             </a:lvl4pPr>
             <a:lvl5pPr lvl="4">
               <a:buNone/>
-              <a:defRPr/>
+              <a:defRPr>
+                <a:solidFill>
+                  <a:schemeClr val="lt1"/>
+                </a:solidFill>
+              </a:defRPr>
             </a:lvl5pPr>
             <a:lvl6pPr lvl="5">
               <a:buNone/>
-              <a:defRPr/>
+              <a:defRPr>
+                <a:solidFill>
+                  <a:schemeClr val="lt1"/>
+                </a:solidFill>
+              </a:defRPr>
             </a:lvl6pPr>
             <a:lvl7pPr lvl="6">
               <a:buNone/>
-              <a:defRPr/>
+              <a:defRPr>
+                <a:solidFill>
+                  <a:schemeClr val="lt1"/>
+                </a:solidFill>
+              </a:defRPr>
             </a:lvl7pPr>
             <a:lvl8pPr lvl="7">
               <a:buNone/>
-              <a:defRPr/>
+              <a:defRPr>
+                <a:solidFill>
+                  <a:schemeClr val="lt1"/>
+                </a:solidFill>
+              </a:defRPr>
             </a:lvl8pPr>
             <a:lvl9pPr lvl="8">
               <a:buNone/>
-              <a:defRPr/>
+              <a:defRPr>
+                <a:solidFill>
+                  <a:schemeClr val="lt1"/>
+                </a:solidFill>
+              </a:defRPr>
             </a:lvl9pPr>
           </a:lstStyle>
           <a:p>
-            <a:pPr indent="0" lvl="0" marL="0" rtl="0" algn="r">
+            <a:pPr marL="0" lvl="0" indent="0" algn="r" rtl="0">
               <a:spcBef>
                 <a:spcPts val="0"/>
               </a:spcBef>
@@ -1465,11 +1820,11 @@
 </file>
 
 <file path=ppt/slideLayouts/slideLayout10.xml><?xml version="1.0" encoding="utf-8"?>
-<p:sldLayout xmlns:a="http://schemas.openxmlformats.org/drawingml/2006/main" xmlns:r="http://schemas.openxmlformats.org/officeDocument/2006/relationships" xmlns:mc="http://schemas.openxmlformats.org/markup-compatibility/2006" xmlns:mv="urn:schemas-microsoft-com:mac:vml" xmlns:p="http://schemas.openxmlformats.org/presentationml/2006/main" xmlns:c="http://schemas.openxmlformats.org/drawingml/2006/chart" xmlns:dgm="http://schemas.openxmlformats.org/drawingml/2006/diagram" xmlns:o="urn:schemas-microsoft-com:office:office" xmlns:v="urn:schemas-microsoft-com:vml" xmlns:pvml="urn:schemas-microsoft-com:office:powerpoint" xmlns:com="http://schemas.openxmlformats.org/drawingml/2006/compatibility" xmlns:p14="http://schemas.microsoft.com/office/powerpoint/2010/main" xmlns:p15="http://schemas.microsoft.com/office/powerpoint/2012/main" xmlns:ahyp="http://schemas.microsoft.com/office/drawing/2018/hyperlinkcolor" matchingName="Big number">
+<p:sldLayout xmlns:a="http://schemas.openxmlformats.org/drawingml/2006/main" xmlns:r="http://schemas.openxmlformats.org/officeDocument/2006/relationships" xmlns:p="http://schemas.openxmlformats.org/presentationml/2006/main" matchingName="Big number">
   <p:cSld name="BIG_NUMBER">
     <p:spTree>
       <p:nvGrpSpPr>
-        <p:cNvPr id="44" name="Shape 44"/>
+        <p:cNvPr id="1" name="Shape 48"/>
         <p:cNvGrpSpPr/>
         <p:nvPr/>
       </p:nvGrpSpPr>
@@ -1483,23 +1838,65 @@
       </p:grpSpPr>
       <p:sp>
         <p:nvSpPr>
-          <p:cNvPr id="45" name="Google Shape;45;p11"/>
-          <p:cNvSpPr txBox="1"/>
+          <p:cNvPr id="49" name="Google Shape;49;p11"/>
+          <p:cNvSpPr/>
+          <p:nvPr/>
+        </p:nvSpPr>
+        <p:spPr>
+          <a:xfrm>
+            <a:off x="0" y="5045700"/>
+            <a:ext cx="9144000" cy="97800"/>
+          </a:xfrm>
+          <a:prstGeom prst="rect">
+            <a:avLst/>
+          </a:prstGeom>
+          <a:solidFill>
+            <a:schemeClr val="lt2"/>
+          </a:solidFill>
+          <a:ln>
+            <a:noFill/>
+          </a:ln>
+        </p:spPr>
+        <p:txBody>
+          <a:bodyPr spcFirstLastPara="1" wrap="square" lIns="91425" tIns="91425" rIns="91425" bIns="91425" anchor="ctr" anchorCtr="0">
+            <a:noAutofit/>
+          </a:bodyPr>
+          <a:lstStyle/>
+          <a:p>
+            <a:pPr marL="0" lvl="0" indent="0" algn="l" rtl="0">
+              <a:spcBef>
+                <a:spcPts val="0"/>
+              </a:spcBef>
+              <a:spcAft>
+                <a:spcPts val="0"/>
+              </a:spcAft>
+              <a:buNone/>
+            </a:pPr>
+            <a:endParaRPr/>
+          </a:p>
+        </p:txBody>
+      </p:sp>
+      <p:sp>
+        <p:nvSpPr>
+          <p:cNvPr id="50" name="Google Shape;50;p11"/>
+          <p:cNvSpPr txBox="1">
+            <a:spLocks noGrp="1"/>
+          </p:cNvSpPr>
           <p:nvPr>
-            <p:ph hasCustomPrompt="1" type="title"/>
+            <p:ph type="title" hasCustomPrompt="1"/>
           </p:nvPr>
         </p:nvSpPr>
         <p:spPr>
           <a:xfrm>
-            <a:off x="311700" y="1106125"/>
-            <a:ext cx="8520600" cy="1963500"/>
+            <a:off x="311700" y="991475"/>
+            <a:ext cx="8520600" cy="1917900"/>
           </a:xfrm>
           <a:prstGeom prst="rect">
             <a:avLst/>
           </a:prstGeom>
         </p:spPr>
         <p:txBody>
-          <a:bodyPr anchorCtr="0" anchor="b" bIns="91425" lIns="91425" spcFirstLastPara="1" rIns="91425" wrap="square" tIns="91425">
+          <a:bodyPr spcFirstLastPara="1" wrap="square" lIns="91425" tIns="91425" rIns="91425" bIns="91425" anchor="ctr" anchorCtr="0">
             <a:normAutofit/>
           </a:bodyPr>
           <a:lstStyle>
@@ -1510,9 +1907,9 @@
               <a:spcAft>
                 <a:spcPts val="0"/>
               </a:spcAft>
-              <a:buSzPts val="12000"/>
-              <a:buNone/>
-              <a:defRPr sz="12000"/>
+              <a:buSzPts val="14000"/>
+              <a:buNone/>
+              <a:defRPr sz="14000" b="1"/>
             </a:lvl1pPr>
             <a:lvl2pPr lvl="1" algn="ctr">
               <a:spcBef>
@@ -1521,9 +1918,9 @@
               <a:spcAft>
                 <a:spcPts val="0"/>
               </a:spcAft>
-              <a:buSzPts val="12000"/>
-              <a:buNone/>
-              <a:defRPr sz="12000"/>
+              <a:buSzPts val="14000"/>
+              <a:buNone/>
+              <a:defRPr sz="14000" b="1"/>
             </a:lvl2pPr>
             <a:lvl3pPr lvl="2" algn="ctr">
               <a:spcBef>
@@ -1532,9 +1929,9 @@
               <a:spcAft>
                 <a:spcPts val="0"/>
               </a:spcAft>
-              <a:buSzPts val="12000"/>
-              <a:buNone/>
-              <a:defRPr sz="12000"/>
+              <a:buSzPts val="14000"/>
+              <a:buNone/>
+              <a:defRPr sz="14000" b="1"/>
             </a:lvl3pPr>
             <a:lvl4pPr lvl="3" algn="ctr">
               <a:spcBef>
@@ -1543,9 +1940,9 @@
               <a:spcAft>
                 <a:spcPts val="0"/>
               </a:spcAft>
-              <a:buSzPts val="12000"/>
-              <a:buNone/>
-              <a:defRPr sz="12000"/>
+              <a:buSzPts val="14000"/>
+              <a:buNone/>
+              <a:defRPr sz="14000" b="1"/>
             </a:lvl4pPr>
             <a:lvl5pPr lvl="4" algn="ctr">
               <a:spcBef>
@@ -1554,9 +1951,9 @@
               <a:spcAft>
                 <a:spcPts val="0"/>
               </a:spcAft>
-              <a:buSzPts val="12000"/>
-              <a:buNone/>
-              <a:defRPr sz="12000"/>
+              <a:buSzPts val="14000"/>
+              <a:buNone/>
+              <a:defRPr sz="14000" b="1"/>
             </a:lvl5pPr>
             <a:lvl6pPr lvl="5" algn="ctr">
               <a:spcBef>
@@ -1565,9 +1962,9 @@
               <a:spcAft>
                 <a:spcPts val="0"/>
               </a:spcAft>
-              <a:buSzPts val="12000"/>
-              <a:buNone/>
-              <a:defRPr sz="12000"/>
+              <a:buSzPts val="14000"/>
+              <a:buNone/>
+              <a:defRPr sz="14000" b="1"/>
             </a:lvl6pPr>
             <a:lvl7pPr lvl="6" algn="ctr">
               <a:spcBef>
@@ -1576,9 +1973,9 @@
               <a:spcAft>
                 <a:spcPts val="0"/>
               </a:spcAft>
-              <a:buSzPts val="12000"/>
-              <a:buNone/>
-              <a:defRPr sz="12000"/>
+              <a:buSzPts val="14000"/>
+              <a:buNone/>
+              <a:defRPr sz="14000" b="1"/>
             </a:lvl7pPr>
             <a:lvl8pPr lvl="7" algn="ctr">
               <a:spcBef>
@@ -1587,9 +1984,9 @@
               <a:spcAft>
                 <a:spcPts val="0"/>
               </a:spcAft>
-              <a:buSzPts val="12000"/>
-              <a:buNone/>
-              <a:defRPr sz="12000"/>
+              <a:buSzPts val="14000"/>
+              <a:buNone/>
+              <a:defRPr sz="14000" b="1"/>
             </a:lvl8pPr>
             <a:lvl9pPr lvl="8" algn="ctr">
               <a:spcBef>
@@ -1598,9 +1995,9 @@
               <a:spcAft>
                 <a:spcPts val="0"/>
               </a:spcAft>
-              <a:buSzPts val="12000"/>
-              <a:buNone/>
-              <a:defRPr sz="12000"/>
+              <a:buSzPts val="14000"/>
+              <a:buNone/>
+              <a:defRPr sz="14000" b="1"/>
             </a:lvl9pPr>
           </a:lstStyle>
           <a:p>
@@ -1612,27 +2009,29 @@
       </p:sp>
       <p:sp>
         <p:nvSpPr>
-          <p:cNvPr id="46" name="Google Shape;46;p11"/>
-          <p:cNvSpPr txBox="1"/>
+          <p:cNvPr id="51" name="Google Shape;51;p11"/>
+          <p:cNvSpPr txBox="1">
+            <a:spLocks noGrp="1"/>
+          </p:cNvSpPr>
           <p:nvPr>
-            <p:ph idx="1" type="body"/>
+            <p:ph type="body" idx="1"/>
           </p:nvPr>
         </p:nvSpPr>
         <p:spPr>
           <a:xfrm>
-            <a:off x="311700" y="3152225"/>
-            <a:ext cx="8520600" cy="1300800"/>
+            <a:off x="311700" y="3071300"/>
+            <a:ext cx="8520600" cy="901800"/>
           </a:xfrm>
           <a:prstGeom prst="rect">
             <a:avLst/>
           </a:prstGeom>
         </p:spPr>
         <p:txBody>
-          <a:bodyPr anchorCtr="0" anchor="t" bIns="91425" lIns="91425" spcFirstLastPara="1" rIns="91425" wrap="square" tIns="91425">
+          <a:bodyPr spcFirstLastPara="1" wrap="square" lIns="91425" tIns="91425" rIns="91425" bIns="91425" anchor="t" anchorCtr="0">
             <a:normAutofit/>
           </a:bodyPr>
           <a:lstStyle>
-            <a:lvl1pPr indent="-342900" lvl="0" marL="457200" algn="ctr">
+            <a:lvl1pPr marL="457200" lvl="0" indent="-342900" algn="ctr">
               <a:spcBef>
                 <a:spcPts val="0"/>
               </a:spcBef>
@@ -1643,7 +2042,7 @@
               <a:buChar char="●"/>
               <a:defRPr/>
             </a:lvl1pPr>
-            <a:lvl2pPr indent="-317500" lvl="1" marL="914400" algn="ctr">
+            <a:lvl2pPr marL="914400" lvl="1" indent="-317500" algn="ctr">
               <a:spcBef>
                 <a:spcPts val="0"/>
               </a:spcBef>
@@ -1654,7 +2053,7 @@
               <a:buChar char="○"/>
               <a:defRPr/>
             </a:lvl2pPr>
-            <a:lvl3pPr indent="-317500" lvl="2" marL="1371600" algn="ctr">
+            <a:lvl3pPr marL="1371600" lvl="2" indent="-317500" algn="ctr">
               <a:spcBef>
                 <a:spcPts val="0"/>
               </a:spcBef>
@@ -1665,7 +2064,7 @@
               <a:buChar char="■"/>
               <a:defRPr/>
             </a:lvl3pPr>
-            <a:lvl4pPr indent="-317500" lvl="3" marL="1828800" algn="ctr">
+            <a:lvl4pPr marL="1828800" lvl="3" indent="-317500" algn="ctr">
               <a:spcBef>
                 <a:spcPts val="0"/>
               </a:spcBef>
@@ -1676,7 +2075,7 @@
               <a:buChar char="●"/>
               <a:defRPr/>
             </a:lvl4pPr>
-            <a:lvl5pPr indent="-317500" lvl="4" marL="2286000" algn="ctr">
+            <a:lvl5pPr marL="2286000" lvl="4" indent="-317500" algn="ctr">
               <a:spcBef>
                 <a:spcPts val="0"/>
               </a:spcBef>
@@ -1687,7 +2086,7 @@
               <a:buChar char="○"/>
               <a:defRPr/>
             </a:lvl5pPr>
-            <a:lvl6pPr indent="-317500" lvl="5" marL="2743200" algn="ctr">
+            <a:lvl6pPr marL="2743200" lvl="5" indent="-317500" algn="ctr">
               <a:spcBef>
                 <a:spcPts val="0"/>
               </a:spcBef>
@@ -1698,7 +2097,7 @@
               <a:buChar char="■"/>
               <a:defRPr/>
             </a:lvl6pPr>
-            <a:lvl7pPr indent="-317500" lvl="6" marL="3200400" algn="ctr">
+            <a:lvl7pPr marL="3200400" lvl="6" indent="-317500" algn="ctr">
               <a:spcBef>
                 <a:spcPts val="0"/>
               </a:spcBef>
@@ -1709,7 +2108,7 @@
               <a:buChar char="●"/>
               <a:defRPr/>
             </a:lvl7pPr>
-            <a:lvl8pPr indent="-317500" lvl="7" marL="3657600" algn="ctr">
+            <a:lvl8pPr marL="3657600" lvl="7" indent="-317500" algn="ctr">
               <a:spcBef>
                 <a:spcPts val="0"/>
               </a:spcBef>
@@ -1720,7 +2119,7 @@
               <a:buChar char="○"/>
               <a:defRPr/>
             </a:lvl8pPr>
-            <a:lvl9pPr indent="-317500" lvl="8" marL="4114800" algn="ctr">
+            <a:lvl9pPr marL="4114800" lvl="8" indent="-317500" algn="ctr">
               <a:spcBef>
                 <a:spcPts val="0"/>
               </a:spcBef>
@@ -1732,15 +2131,19 @@
               <a:defRPr/>
             </a:lvl9pPr>
           </a:lstStyle>
-          <a:p/>
+          <a:p>
+            <a:endParaRPr/>
+          </a:p>
         </p:txBody>
       </p:sp>
       <p:sp>
         <p:nvSpPr>
-          <p:cNvPr id="47" name="Google Shape;47;p11"/>
-          <p:cNvSpPr txBox="1"/>
+          <p:cNvPr id="52" name="Google Shape;52;p11"/>
+          <p:cNvSpPr txBox="1">
+            <a:spLocks noGrp="1"/>
+          </p:cNvSpPr>
           <p:nvPr>
-            <p:ph idx="12" type="sldNum"/>
+            <p:ph type="sldNum" idx="12"/>
           </p:nvPr>
         </p:nvSpPr>
         <p:spPr>
@@ -1753,7 +2156,7 @@
           </a:prstGeom>
         </p:spPr>
         <p:txBody>
-          <a:bodyPr anchorCtr="0" anchor="ctr" bIns="91425" lIns="91425" spcFirstLastPara="1" rIns="91425" wrap="square" tIns="91425">
+          <a:bodyPr spcFirstLastPara="1" wrap="square" lIns="91425" tIns="91425" rIns="91425" bIns="91425" anchor="ctr" anchorCtr="0">
             <a:normAutofit/>
           </a:bodyPr>
           <a:lstStyle>
@@ -1795,7 +2198,7 @@
             </a:lvl9pPr>
           </a:lstStyle>
           <a:p>
-            <a:pPr indent="0" lvl="0" marL="0" rtl="0" algn="r">
+            <a:pPr marL="0" lvl="0" indent="0" algn="r" rtl="0">
               <a:spcBef>
                 <a:spcPts val="0"/>
               </a:spcBef>
@@ -1821,11 +2224,11 @@
 </file>
 
 <file path=ppt/slideLayouts/slideLayout11.xml><?xml version="1.0" encoding="utf-8"?>
-<p:sldLayout xmlns:a="http://schemas.openxmlformats.org/drawingml/2006/main" xmlns:r="http://schemas.openxmlformats.org/officeDocument/2006/relationships" xmlns:mc="http://schemas.openxmlformats.org/markup-compatibility/2006" xmlns:mv="urn:schemas-microsoft-com:mac:vml" xmlns:p="http://schemas.openxmlformats.org/presentationml/2006/main" xmlns:c="http://schemas.openxmlformats.org/drawingml/2006/chart" xmlns:dgm="http://schemas.openxmlformats.org/drawingml/2006/diagram" xmlns:o="urn:schemas-microsoft-com:office:office" xmlns:v="urn:schemas-microsoft-com:vml" xmlns:pvml="urn:schemas-microsoft-com:office:powerpoint" xmlns:com="http://schemas.openxmlformats.org/drawingml/2006/compatibility" xmlns:p14="http://schemas.microsoft.com/office/powerpoint/2010/main" xmlns:p15="http://schemas.microsoft.com/office/powerpoint/2012/main" xmlns:ahyp="http://schemas.microsoft.com/office/drawing/2018/hyperlinkcolor" matchingName="Blank" type="blank">
+<p:sldLayout xmlns:a="http://schemas.openxmlformats.org/drawingml/2006/main" xmlns:r="http://schemas.openxmlformats.org/officeDocument/2006/relationships" xmlns:p="http://schemas.openxmlformats.org/presentationml/2006/main" matchingName="Blank" type="blank">
   <p:cSld name="BLANK">
     <p:spTree>
       <p:nvGrpSpPr>
-        <p:cNvPr id="48" name="Shape 48"/>
+        <p:cNvPr id="1" name="Shape 53"/>
         <p:cNvGrpSpPr/>
         <p:nvPr/>
       </p:nvGrpSpPr>
@@ -1839,10 +2242,12 @@
       </p:grpSpPr>
       <p:sp>
         <p:nvSpPr>
-          <p:cNvPr id="49" name="Google Shape;49;p12"/>
-          <p:cNvSpPr txBox="1"/>
+          <p:cNvPr id="54" name="Google Shape;54;p12"/>
+          <p:cNvSpPr txBox="1">
+            <a:spLocks noGrp="1"/>
+          </p:cNvSpPr>
           <p:nvPr>
-            <p:ph idx="12" type="sldNum"/>
+            <p:ph type="sldNum" idx="12"/>
           </p:nvPr>
         </p:nvSpPr>
         <p:spPr>
@@ -1855,7 +2260,7 @@
           </a:prstGeom>
         </p:spPr>
         <p:txBody>
-          <a:bodyPr anchorCtr="0" anchor="ctr" bIns="91425" lIns="91425" spcFirstLastPara="1" rIns="91425" wrap="square" tIns="91425">
+          <a:bodyPr spcFirstLastPara="1" wrap="square" lIns="91425" tIns="91425" rIns="91425" bIns="91425" anchor="ctr" anchorCtr="0">
             <a:normAutofit/>
           </a:bodyPr>
           <a:lstStyle>
@@ -1897,7 +2302,7 @@
             </a:lvl9pPr>
           </a:lstStyle>
           <a:p>
-            <a:pPr indent="0" lvl="0" marL="0" rtl="0" algn="r">
+            <a:pPr marL="0" lvl="0" indent="0" algn="r" rtl="0">
               <a:spcBef>
                 <a:spcPts val="0"/>
               </a:spcBef>
@@ -1923,11 +2328,19 @@
 </file>
 
 <file path=ppt/slideLayouts/slideLayout2.xml><?xml version="1.0" encoding="utf-8"?>
-<p:sldLayout xmlns:a="http://schemas.openxmlformats.org/drawingml/2006/main" xmlns:r="http://schemas.openxmlformats.org/officeDocument/2006/relationships" xmlns:mc="http://schemas.openxmlformats.org/markup-compatibility/2006" xmlns:mv="urn:schemas-microsoft-com:mac:vml" xmlns:p="http://schemas.openxmlformats.org/presentationml/2006/main" xmlns:c="http://schemas.openxmlformats.org/drawingml/2006/chart" xmlns:dgm="http://schemas.openxmlformats.org/drawingml/2006/diagram" xmlns:o="urn:schemas-microsoft-com:office:office" xmlns:v="urn:schemas-microsoft-com:vml" xmlns:pvml="urn:schemas-microsoft-com:office:powerpoint" xmlns:com="http://schemas.openxmlformats.org/drawingml/2006/compatibility" xmlns:p14="http://schemas.microsoft.com/office/powerpoint/2010/main" xmlns:p15="http://schemas.microsoft.com/office/powerpoint/2012/main" xmlns:ahyp="http://schemas.microsoft.com/office/drawing/2018/hyperlinkcolor" matchingName="Section header" type="secHead">
+<p:sldLayout xmlns:a="http://schemas.openxmlformats.org/drawingml/2006/main" xmlns:r="http://schemas.openxmlformats.org/officeDocument/2006/relationships" xmlns:p="http://schemas.openxmlformats.org/presentationml/2006/main" matchingName="Section header" type="secHead">
   <p:cSld name="SECTION_HEADER">
+    <p:bg>
+      <p:bgPr>
+        <a:solidFill>
+          <a:schemeClr val="dk1"/>
+        </a:solidFill>
+        <a:effectLst/>
+      </p:bgPr>
+    </p:bg>
     <p:spTree>
       <p:nvGrpSpPr>
-        <p:cNvPr id="13" name="Shape 13"/>
+        <p:cNvPr id="1" name="Shape 14"/>
         <p:cNvGrpSpPr/>
         <p:nvPr/>
       </p:nvGrpSpPr>
@@ -1939,137 +2352,232 @@
           <a:chExt cx="0" cy="0"/>
         </a:xfrm>
       </p:grpSpPr>
+      <p:cxnSp>
+        <p:nvCxnSpPr>
+          <p:cNvPr id="15" name="Google Shape;15;p3"/>
+          <p:cNvCxnSpPr/>
+          <p:nvPr/>
+        </p:nvCxnSpPr>
+        <p:spPr>
+          <a:xfrm>
+            <a:off x="0" y="2998150"/>
+            <a:ext cx="9144000" cy="0"/>
+          </a:xfrm>
+          <a:prstGeom prst="straightConnector1">
+            <a:avLst/>
+          </a:prstGeom>
+          <a:noFill/>
+          <a:ln w="19050" cap="flat" cmpd="sng">
+            <a:solidFill>
+              <a:schemeClr val="lt2"/>
+            </a:solidFill>
+            <a:prstDash val="solid"/>
+            <a:round/>
+            <a:headEnd type="none" w="sm" len="sm"/>
+            <a:tailEnd type="none" w="sm" len="sm"/>
+          </a:ln>
+        </p:spPr>
+      </p:cxnSp>
       <p:sp>
         <p:nvSpPr>
-          <p:cNvPr id="14" name="Google Shape;14;p3"/>
-          <p:cNvSpPr txBox="1"/>
+          <p:cNvPr id="16" name="Google Shape;16;p3"/>
+          <p:cNvSpPr txBox="1">
+            <a:spLocks noGrp="1"/>
+          </p:cNvSpPr>
           <p:nvPr>
             <p:ph type="title"/>
           </p:nvPr>
         </p:nvSpPr>
         <p:spPr>
           <a:xfrm>
-            <a:off x="311700" y="2150850"/>
-            <a:ext cx="8520600" cy="841800"/>
+            <a:off x="510450" y="2057400"/>
+            <a:ext cx="8123100" cy="778800"/>
           </a:xfrm>
           <a:prstGeom prst="rect">
             <a:avLst/>
           </a:prstGeom>
         </p:spPr>
         <p:txBody>
-          <a:bodyPr anchorCtr="0" anchor="ctr" bIns="91425" lIns="91425" spcFirstLastPara="1" rIns="91425" wrap="square" tIns="91425">
+          <a:bodyPr spcFirstLastPara="1" wrap="square" lIns="91425" tIns="91425" rIns="91425" bIns="91425" anchor="b" anchorCtr="0">
             <a:normAutofit/>
           </a:bodyPr>
           <a:lstStyle>
-            <a:lvl1pPr lvl="0" algn="ctr">
-              <a:spcBef>
-                <a:spcPts val="0"/>
-              </a:spcBef>
-              <a:spcAft>
-                <a:spcPts val="0"/>
-              </a:spcAft>
+            <a:lvl1pPr lvl="0">
+              <a:spcBef>
+                <a:spcPts val="0"/>
+              </a:spcBef>
+              <a:spcAft>
+                <a:spcPts val="0"/>
+              </a:spcAft>
+              <a:buClr>
+                <a:schemeClr val="lt1"/>
+              </a:buClr>
               <a:buSzPts val="3600"/>
               <a:buNone/>
-              <a:defRPr sz="3600"/>
+              <a:defRPr sz="3600">
+                <a:solidFill>
+                  <a:schemeClr val="lt1"/>
+                </a:solidFill>
+              </a:defRPr>
             </a:lvl1pPr>
-            <a:lvl2pPr lvl="1" algn="ctr">
-              <a:spcBef>
-                <a:spcPts val="0"/>
-              </a:spcBef>
-              <a:spcAft>
-                <a:spcPts val="0"/>
-              </a:spcAft>
+            <a:lvl2pPr lvl="1">
+              <a:spcBef>
+                <a:spcPts val="0"/>
+              </a:spcBef>
+              <a:spcAft>
+                <a:spcPts val="0"/>
+              </a:spcAft>
+              <a:buClr>
+                <a:schemeClr val="lt1"/>
+              </a:buClr>
               <a:buSzPts val="3600"/>
               <a:buNone/>
-              <a:defRPr sz="3600"/>
+              <a:defRPr sz="3600">
+                <a:solidFill>
+                  <a:schemeClr val="lt1"/>
+                </a:solidFill>
+              </a:defRPr>
             </a:lvl2pPr>
-            <a:lvl3pPr lvl="2" algn="ctr">
-              <a:spcBef>
-                <a:spcPts val="0"/>
-              </a:spcBef>
-              <a:spcAft>
-                <a:spcPts val="0"/>
-              </a:spcAft>
+            <a:lvl3pPr lvl="2">
+              <a:spcBef>
+                <a:spcPts val="0"/>
+              </a:spcBef>
+              <a:spcAft>
+                <a:spcPts val="0"/>
+              </a:spcAft>
+              <a:buClr>
+                <a:schemeClr val="lt1"/>
+              </a:buClr>
               <a:buSzPts val="3600"/>
               <a:buNone/>
-              <a:defRPr sz="3600"/>
+              <a:defRPr sz="3600">
+                <a:solidFill>
+                  <a:schemeClr val="lt1"/>
+                </a:solidFill>
+              </a:defRPr>
             </a:lvl3pPr>
-            <a:lvl4pPr lvl="3" algn="ctr">
-              <a:spcBef>
-                <a:spcPts val="0"/>
-              </a:spcBef>
-              <a:spcAft>
-                <a:spcPts val="0"/>
-              </a:spcAft>
+            <a:lvl4pPr lvl="3">
+              <a:spcBef>
+                <a:spcPts val="0"/>
+              </a:spcBef>
+              <a:spcAft>
+                <a:spcPts val="0"/>
+              </a:spcAft>
+              <a:buClr>
+                <a:schemeClr val="lt1"/>
+              </a:buClr>
               <a:buSzPts val="3600"/>
               <a:buNone/>
-              <a:defRPr sz="3600"/>
+              <a:defRPr sz="3600">
+                <a:solidFill>
+                  <a:schemeClr val="lt1"/>
+                </a:solidFill>
+              </a:defRPr>
             </a:lvl4pPr>
-            <a:lvl5pPr lvl="4" algn="ctr">
-              <a:spcBef>
-                <a:spcPts val="0"/>
-              </a:spcBef>
-              <a:spcAft>
-                <a:spcPts val="0"/>
-              </a:spcAft>
+            <a:lvl5pPr lvl="4">
+              <a:spcBef>
+                <a:spcPts val="0"/>
+              </a:spcBef>
+              <a:spcAft>
+                <a:spcPts val="0"/>
+              </a:spcAft>
+              <a:buClr>
+                <a:schemeClr val="lt1"/>
+              </a:buClr>
               <a:buSzPts val="3600"/>
               <a:buNone/>
-              <a:defRPr sz="3600"/>
+              <a:defRPr sz="3600">
+                <a:solidFill>
+                  <a:schemeClr val="lt1"/>
+                </a:solidFill>
+              </a:defRPr>
             </a:lvl5pPr>
-            <a:lvl6pPr lvl="5" algn="ctr">
-              <a:spcBef>
-                <a:spcPts val="0"/>
-              </a:spcBef>
-              <a:spcAft>
-                <a:spcPts val="0"/>
-              </a:spcAft>
+            <a:lvl6pPr lvl="5">
+              <a:spcBef>
+                <a:spcPts val="0"/>
+              </a:spcBef>
+              <a:spcAft>
+                <a:spcPts val="0"/>
+              </a:spcAft>
+              <a:buClr>
+                <a:schemeClr val="lt1"/>
+              </a:buClr>
               <a:buSzPts val="3600"/>
               <a:buNone/>
-              <a:defRPr sz="3600"/>
+              <a:defRPr sz="3600">
+                <a:solidFill>
+                  <a:schemeClr val="lt1"/>
+                </a:solidFill>
+              </a:defRPr>
             </a:lvl6pPr>
-            <a:lvl7pPr lvl="6" algn="ctr">
-              <a:spcBef>
-                <a:spcPts val="0"/>
-              </a:spcBef>
-              <a:spcAft>
-                <a:spcPts val="0"/>
-              </a:spcAft>
+            <a:lvl7pPr lvl="6">
+              <a:spcBef>
+                <a:spcPts val="0"/>
+              </a:spcBef>
+              <a:spcAft>
+                <a:spcPts val="0"/>
+              </a:spcAft>
+              <a:buClr>
+                <a:schemeClr val="lt1"/>
+              </a:buClr>
               <a:buSzPts val="3600"/>
               <a:buNone/>
-              <a:defRPr sz="3600"/>
+              <a:defRPr sz="3600">
+                <a:solidFill>
+                  <a:schemeClr val="lt1"/>
+                </a:solidFill>
+              </a:defRPr>
             </a:lvl7pPr>
-            <a:lvl8pPr lvl="7" algn="ctr">
-              <a:spcBef>
-                <a:spcPts val="0"/>
-              </a:spcBef>
-              <a:spcAft>
-                <a:spcPts val="0"/>
-              </a:spcAft>
+            <a:lvl8pPr lvl="7">
+              <a:spcBef>
+                <a:spcPts val="0"/>
+              </a:spcBef>
+              <a:spcAft>
+                <a:spcPts val="0"/>
+              </a:spcAft>
+              <a:buClr>
+                <a:schemeClr val="lt1"/>
+              </a:buClr>
               <a:buSzPts val="3600"/>
               <a:buNone/>
-              <a:defRPr sz="3600"/>
+              <a:defRPr sz="3600">
+                <a:solidFill>
+                  <a:schemeClr val="lt1"/>
+                </a:solidFill>
+              </a:defRPr>
             </a:lvl8pPr>
-            <a:lvl9pPr lvl="8" algn="ctr">
-              <a:spcBef>
-                <a:spcPts val="0"/>
-              </a:spcBef>
-              <a:spcAft>
-                <a:spcPts val="0"/>
-              </a:spcAft>
+            <a:lvl9pPr lvl="8">
+              <a:spcBef>
+                <a:spcPts val="0"/>
+              </a:spcBef>
+              <a:spcAft>
+                <a:spcPts val="0"/>
+              </a:spcAft>
+              <a:buClr>
+                <a:schemeClr val="lt1"/>
+              </a:buClr>
               <a:buSzPts val="3600"/>
               <a:buNone/>
-              <a:defRPr sz="3600"/>
+              <a:defRPr sz="3600">
+                <a:solidFill>
+                  <a:schemeClr val="lt1"/>
+                </a:solidFill>
+              </a:defRPr>
             </a:lvl9pPr>
           </a:lstStyle>
-          <a:p/>
+          <a:p>
+            <a:endParaRPr/>
+          </a:p>
         </p:txBody>
       </p:sp>
       <p:sp>
         <p:nvSpPr>
-          <p:cNvPr id="15" name="Google Shape;15;p3"/>
-          <p:cNvSpPr txBox="1"/>
+          <p:cNvPr id="17" name="Google Shape;17;p3"/>
+          <p:cNvSpPr txBox="1">
+            <a:spLocks noGrp="1"/>
+          </p:cNvSpPr>
           <p:nvPr>
-            <p:ph idx="12" type="sldNum"/>
+            <p:ph type="sldNum" idx="12"/>
           </p:nvPr>
         </p:nvSpPr>
         <p:spPr>
@@ -2082,49 +2590,85 @@
           </a:prstGeom>
         </p:spPr>
         <p:txBody>
-          <a:bodyPr anchorCtr="0" anchor="ctr" bIns="91425" lIns="91425" spcFirstLastPara="1" rIns="91425" wrap="square" tIns="91425">
+          <a:bodyPr spcFirstLastPara="1" wrap="square" lIns="91425" tIns="91425" rIns="91425" bIns="91425" anchor="ctr" anchorCtr="0">
             <a:normAutofit/>
           </a:bodyPr>
           <a:lstStyle>
             <a:lvl1pPr lvl="0">
               <a:buNone/>
-              <a:defRPr/>
+              <a:defRPr>
+                <a:solidFill>
+                  <a:schemeClr val="lt1"/>
+                </a:solidFill>
+              </a:defRPr>
             </a:lvl1pPr>
             <a:lvl2pPr lvl="1">
               <a:buNone/>
-              <a:defRPr/>
+              <a:defRPr>
+                <a:solidFill>
+                  <a:schemeClr val="lt1"/>
+                </a:solidFill>
+              </a:defRPr>
             </a:lvl2pPr>
             <a:lvl3pPr lvl="2">
               <a:buNone/>
-              <a:defRPr/>
+              <a:defRPr>
+                <a:solidFill>
+                  <a:schemeClr val="lt1"/>
+                </a:solidFill>
+              </a:defRPr>
             </a:lvl3pPr>
             <a:lvl4pPr lvl="3">
               <a:buNone/>
-              <a:defRPr/>
+              <a:defRPr>
+                <a:solidFill>
+                  <a:schemeClr val="lt1"/>
+                </a:solidFill>
+              </a:defRPr>
             </a:lvl4pPr>
             <a:lvl5pPr lvl="4">
               <a:buNone/>
-              <a:defRPr/>
+              <a:defRPr>
+                <a:solidFill>
+                  <a:schemeClr val="lt1"/>
+                </a:solidFill>
+              </a:defRPr>
             </a:lvl5pPr>
             <a:lvl6pPr lvl="5">
               <a:buNone/>
-              <a:defRPr/>
+              <a:defRPr>
+                <a:solidFill>
+                  <a:schemeClr val="lt1"/>
+                </a:solidFill>
+              </a:defRPr>
             </a:lvl6pPr>
             <a:lvl7pPr lvl="6">
               <a:buNone/>
-              <a:defRPr/>
+              <a:defRPr>
+                <a:solidFill>
+                  <a:schemeClr val="lt1"/>
+                </a:solidFill>
+              </a:defRPr>
             </a:lvl7pPr>
             <a:lvl8pPr lvl="7">
               <a:buNone/>
-              <a:defRPr/>
+              <a:defRPr>
+                <a:solidFill>
+                  <a:schemeClr val="lt1"/>
+                </a:solidFill>
+              </a:defRPr>
             </a:lvl8pPr>
             <a:lvl9pPr lvl="8">
               <a:buNone/>
-              <a:defRPr/>
+              <a:defRPr>
+                <a:solidFill>
+                  <a:schemeClr val="lt1"/>
+                </a:solidFill>
+              </a:defRPr>
             </a:lvl9pPr>
           </a:lstStyle>
           <a:p>
-            <a:pPr indent="0" lvl="0" marL="0" rtl="0" algn="r">
+            <a:pPr marL="0" lvl="0" indent="0" algn="r" rtl="0">
               <a:spcBef>
                 <a:spcPts val="0"/>
               </a:spcBef>
@@ -2150,11 +2694,11 @@
 </file>
 
 <file path=ppt/slideLayouts/slideLayout3.xml><?xml version="1.0" encoding="utf-8"?>
-<p:sldLayout xmlns:a="http://schemas.openxmlformats.org/drawingml/2006/main" xmlns:r="http://schemas.openxmlformats.org/officeDocument/2006/relationships" xmlns:mc="http://schemas.openxmlformats.org/markup-compatibility/2006" xmlns:mv="urn:schemas-microsoft-com:mac:vml" xmlns:p="http://schemas.openxmlformats.org/presentationml/2006/main" xmlns:c="http://schemas.openxmlformats.org/drawingml/2006/chart" xmlns:dgm="http://schemas.openxmlformats.org/drawingml/2006/diagram" xmlns:o="urn:schemas-microsoft-com:office:office" xmlns:v="urn:schemas-microsoft-com:vml" xmlns:pvml="urn:schemas-microsoft-com:office:powerpoint" xmlns:com="http://schemas.openxmlformats.org/drawingml/2006/compatibility" xmlns:p14="http://schemas.microsoft.com/office/powerpoint/2010/main" xmlns:p15="http://schemas.microsoft.com/office/powerpoint/2012/main" xmlns:ahyp="http://schemas.microsoft.com/office/drawing/2018/hyperlinkcolor" matchingName="Title and body" type="tx">
+<p:sldLayout xmlns:a="http://schemas.openxmlformats.org/drawingml/2006/main" xmlns:r="http://schemas.openxmlformats.org/officeDocument/2006/relationships" xmlns:p="http://schemas.openxmlformats.org/presentationml/2006/main" matchingName="Title and body" type="tx">
   <p:cSld name="TITLE_AND_BODY">
     <p:spTree>
       <p:nvGrpSpPr>
-        <p:cNvPr id="16" name="Shape 16"/>
+        <p:cNvPr id="1" name="Shape 18"/>
         <p:cNvGrpSpPr/>
         <p:nvPr/>
       </p:nvGrpSpPr>
@@ -2168,8 +2712,50 @@
       </p:grpSpPr>
       <p:sp>
         <p:nvSpPr>
-          <p:cNvPr id="17" name="Google Shape;17;p4"/>
-          <p:cNvSpPr txBox="1"/>
+          <p:cNvPr id="19" name="Google Shape;19;p4"/>
+          <p:cNvSpPr/>
+          <p:nvPr/>
+        </p:nvSpPr>
+        <p:spPr>
+          <a:xfrm>
+            <a:off x="0" y="5045700"/>
+            <a:ext cx="9144000" cy="97800"/>
+          </a:xfrm>
+          <a:prstGeom prst="rect">
+            <a:avLst/>
+          </a:prstGeom>
+          <a:solidFill>
+            <a:schemeClr val="lt2"/>
+          </a:solidFill>
+          <a:ln>
+            <a:noFill/>
+          </a:ln>
+        </p:spPr>
+        <p:txBody>
+          <a:bodyPr spcFirstLastPara="1" wrap="square" lIns="91425" tIns="91425" rIns="91425" bIns="91425" anchor="ctr" anchorCtr="0">
+            <a:noAutofit/>
+          </a:bodyPr>
+          <a:lstStyle/>
+          <a:p>
+            <a:pPr marL="0" lvl="0" indent="0" algn="l" rtl="0">
+              <a:spcBef>
+                <a:spcPts val="0"/>
+              </a:spcBef>
+              <a:spcAft>
+                <a:spcPts val="0"/>
+              </a:spcAft>
+              <a:buNone/>
+            </a:pPr>
+            <a:endParaRPr/>
+          </a:p>
+        </p:txBody>
+      </p:sp>
+      <p:sp>
+        <p:nvSpPr>
+          <p:cNvPr id="20" name="Google Shape;20;p4"/>
+          <p:cNvSpPr txBox="1">
+            <a:spLocks noGrp="1"/>
+          </p:cNvSpPr>
           <p:nvPr>
             <p:ph type="title"/>
           </p:nvPr>
@@ -2184,7 +2770,7 @@
           </a:prstGeom>
         </p:spPr>
         <p:txBody>
-          <a:bodyPr anchorCtr="0" anchor="t" bIns="91425" lIns="91425" spcFirstLastPara="1" rIns="91425" wrap="square" tIns="91425">
+          <a:bodyPr spcFirstLastPara="1" wrap="square" lIns="91425" tIns="91425" rIns="91425" bIns="91425" anchor="t" anchorCtr="0">
             <a:normAutofit/>
           </a:bodyPr>
           <a:lstStyle>
@@ -2288,15 +2874,19 @@
               <a:defRPr/>
             </a:lvl9pPr>
           </a:lstStyle>
-          <a:p/>
+          <a:p>
+            <a:endParaRPr/>
+          </a:p>
         </p:txBody>
       </p:sp>
       <p:sp>
         <p:nvSpPr>
-          <p:cNvPr id="18" name="Google Shape;18;p4"/>
-          <p:cNvSpPr txBox="1"/>
+          <p:cNvPr id="21" name="Google Shape;21;p4"/>
+          <p:cNvSpPr txBox="1">
+            <a:spLocks noGrp="1"/>
+          </p:cNvSpPr>
           <p:nvPr>
-            <p:ph idx="1" type="body"/>
+            <p:ph type="body" idx="1"/>
           </p:nvPr>
         </p:nvSpPr>
         <p:spPr>
@@ -2309,11 +2899,11 @@
           </a:prstGeom>
         </p:spPr>
         <p:txBody>
-          <a:bodyPr anchorCtr="0" anchor="t" bIns="91425" lIns="91425" spcFirstLastPara="1" rIns="91425" wrap="square" tIns="91425">
+          <a:bodyPr spcFirstLastPara="1" wrap="square" lIns="91425" tIns="91425" rIns="91425" bIns="91425" anchor="t" anchorCtr="0">
             <a:normAutofit/>
           </a:bodyPr>
           <a:lstStyle>
-            <a:lvl1pPr indent="-342900" lvl="0" marL="457200">
+            <a:lvl1pPr marL="457200" lvl="0" indent="-342900">
               <a:spcBef>
                 <a:spcPts val="0"/>
               </a:spcBef>
@@ -2324,7 +2914,7 @@
               <a:buChar char="●"/>
               <a:defRPr/>
             </a:lvl1pPr>
-            <a:lvl2pPr indent="-317500" lvl="1" marL="914400">
+            <a:lvl2pPr marL="914400" lvl="1" indent="-317500">
               <a:spcBef>
                 <a:spcPts val="0"/>
               </a:spcBef>
@@ -2335,7 +2925,7 @@
               <a:buChar char="○"/>
               <a:defRPr/>
             </a:lvl2pPr>
-            <a:lvl3pPr indent="-317500" lvl="2" marL="1371600">
+            <a:lvl3pPr marL="1371600" lvl="2" indent="-317500">
               <a:spcBef>
                 <a:spcPts val="0"/>
               </a:spcBef>
@@ -2346,7 +2936,7 @@
               <a:buChar char="■"/>
               <a:defRPr/>
             </a:lvl3pPr>
-            <a:lvl4pPr indent="-317500" lvl="3" marL="1828800">
+            <a:lvl4pPr marL="1828800" lvl="3" indent="-317500">
               <a:spcBef>
                 <a:spcPts val="0"/>
               </a:spcBef>
@@ -2357,7 +2947,7 @@
               <a:buChar char="●"/>
               <a:defRPr/>
             </a:lvl4pPr>
-            <a:lvl5pPr indent="-317500" lvl="4" marL="2286000">
+            <a:lvl5pPr marL="2286000" lvl="4" indent="-317500">
               <a:spcBef>
                 <a:spcPts val="0"/>
               </a:spcBef>
@@ -2368,7 +2958,7 @@
               <a:buChar char="○"/>
               <a:defRPr/>
             </a:lvl5pPr>
-            <a:lvl6pPr indent="-317500" lvl="5" marL="2743200">
+            <a:lvl6pPr marL="2743200" lvl="5" indent="-317500">
               <a:spcBef>
                 <a:spcPts val="0"/>
               </a:spcBef>
@@ -2379,7 +2969,7 @@
               <a:buChar char="■"/>
               <a:defRPr/>
             </a:lvl6pPr>
-            <a:lvl7pPr indent="-317500" lvl="6" marL="3200400">
+            <a:lvl7pPr marL="3200400" lvl="6" indent="-317500">
               <a:spcBef>
                 <a:spcPts val="0"/>
               </a:spcBef>
@@ -2390,7 +2980,7 @@
               <a:buChar char="●"/>
               <a:defRPr/>
             </a:lvl7pPr>
-            <a:lvl8pPr indent="-317500" lvl="7" marL="3657600">
+            <a:lvl8pPr marL="3657600" lvl="7" indent="-317500">
               <a:spcBef>
                 <a:spcPts val="0"/>
               </a:spcBef>
@@ -2401,7 +2991,7 @@
               <a:buChar char="○"/>
               <a:defRPr/>
             </a:lvl8pPr>
-            <a:lvl9pPr indent="-317500" lvl="8" marL="4114800">
+            <a:lvl9pPr marL="4114800" lvl="8" indent="-317500">
               <a:spcBef>
                 <a:spcPts val="0"/>
               </a:spcBef>
@@ -2413,15 +3003,19 @@
               <a:defRPr/>
             </a:lvl9pPr>
           </a:lstStyle>
-          <a:p/>
+          <a:p>
+            <a:endParaRPr/>
+          </a:p>
         </p:txBody>
       </p:sp>
       <p:sp>
         <p:nvSpPr>
-          <p:cNvPr id="19" name="Google Shape;19;p4"/>
-          <p:cNvSpPr txBox="1"/>
+          <p:cNvPr id="22" name="Google Shape;22;p4"/>
+          <p:cNvSpPr txBox="1">
+            <a:spLocks noGrp="1"/>
+          </p:cNvSpPr>
           <p:nvPr>
-            <p:ph idx="12" type="sldNum"/>
+            <p:ph type="sldNum" idx="12"/>
           </p:nvPr>
         </p:nvSpPr>
         <p:spPr>
@@ -2434,7 +3028,7 @@
           </a:prstGeom>
         </p:spPr>
         <p:txBody>
-          <a:bodyPr anchorCtr="0" anchor="ctr" bIns="91425" lIns="91425" spcFirstLastPara="1" rIns="91425" wrap="square" tIns="91425">
+          <a:bodyPr spcFirstLastPara="1" wrap="square" lIns="91425" tIns="91425" rIns="91425" bIns="91425" anchor="ctr" anchorCtr="0">
             <a:normAutofit/>
           </a:bodyPr>
           <a:lstStyle>
@@ -2476,7 +3070,7 @@
             </a:lvl9pPr>
           </a:lstStyle>
           <a:p>
-            <a:pPr indent="0" lvl="0" marL="0" rtl="0" algn="r">
+            <a:pPr marL="0" lvl="0" indent="0" algn="r" rtl="0">
               <a:spcBef>
                 <a:spcPts val="0"/>
               </a:spcBef>
@@ -2502,11 +3096,11 @@
 </file>
 
 <file path=ppt/slideLayouts/slideLayout4.xml><?xml version="1.0" encoding="utf-8"?>
-<p:sldLayout xmlns:a="http://schemas.openxmlformats.org/drawingml/2006/main" xmlns:r="http://schemas.openxmlformats.org/officeDocument/2006/relationships" xmlns:mc="http://schemas.openxmlformats.org/markup-compatibility/2006" xmlns:mv="urn:schemas-microsoft-com:mac:vml" xmlns:p="http://schemas.openxmlformats.org/presentationml/2006/main" xmlns:c="http://schemas.openxmlformats.org/drawingml/2006/chart" xmlns:dgm="http://schemas.openxmlformats.org/drawingml/2006/diagram" xmlns:o="urn:schemas-microsoft-com:office:office" xmlns:v="urn:schemas-microsoft-com:vml" xmlns:pvml="urn:schemas-microsoft-com:office:powerpoint" xmlns:com="http://schemas.openxmlformats.org/drawingml/2006/compatibility" xmlns:p14="http://schemas.microsoft.com/office/powerpoint/2010/main" xmlns:p15="http://schemas.microsoft.com/office/powerpoint/2012/main" xmlns:ahyp="http://schemas.microsoft.com/office/drawing/2018/hyperlinkcolor" matchingName="Title and two columns" type="twoColTx">
+<p:sldLayout xmlns:a="http://schemas.openxmlformats.org/drawingml/2006/main" xmlns:r="http://schemas.openxmlformats.org/officeDocument/2006/relationships" xmlns:p="http://schemas.openxmlformats.org/presentationml/2006/main" matchingName="Title and two columns" type="twoColTx">
   <p:cSld name="TITLE_AND_TWO_COLUMNS">
     <p:spTree>
       <p:nvGrpSpPr>
-        <p:cNvPr id="20" name="Shape 20"/>
+        <p:cNvPr id="1" name="Shape 23"/>
         <p:cNvGrpSpPr/>
         <p:nvPr/>
       </p:nvGrpSpPr>
@@ -2520,8 +3114,10 @@
       </p:grpSpPr>
       <p:sp>
         <p:nvSpPr>
-          <p:cNvPr id="21" name="Google Shape;21;p5"/>
-          <p:cNvSpPr txBox="1"/>
+          <p:cNvPr id="24" name="Google Shape;24;p5"/>
+          <p:cNvSpPr txBox="1">
+            <a:spLocks noGrp="1"/>
+          </p:cNvSpPr>
           <p:nvPr>
             <p:ph type="title"/>
           </p:nvPr>
@@ -2536,7 +3132,7 @@
           </a:prstGeom>
         </p:spPr>
         <p:txBody>
-          <a:bodyPr anchorCtr="0" anchor="t" bIns="91425" lIns="91425" spcFirstLastPara="1" rIns="91425" wrap="square" tIns="91425">
+          <a:bodyPr spcFirstLastPara="1" wrap="square" lIns="91425" tIns="91425" rIns="91425" bIns="91425" anchor="t" anchorCtr="0">
             <a:normAutofit/>
           </a:bodyPr>
           <a:lstStyle>
@@ -2640,15 +3236,19 @@
               <a:defRPr/>
             </a:lvl9pPr>
           </a:lstStyle>
-          <a:p/>
+          <a:p>
+            <a:endParaRPr/>
+          </a:p>
         </p:txBody>
       </p:sp>
       <p:sp>
         <p:nvSpPr>
-          <p:cNvPr id="22" name="Google Shape;22;p5"/>
-          <p:cNvSpPr txBox="1"/>
+          <p:cNvPr id="25" name="Google Shape;25;p5"/>
+          <p:cNvSpPr txBox="1">
+            <a:spLocks noGrp="1"/>
+          </p:cNvSpPr>
           <p:nvPr>
-            <p:ph idx="1" type="body"/>
+            <p:ph type="body" idx="1"/>
           </p:nvPr>
         </p:nvSpPr>
         <p:spPr>
@@ -2661,11 +3261,11 @@
           </a:prstGeom>
         </p:spPr>
         <p:txBody>
-          <a:bodyPr anchorCtr="0" anchor="t" bIns="91425" lIns="91425" spcFirstLastPara="1" rIns="91425" wrap="square" tIns="91425">
+          <a:bodyPr spcFirstLastPara="1" wrap="square" lIns="91425" tIns="91425" rIns="91425" bIns="91425" anchor="t" anchorCtr="0">
             <a:normAutofit/>
           </a:bodyPr>
           <a:lstStyle>
-            <a:lvl1pPr indent="-317500" lvl="0" marL="457200">
+            <a:lvl1pPr marL="457200" lvl="0" indent="-317500">
               <a:spcBef>
                 <a:spcPts val="0"/>
               </a:spcBef>
@@ -2676,7 +3276,7 @@
               <a:buChar char="●"/>
               <a:defRPr sz="1400"/>
             </a:lvl1pPr>
-            <a:lvl2pPr indent="-304800" lvl="1" marL="914400">
+            <a:lvl2pPr marL="914400" lvl="1" indent="-304800">
               <a:spcBef>
                 <a:spcPts val="0"/>
               </a:spcBef>
@@ -2687,7 +3287,7 @@
               <a:buChar char="○"/>
               <a:defRPr sz="1200"/>
             </a:lvl2pPr>
-            <a:lvl3pPr indent="-304800" lvl="2" marL="1371600">
+            <a:lvl3pPr marL="1371600" lvl="2" indent="-304800">
               <a:spcBef>
                 <a:spcPts val="0"/>
               </a:spcBef>
@@ -2698,7 +3298,7 @@
               <a:buChar char="■"/>
               <a:defRPr sz="1200"/>
             </a:lvl3pPr>
-            <a:lvl4pPr indent="-304800" lvl="3" marL="1828800">
+            <a:lvl4pPr marL="1828800" lvl="3" indent="-304800">
               <a:spcBef>
                 <a:spcPts val="0"/>
               </a:spcBef>
@@ -2709,7 +3309,7 @@
               <a:buChar char="●"/>
               <a:defRPr sz="1200"/>
             </a:lvl4pPr>
-            <a:lvl5pPr indent="-304800" lvl="4" marL="2286000">
+            <a:lvl5pPr marL="2286000" lvl="4" indent="-304800">
               <a:spcBef>
                 <a:spcPts val="0"/>
               </a:spcBef>
@@ -2720,7 +3320,7 @@
               <a:buChar char="○"/>
               <a:defRPr sz="1200"/>
             </a:lvl5pPr>
-            <a:lvl6pPr indent="-304800" lvl="5" marL="2743200">
+            <a:lvl6pPr marL="2743200" lvl="5" indent="-304800">
               <a:spcBef>
                 <a:spcPts val="0"/>
               </a:spcBef>
@@ -2731,7 +3331,7 @@
               <a:buChar char="■"/>
               <a:defRPr sz="1200"/>
             </a:lvl6pPr>
-            <a:lvl7pPr indent="-304800" lvl="6" marL="3200400">
+            <a:lvl7pPr marL="3200400" lvl="6" indent="-304800">
               <a:spcBef>
                 <a:spcPts val="0"/>
               </a:spcBef>
@@ -2742,7 +3342,7 @@
               <a:buChar char="●"/>
               <a:defRPr sz="1200"/>
             </a:lvl7pPr>
-            <a:lvl8pPr indent="-304800" lvl="7" marL="3657600">
+            <a:lvl8pPr marL="3657600" lvl="7" indent="-304800">
               <a:spcBef>
                 <a:spcPts val="0"/>
               </a:spcBef>
@@ -2753,7 +3353,7 @@
               <a:buChar char="○"/>
               <a:defRPr sz="1200"/>
             </a:lvl8pPr>
-            <a:lvl9pPr indent="-304800" lvl="8" marL="4114800">
+            <a:lvl9pPr marL="4114800" lvl="8" indent="-304800">
               <a:spcBef>
                 <a:spcPts val="0"/>
               </a:spcBef>
@@ -2765,15 +3365,19 @@
               <a:defRPr sz="1200"/>
             </a:lvl9pPr>
           </a:lstStyle>
-          <a:p/>
+          <a:p>
+            <a:endParaRPr/>
+          </a:p>
         </p:txBody>
       </p:sp>
       <p:sp>
         <p:nvSpPr>
-          <p:cNvPr id="23" name="Google Shape;23;p5"/>
-          <p:cNvSpPr txBox="1"/>
+          <p:cNvPr id="26" name="Google Shape;26;p5"/>
+          <p:cNvSpPr txBox="1">
+            <a:spLocks noGrp="1"/>
+          </p:cNvSpPr>
           <p:nvPr>
-            <p:ph idx="2" type="body"/>
+            <p:ph type="body" idx="2"/>
           </p:nvPr>
         </p:nvSpPr>
         <p:spPr>
@@ -2786,11 +3390,11 @@
           </a:prstGeom>
         </p:spPr>
         <p:txBody>
-          <a:bodyPr anchorCtr="0" anchor="t" bIns="91425" lIns="91425" spcFirstLastPara="1" rIns="91425" wrap="square" tIns="91425">
+          <a:bodyPr spcFirstLastPara="1" wrap="square" lIns="91425" tIns="91425" rIns="91425" bIns="91425" anchor="t" anchorCtr="0">
             <a:normAutofit/>
           </a:bodyPr>
           <a:lstStyle>
-            <a:lvl1pPr indent="-317500" lvl="0" marL="457200">
+            <a:lvl1pPr marL="457200" lvl="0" indent="-317500">
               <a:spcBef>
                 <a:spcPts val="0"/>
               </a:spcBef>
@@ -2801,7 +3405,7 @@
               <a:buChar char="●"/>
               <a:defRPr sz="1400"/>
             </a:lvl1pPr>
-            <a:lvl2pPr indent="-304800" lvl="1" marL="914400">
+            <a:lvl2pPr marL="914400" lvl="1" indent="-304800">
               <a:spcBef>
                 <a:spcPts val="0"/>
               </a:spcBef>
@@ -2812,7 +3416,7 @@
               <a:buChar char="○"/>
               <a:defRPr sz="1200"/>
             </a:lvl2pPr>
-            <a:lvl3pPr indent="-304800" lvl="2" marL="1371600">
+            <a:lvl3pPr marL="1371600" lvl="2" indent="-304800">
               <a:spcBef>
                 <a:spcPts val="0"/>
               </a:spcBef>
@@ -2823,7 +3427,7 @@
               <a:buChar char="■"/>
               <a:defRPr sz="1200"/>
             </a:lvl3pPr>
-            <a:lvl4pPr indent="-304800" lvl="3" marL="1828800">
+            <a:lvl4pPr marL="1828800" lvl="3" indent="-304800">
               <a:spcBef>
                 <a:spcPts val="0"/>
               </a:spcBef>
@@ -2834,7 +3438,7 @@
               <a:buChar char="●"/>
               <a:defRPr sz="1200"/>
             </a:lvl4pPr>
-            <a:lvl5pPr indent="-304800" lvl="4" marL="2286000">
+            <a:lvl5pPr marL="2286000" lvl="4" indent="-304800">
               <a:spcBef>
                 <a:spcPts val="0"/>
               </a:spcBef>
@@ -2845,7 +3449,7 @@
               <a:buChar char="○"/>
               <a:defRPr sz="1200"/>
             </a:lvl5pPr>
-            <a:lvl6pPr indent="-304800" lvl="5" marL="2743200">
+            <a:lvl6pPr marL="2743200" lvl="5" indent="-304800">
               <a:spcBef>
                 <a:spcPts val="0"/>
               </a:spcBef>
@@ -2856,7 +3460,7 @@
               <a:buChar char="■"/>
               <a:defRPr sz="1200"/>
             </a:lvl6pPr>
-            <a:lvl7pPr indent="-304800" lvl="6" marL="3200400">
+            <a:lvl7pPr marL="3200400" lvl="6" indent="-304800">
               <a:spcBef>
                 <a:spcPts val="0"/>
               </a:spcBef>
@@ -2867,7 +3471,7 @@
               <a:buChar char="●"/>
               <a:defRPr sz="1200"/>
             </a:lvl7pPr>
-            <a:lvl8pPr indent="-304800" lvl="7" marL="3657600">
+            <a:lvl8pPr marL="3657600" lvl="7" indent="-304800">
               <a:spcBef>
                 <a:spcPts val="0"/>
               </a:spcBef>
@@ -2878,7 +3482,7 @@
               <a:buChar char="○"/>
               <a:defRPr sz="1200"/>
             </a:lvl8pPr>
-            <a:lvl9pPr indent="-304800" lvl="8" marL="4114800">
+            <a:lvl9pPr marL="4114800" lvl="8" indent="-304800">
               <a:spcBef>
                 <a:spcPts val="0"/>
               </a:spcBef>
@@ -2890,15 +3494,19 @@
               <a:defRPr sz="1200"/>
             </a:lvl9pPr>
           </a:lstStyle>
-          <a:p/>
+          <a:p>
+            <a:endParaRPr/>
+          </a:p>
         </p:txBody>
       </p:sp>
       <p:sp>
         <p:nvSpPr>
-          <p:cNvPr id="24" name="Google Shape;24;p5"/>
-          <p:cNvSpPr txBox="1"/>
+          <p:cNvPr id="27" name="Google Shape;27;p5"/>
+          <p:cNvSpPr txBox="1">
+            <a:spLocks noGrp="1"/>
+          </p:cNvSpPr>
           <p:nvPr>
-            <p:ph idx="12" type="sldNum"/>
+            <p:ph type="sldNum" idx="12"/>
           </p:nvPr>
         </p:nvSpPr>
         <p:spPr>
@@ -2911,7 +3519,7 @@
           </a:prstGeom>
         </p:spPr>
         <p:txBody>
-          <a:bodyPr anchorCtr="0" anchor="ctr" bIns="91425" lIns="91425" spcFirstLastPara="1" rIns="91425" wrap="square" tIns="91425">
+          <a:bodyPr spcFirstLastPara="1" wrap="square" lIns="91425" tIns="91425" rIns="91425" bIns="91425" anchor="ctr" anchorCtr="0">
             <a:normAutofit/>
           </a:bodyPr>
           <a:lstStyle>
@@ -2953,7 +3561,7 @@
             </a:lvl9pPr>
           </a:lstStyle>
           <a:p>
-            <a:pPr indent="0" lvl="0" marL="0" rtl="0" algn="r">
+            <a:pPr marL="0" lvl="0" indent="0" algn="r" rtl="0">
               <a:spcBef>
                 <a:spcPts val="0"/>
               </a:spcBef>
@@ -2979,11 +3587,11 @@
 </file>
 
 <file path=ppt/slideLayouts/slideLayout5.xml><?xml version="1.0" encoding="utf-8"?>
-<p:sldLayout xmlns:a="http://schemas.openxmlformats.org/drawingml/2006/main" xmlns:r="http://schemas.openxmlformats.org/officeDocument/2006/relationships" xmlns:mc="http://schemas.openxmlformats.org/markup-compatibility/2006" xmlns:mv="urn:schemas-microsoft-com:mac:vml" xmlns:p="http://schemas.openxmlformats.org/presentationml/2006/main" xmlns:c="http://schemas.openxmlformats.org/drawingml/2006/chart" xmlns:dgm="http://schemas.openxmlformats.org/drawingml/2006/diagram" xmlns:o="urn:schemas-microsoft-com:office:office" xmlns:v="urn:schemas-microsoft-com:vml" xmlns:pvml="urn:schemas-microsoft-com:office:powerpoint" xmlns:com="http://schemas.openxmlformats.org/drawingml/2006/compatibility" xmlns:p14="http://schemas.microsoft.com/office/powerpoint/2010/main" xmlns:p15="http://schemas.microsoft.com/office/powerpoint/2012/main" xmlns:ahyp="http://schemas.microsoft.com/office/drawing/2018/hyperlinkcolor" matchingName="Title only" type="titleOnly">
+<p:sldLayout xmlns:a="http://schemas.openxmlformats.org/drawingml/2006/main" xmlns:r="http://schemas.openxmlformats.org/officeDocument/2006/relationships" xmlns:p="http://schemas.openxmlformats.org/presentationml/2006/main" matchingName="Title only" type="titleOnly">
   <p:cSld name="TITLE_ONLY">
     <p:spTree>
       <p:nvGrpSpPr>
-        <p:cNvPr id="25" name="Shape 25"/>
+        <p:cNvPr id="1" name="Shape 28"/>
         <p:cNvGrpSpPr/>
         <p:nvPr/>
       </p:nvGrpSpPr>
@@ -2997,8 +3605,10 @@
       </p:grpSpPr>
       <p:sp>
         <p:nvSpPr>
-          <p:cNvPr id="26" name="Google Shape;26;p6"/>
-          <p:cNvSpPr txBox="1"/>
+          <p:cNvPr id="29" name="Google Shape;29;p6"/>
+          <p:cNvSpPr txBox="1">
+            <a:spLocks noGrp="1"/>
+          </p:cNvSpPr>
           <p:nvPr>
             <p:ph type="title"/>
           </p:nvPr>
@@ -3013,7 +3623,7 @@
           </a:prstGeom>
         </p:spPr>
         <p:txBody>
-          <a:bodyPr anchorCtr="0" anchor="t" bIns="91425" lIns="91425" spcFirstLastPara="1" rIns="91425" wrap="square" tIns="91425">
+          <a:bodyPr spcFirstLastPara="1" wrap="square" lIns="91425" tIns="91425" rIns="91425" bIns="91425" anchor="t" anchorCtr="0">
             <a:normAutofit/>
           </a:bodyPr>
           <a:lstStyle>
@@ -3117,15 +3727,19 @@
               <a:defRPr/>
             </a:lvl9pPr>
           </a:lstStyle>
-          <a:p/>
+          <a:p>
+            <a:endParaRPr/>
+          </a:p>
         </p:txBody>
       </p:sp>
       <p:sp>
         <p:nvSpPr>
-          <p:cNvPr id="27" name="Google Shape;27;p6"/>
-          <p:cNvSpPr txBox="1"/>
+          <p:cNvPr id="30" name="Google Shape;30;p6"/>
+          <p:cNvSpPr txBox="1">
+            <a:spLocks noGrp="1"/>
+          </p:cNvSpPr>
           <p:nvPr>
-            <p:ph idx="12" type="sldNum"/>
+            <p:ph type="sldNum" idx="12"/>
           </p:nvPr>
         </p:nvSpPr>
         <p:spPr>
@@ -3138,7 +3752,7 @@
           </a:prstGeom>
         </p:spPr>
         <p:txBody>
-          <a:bodyPr anchorCtr="0" anchor="ctr" bIns="91425" lIns="91425" spcFirstLastPara="1" rIns="91425" wrap="square" tIns="91425">
+          <a:bodyPr spcFirstLastPara="1" wrap="square" lIns="91425" tIns="91425" rIns="91425" bIns="91425" anchor="ctr" anchorCtr="0">
             <a:normAutofit/>
           </a:bodyPr>
           <a:lstStyle>
@@ -3180,7 +3794,7 @@
             </a:lvl9pPr>
           </a:lstStyle>
           <a:p>
-            <a:pPr indent="0" lvl="0" marL="0" rtl="0" algn="r">
+            <a:pPr marL="0" lvl="0" indent="0" algn="r" rtl="0">
               <a:spcBef>
                 <a:spcPts val="0"/>
               </a:spcBef>
@@ -3206,11 +3820,11 @@
 </file>
 
 <file path=ppt/slideLayouts/slideLayout6.xml><?xml version="1.0" encoding="utf-8"?>
-<p:sldLayout xmlns:a="http://schemas.openxmlformats.org/drawingml/2006/main" xmlns:r="http://schemas.openxmlformats.org/officeDocument/2006/relationships" xmlns:mc="http://schemas.openxmlformats.org/markup-compatibility/2006" xmlns:mv="urn:schemas-microsoft-com:mac:vml" xmlns:p="http://schemas.openxmlformats.org/presentationml/2006/main" xmlns:c="http://schemas.openxmlformats.org/drawingml/2006/chart" xmlns:dgm="http://schemas.openxmlformats.org/drawingml/2006/diagram" xmlns:o="urn:schemas-microsoft-com:office:office" xmlns:v="urn:schemas-microsoft-com:vml" xmlns:pvml="urn:schemas-microsoft-com:office:powerpoint" xmlns:com="http://schemas.openxmlformats.org/drawingml/2006/compatibility" xmlns:p14="http://schemas.microsoft.com/office/powerpoint/2010/main" xmlns:p15="http://schemas.microsoft.com/office/powerpoint/2012/main" xmlns:ahyp="http://schemas.microsoft.com/office/drawing/2018/hyperlinkcolor" matchingName="One column text">
+<p:sldLayout xmlns:a="http://schemas.openxmlformats.org/drawingml/2006/main" xmlns:r="http://schemas.openxmlformats.org/officeDocument/2006/relationships" xmlns:p="http://schemas.openxmlformats.org/presentationml/2006/main" matchingName="One column text">
   <p:cSld name="ONE_COLUMN_TEXT">
     <p:spTree>
       <p:nvGrpSpPr>
-        <p:cNvPr id="28" name="Shape 28"/>
+        <p:cNvPr id="1" name="Shape 31"/>
         <p:cNvGrpSpPr/>
         <p:nvPr/>
       </p:nvGrpSpPr>
@@ -3224,8 +3838,10 @@
       </p:grpSpPr>
       <p:sp>
         <p:nvSpPr>
-          <p:cNvPr id="29" name="Google Shape;29;p7"/>
-          <p:cNvSpPr txBox="1"/>
+          <p:cNvPr id="32" name="Google Shape;32;p7"/>
+          <p:cNvSpPr txBox="1">
+            <a:spLocks noGrp="1"/>
+          </p:cNvSpPr>
           <p:nvPr>
             <p:ph type="title"/>
           </p:nvPr>
@@ -3240,7 +3856,7 @@
           </a:prstGeom>
         </p:spPr>
         <p:txBody>
-          <a:bodyPr anchorCtr="0" anchor="b" bIns="91425" lIns="91425" spcFirstLastPara="1" rIns="91425" wrap="square" tIns="91425">
+          <a:bodyPr spcFirstLastPara="1" wrap="square" lIns="91425" tIns="91425" rIns="91425" bIns="91425" anchor="b" anchorCtr="0">
             <a:normAutofit/>
           </a:bodyPr>
           <a:lstStyle>
@@ -3344,15 +3960,19 @@
               <a:defRPr sz="2400"/>
             </a:lvl9pPr>
           </a:lstStyle>
-          <a:p/>
+          <a:p>
+            <a:endParaRPr/>
+          </a:p>
         </p:txBody>
       </p:sp>
       <p:sp>
         <p:nvSpPr>
-          <p:cNvPr id="30" name="Google Shape;30;p7"/>
-          <p:cNvSpPr txBox="1"/>
+          <p:cNvPr id="33" name="Google Shape;33;p7"/>
+          <p:cNvSpPr txBox="1">
+            <a:spLocks noGrp="1"/>
+          </p:cNvSpPr>
           <p:nvPr>
-            <p:ph idx="1" type="body"/>
+            <p:ph type="body" idx="1"/>
           </p:nvPr>
         </p:nvSpPr>
         <p:spPr>
@@ -3365,11 +3985,11 @@
           </a:prstGeom>
         </p:spPr>
         <p:txBody>
-          <a:bodyPr anchorCtr="0" anchor="t" bIns="91425" lIns="91425" spcFirstLastPara="1" rIns="91425" wrap="square" tIns="91425">
+          <a:bodyPr spcFirstLastPara="1" wrap="square" lIns="91425" tIns="91425" rIns="91425" bIns="91425" anchor="t" anchorCtr="0">
             <a:normAutofit/>
           </a:bodyPr>
           <a:lstStyle>
-            <a:lvl1pPr indent="-304800" lvl="0" marL="457200">
+            <a:lvl1pPr marL="457200" lvl="0" indent="-304800">
               <a:spcBef>
                 <a:spcPts val="0"/>
               </a:spcBef>
@@ -3380,7 +4000,7 @@
               <a:buChar char="●"/>
               <a:defRPr sz="1200"/>
             </a:lvl1pPr>
-            <a:lvl2pPr indent="-304800" lvl="1" marL="914400">
+            <a:lvl2pPr marL="914400" lvl="1" indent="-304800">
               <a:spcBef>
                 <a:spcPts val="0"/>
               </a:spcBef>
@@ -3391,7 +4011,7 @@
               <a:buChar char="○"/>
               <a:defRPr sz="1200"/>
             </a:lvl2pPr>
-            <a:lvl3pPr indent="-304800" lvl="2" marL="1371600">
+            <a:lvl3pPr marL="1371600" lvl="2" indent="-304800">
               <a:spcBef>
                 <a:spcPts val="0"/>
               </a:spcBef>
@@ -3402,7 +4022,7 @@
               <a:buChar char="■"/>
               <a:defRPr sz="1200"/>
             </a:lvl3pPr>
-            <a:lvl4pPr indent="-304800" lvl="3" marL="1828800">
+            <a:lvl4pPr marL="1828800" lvl="3" indent="-304800">
               <a:spcBef>
                 <a:spcPts val="0"/>
               </a:spcBef>
@@ -3413,7 +4033,7 @@
               <a:buChar char="●"/>
               <a:defRPr sz="1200"/>
             </a:lvl4pPr>
-            <a:lvl5pPr indent="-304800" lvl="4" marL="2286000">
+            <a:lvl5pPr marL="2286000" lvl="4" indent="-304800">
               <a:spcBef>
                 <a:spcPts val="0"/>
               </a:spcBef>
@@ -3424,7 +4044,7 @@
               <a:buChar char="○"/>
               <a:defRPr sz="1200"/>
             </a:lvl5pPr>
-            <a:lvl6pPr indent="-304800" lvl="5" marL="2743200">
+            <a:lvl6pPr marL="2743200" lvl="5" indent="-304800">
               <a:spcBef>
                 <a:spcPts val="0"/>
               </a:spcBef>
@@ -3435,7 +4055,7 @@
               <a:buChar char="■"/>
               <a:defRPr sz="1200"/>
             </a:lvl6pPr>
-            <a:lvl7pPr indent="-304800" lvl="6" marL="3200400">
+            <a:lvl7pPr marL="3200400" lvl="6" indent="-304800">
               <a:spcBef>
                 <a:spcPts val="0"/>
               </a:spcBef>
@@ -3446,7 +4066,7 @@
               <a:buChar char="●"/>
               <a:defRPr sz="1200"/>
             </a:lvl7pPr>
-            <a:lvl8pPr indent="-304800" lvl="7" marL="3657600">
+            <a:lvl8pPr marL="3657600" lvl="7" indent="-304800">
               <a:spcBef>
                 <a:spcPts val="0"/>
               </a:spcBef>
@@ -3457,7 +4077,7 @@
               <a:buChar char="○"/>
               <a:defRPr sz="1200"/>
             </a:lvl8pPr>
-            <a:lvl9pPr indent="-304800" lvl="8" marL="4114800">
+            <a:lvl9pPr marL="4114800" lvl="8" indent="-304800">
               <a:spcBef>
                 <a:spcPts val="0"/>
               </a:spcBef>
@@ -3469,15 +4089,19 @@
               <a:defRPr sz="1200"/>
             </a:lvl9pPr>
           </a:lstStyle>
-          <a:p/>
+          <a:p>
+            <a:endParaRPr/>
+          </a:p>
         </p:txBody>
       </p:sp>
       <p:sp>
         <p:nvSpPr>
-          <p:cNvPr id="31" name="Google Shape;31;p7"/>
-          <p:cNvSpPr txBox="1"/>
+          <p:cNvPr id="34" name="Google Shape;34;p7"/>
+          <p:cNvSpPr txBox="1">
+            <a:spLocks noGrp="1"/>
+          </p:cNvSpPr>
           <p:nvPr>
-            <p:ph idx="12" type="sldNum"/>
+            <p:ph type="sldNum" idx="12"/>
           </p:nvPr>
         </p:nvSpPr>
         <p:spPr>
@@ -3490,7 +4114,7 @@
           </a:prstGeom>
         </p:spPr>
         <p:txBody>
-          <a:bodyPr anchorCtr="0" anchor="ctr" bIns="91425" lIns="91425" spcFirstLastPara="1" rIns="91425" wrap="square" tIns="91425">
+          <a:bodyPr spcFirstLastPara="1" wrap="square" lIns="91425" tIns="91425" rIns="91425" bIns="91425" anchor="ctr" anchorCtr="0">
             <a:normAutofit/>
           </a:bodyPr>
           <a:lstStyle>
@@ -3532,7 +4156,7 @@
             </a:lvl9pPr>
           </a:lstStyle>
           <a:p>
-            <a:pPr indent="0" lvl="0" marL="0" rtl="0" algn="r">
+            <a:pPr marL="0" lvl="0" indent="0" algn="r" rtl="0">
               <a:spcBef>
                 <a:spcPts val="0"/>
               </a:spcBef>
@@ -3558,11 +4182,19 @@
 </file>
 
 <file path=ppt/slideLayouts/slideLayout7.xml><?xml version="1.0" encoding="utf-8"?>
-<p:sldLayout xmlns:a="http://schemas.openxmlformats.org/drawingml/2006/main" xmlns:r="http://schemas.openxmlformats.org/officeDocument/2006/relationships" xmlns:mc="http://schemas.openxmlformats.org/markup-compatibility/2006" xmlns:mv="urn:schemas-microsoft-com:mac:vml" xmlns:p="http://schemas.openxmlformats.org/presentationml/2006/main" xmlns:c="http://schemas.openxmlformats.org/drawingml/2006/chart" xmlns:dgm="http://schemas.openxmlformats.org/drawingml/2006/diagram" xmlns:o="urn:schemas-microsoft-com:office:office" xmlns:v="urn:schemas-microsoft-com:vml" xmlns:pvml="urn:schemas-microsoft-com:office:powerpoint" xmlns:com="http://schemas.openxmlformats.org/drawingml/2006/compatibility" xmlns:p14="http://schemas.microsoft.com/office/powerpoint/2010/main" xmlns:p15="http://schemas.microsoft.com/office/powerpoint/2012/main" xmlns:ahyp="http://schemas.microsoft.com/office/drawing/2018/hyperlinkcolor" matchingName="Main point">
+<p:sldLayout xmlns:a="http://schemas.openxmlformats.org/drawingml/2006/main" xmlns:r="http://schemas.openxmlformats.org/officeDocument/2006/relationships" xmlns:p="http://schemas.openxmlformats.org/presentationml/2006/main" matchingName="Main point">
   <p:cSld name="MAIN_POINT">
+    <p:bg>
+      <p:bgPr>
+        <a:solidFill>
+          <a:schemeClr val="lt2"/>
+        </a:solidFill>
+        <a:effectLst/>
+      </p:bgPr>
+    </p:bg>
     <p:spTree>
       <p:nvGrpSpPr>
-        <p:cNvPr id="32" name="Shape 32"/>
+        <p:cNvPr id="1" name="Shape 35"/>
         <p:cNvGrpSpPr/>
         <p:nvPr/>
       </p:nvGrpSpPr>
@@ -3576,23 +4208,25 @@
       </p:grpSpPr>
       <p:sp>
         <p:nvSpPr>
-          <p:cNvPr id="33" name="Google Shape;33;p8"/>
-          <p:cNvSpPr txBox="1"/>
+          <p:cNvPr id="36" name="Google Shape;36;p8"/>
+          <p:cNvSpPr txBox="1">
+            <a:spLocks noGrp="1"/>
+          </p:cNvSpPr>
           <p:nvPr>
             <p:ph type="title"/>
           </p:nvPr>
         </p:nvSpPr>
         <p:spPr>
           <a:xfrm>
-            <a:off x="490250" y="450150"/>
-            <a:ext cx="6367800" cy="4090800"/>
+            <a:off x="490250" y="526350"/>
+            <a:ext cx="5797500" cy="4090800"/>
           </a:xfrm>
           <a:prstGeom prst="rect">
             <a:avLst/>
           </a:prstGeom>
         </p:spPr>
         <p:txBody>
-          <a:bodyPr anchorCtr="0" anchor="ctr" bIns="91425" lIns="91425" spcFirstLastPara="1" rIns="91425" wrap="square" tIns="91425">
+          <a:bodyPr spcFirstLastPara="1" wrap="square" lIns="91425" tIns="91425" rIns="91425" bIns="91425" anchor="ctr" anchorCtr="0">
             <a:normAutofit/>
           </a:bodyPr>
           <a:lstStyle>
@@ -3696,15 +4330,19 @@
               <a:defRPr sz="4800"/>
             </a:lvl9pPr>
           </a:lstStyle>
-          <a:p/>
+          <a:p>
+            <a:endParaRPr/>
+          </a:p>
         </p:txBody>
       </p:sp>
       <p:sp>
         <p:nvSpPr>
-          <p:cNvPr id="34" name="Google Shape;34;p8"/>
-          <p:cNvSpPr txBox="1"/>
+          <p:cNvPr id="37" name="Google Shape;37;p8"/>
+          <p:cNvSpPr txBox="1">
+            <a:spLocks noGrp="1"/>
+          </p:cNvSpPr>
           <p:nvPr>
-            <p:ph idx="12" type="sldNum"/>
+            <p:ph type="sldNum" idx="12"/>
           </p:nvPr>
         </p:nvSpPr>
         <p:spPr>
@@ -3717,7 +4355,7 @@
           </a:prstGeom>
         </p:spPr>
         <p:txBody>
-          <a:bodyPr anchorCtr="0" anchor="ctr" bIns="91425" lIns="91425" spcFirstLastPara="1" rIns="91425" wrap="square" tIns="91425">
+          <a:bodyPr spcFirstLastPara="1" wrap="square" lIns="91425" tIns="91425" rIns="91425" bIns="91425" anchor="ctr" anchorCtr="0">
             <a:normAutofit/>
           </a:bodyPr>
           <a:lstStyle>
@@ -3759,7 +4397,7 @@
             </a:lvl9pPr>
           </a:lstStyle>
           <a:p>
-            <a:pPr indent="0" lvl="0" marL="0" rtl="0" algn="r">
+            <a:pPr marL="0" lvl="0" indent="0" algn="r" rtl="0">
               <a:spcBef>
                 <a:spcPts val="0"/>
               </a:spcBef>
@@ -3785,11 +4423,11 @@
 </file>
 
 <file path=ppt/slideLayouts/slideLayout8.xml><?xml version="1.0" encoding="utf-8"?>
-<p:sldLayout xmlns:a="http://schemas.openxmlformats.org/drawingml/2006/main" xmlns:r="http://schemas.openxmlformats.org/officeDocument/2006/relationships" xmlns:mc="http://schemas.openxmlformats.org/markup-compatibility/2006" xmlns:mv="urn:schemas-microsoft-com:mac:vml" xmlns:p="http://schemas.openxmlformats.org/presentationml/2006/main" xmlns:c="http://schemas.openxmlformats.org/drawingml/2006/chart" xmlns:dgm="http://schemas.openxmlformats.org/drawingml/2006/diagram" xmlns:o="urn:schemas-microsoft-com:office:office" xmlns:v="urn:schemas-microsoft-com:vml" xmlns:pvml="urn:schemas-microsoft-com:office:powerpoint" xmlns:com="http://schemas.openxmlformats.org/drawingml/2006/compatibility" xmlns:p14="http://schemas.microsoft.com/office/powerpoint/2010/main" xmlns:p15="http://schemas.microsoft.com/office/powerpoint/2012/main" xmlns:ahyp="http://schemas.microsoft.com/office/drawing/2018/hyperlinkcolor" matchingName="Section title and description">
+<p:sldLayout xmlns:a="http://schemas.openxmlformats.org/drawingml/2006/main" xmlns:r="http://schemas.openxmlformats.org/officeDocument/2006/relationships" xmlns:p="http://schemas.openxmlformats.org/presentationml/2006/main" matchingName="Section title and description">
   <p:cSld name="SECTION_TITLE_AND_DESCRIPTION">
     <p:spTree>
       <p:nvGrpSpPr>
-        <p:cNvPr id="35" name="Shape 35"/>
+        <p:cNvPr id="1" name="Shape 38"/>
         <p:cNvGrpSpPr/>
         <p:nvPr/>
       </p:nvGrpSpPr>
@@ -3803,32 +4441,32 @@
       </p:grpSpPr>
       <p:sp>
         <p:nvSpPr>
-          <p:cNvPr id="36" name="Google Shape;36;p9"/>
+          <p:cNvPr id="39" name="Google Shape;39;p9"/>
           <p:cNvSpPr/>
           <p:nvPr/>
         </p:nvSpPr>
         <p:spPr>
           <a:xfrm>
-            <a:off x="4572000" y="25"/>
+            <a:off x="4572000" y="75"/>
             <a:ext cx="4572000" cy="5143500"/>
           </a:xfrm>
           <a:prstGeom prst="rect">
             <a:avLst/>
           </a:prstGeom>
           <a:solidFill>
-            <a:schemeClr val="dk2"/>
+            <a:schemeClr val="dk1"/>
           </a:solidFill>
           <a:ln>
             <a:noFill/>
           </a:ln>
         </p:spPr>
         <p:txBody>
-          <a:bodyPr anchorCtr="0" anchor="ctr" bIns="91425" lIns="91425" spcFirstLastPara="1" rIns="91425" wrap="square" tIns="91425">
+          <a:bodyPr spcFirstLastPara="1" wrap="square" lIns="91425" tIns="91425" rIns="91425" bIns="91425" anchor="ctr" anchorCtr="0">
             <a:noAutofit/>
           </a:bodyPr>
           <a:lstStyle/>
           <a:p>
-            <a:pPr indent="0" lvl="0" marL="0" rtl="0" algn="l">
+            <a:pPr marL="0" lvl="0" indent="0" algn="l" rtl="0">
               <a:spcBef>
                 <a:spcPts val="0"/>
               </a:spcBef>
@@ -3837,157 +4475,186 @@
               </a:spcAft>
               <a:buNone/>
             </a:pPr>
-            <a:r>
-              <a:t/>
-            </a:r>
+            <a:endParaRPr/>
+          </a:p>
+        </p:txBody>
+      </p:sp>
+      <p:cxnSp>
+        <p:nvCxnSpPr>
+          <p:cNvPr id="40" name="Google Shape;40;p9"/>
+          <p:cNvCxnSpPr/>
+          <p:nvPr/>
+        </p:nvCxnSpPr>
+        <p:spPr>
+          <a:xfrm>
+            <a:off x="5029675" y="4495500"/>
+            <a:ext cx="468300" cy="0"/>
+          </a:xfrm>
+          <a:prstGeom prst="straightConnector1">
+            <a:avLst/>
+          </a:prstGeom>
+          <a:noFill/>
+          <a:ln w="19050" cap="flat" cmpd="sng">
+            <a:solidFill>
+              <a:schemeClr val="lt2"/>
+            </a:solidFill>
+            <a:prstDash val="solid"/>
+            <a:round/>
+            <a:headEnd type="none" w="sm" len="sm"/>
+            <a:tailEnd type="none" w="sm" len="sm"/>
+          </a:ln>
+        </p:spPr>
+      </p:cxnSp>
+      <p:sp>
+        <p:nvSpPr>
+          <p:cNvPr id="41" name="Google Shape;41;p9"/>
+          <p:cNvSpPr txBox="1">
+            <a:spLocks noGrp="1"/>
+          </p:cNvSpPr>
+          <p:nvPr>
+            <p:ph type="title"/>
+          </p:nvPr>
+        </p:nvSpPr>
+        <p:spPr>
+          <a:xfrm>
+            <a:off x="265500" y="1205825"/>
+            <a:ext cx="4045200" cy="1509600"/>
+          </a:xfrm>
+          <a:prstGeom prst="rect">
+            <a:avLst/>
+          </a:prstGeom>
+        </p:spPr>
+        <p:txBody>
+          <a:bodyPr spcFirstLastPara="1" wrap="square" lIns="91425" tIns="91425" rIns="91425" bIns="91425" anchor="b" anchorCtr="0">
+            <a:normAutofit/>
+          </a:bodyPr>
+          <a:lstStyle>
+            <a:lvl1pPr lvl="0" algn="ctr">
+              <a:spcBef>
+                <a:spcPts val="0"/>
+              </a:spcBef>
+              <a:spcAft>
+                <a:spcPts val="0"/>
+              </a:spcAft>
+              <a:buSzPts val="4200"/>
+              <a:buNone/>
+              <a:defRPr sz="4200"/>
+            </a:lvl1pPr>
+            <a:lvl2pPr lvl="1" algn="ctr">
+              <a:spcBef>
+                <a:spcPts val="0"/>
+              </a:spcBef>
+              <a:spcAft>
+                <a:spcPts val="0"/>
+              </a:spcAft>
+              <a:buSzPts val="4200"/>
+              <a:buNone/>
+              <a:defRPr sz="4200"/>
+            </a:lvl2pPr>
+            <a:lvl3pPr lvl="2" algn="ctr">
+              <a:spcBef>
+                <a:spcPts val="0"/>
+              </a:spcBef>
+              <a:spcAft>
+                <a:spcPts val="0"/>
+              </a:spcAft>
+              <a:buSzPts val="4200"/>
+              <a:buNone/>
+              <a:defRPr sz="4200"/>
+            </a:lvl3pPr>
+            <a:lvl4pPr lvl="3" algn="ctr">
+              <a:spcBef>
+                <a:spcPts val="0"/>
+              </a:spcBef>
+              <a:spcAft>
+                <a:spcPts val="0"/>
+              </a:spcAft>
+              <a:buSzPts val="4200"/>
+              <a:buNone/>
+              <a:defRPr sz="4200"/>
+            </a:lvl4pPr>
+            <a:lvl5pPr lvl="4" algn="ctr">
+              <a:spcBef>
+                <a:spcPts val="0"/>
+              </a:spcBef>
+              <a:spcAft>
+                <a:spcPts val="0"/>
+              </a:spcAft>
+              <a:buSzPts val="4200"/>
+              <a:buNone/>
+              <a:defRPr sz="4200"/>
+            </a:lvl5pPr>
+            <a:lvl6pPr lvl="5" algn="ctr">
+              <a:spcBef>
+                <a:spcPts val="0"/>
+              </a:spcBef>
+              <a:spcAft>
+                <a:spcPts val="0"/>
+              </a:spcAft>
+              <a:buSzPts val="4200"/>
+              <a:buNone/>
+              <a:defRPr sz="4200"/>
+            </a:lvl6pPr>
+            <a:lvl7pPr lvl="6" algn="ctr">
+              <a:spcBef>
+                <a:spcPts val="0"/>
+              </a:spcBef>
+              <a:spcAft>
+                <a:spcPts val="0"/>
+              </a:spcAft>
+              <a:buSzPts val="4200"/>
+              <a:buNone/>
+              <a:defRPr sz="4200"/>
+            </a:lvl7pPr>
+            <a:lvl8pPr lvl="7" algn="ctr">
+              <a:spcBef>
+                <a:spcPts val="0"/>
+              </a:spcBef>
+              <a:spcAft>
+                <a:spcPts val="0"/>
+              </a:spcAft>
+              <a:buSzPts val="4200"/>
+              <a:buNone/>
+              <a:defRPr sz="4200"/>
+            </a:lvl8pPr>
+            <a:lvl9pPr lvl="8" algn="ctr">
+              <a:spcBef>
+                <a:spcPts val="0"/>
+              </a:spcBef>
+              <a:spcAft>
+                <a:spcPts val="0"/>
+              </a:spcAft>
+              <a:buSzPts val="4200"/>
+              <a:buNone/>
+              <a:defRPr sz="4200"/>
+            </a:lvl9pPr>
+          </a:lstStyle>
+          <a:p>
             <a:endParaRPr/>
           </a:p>
         </p:txBody>
       </p:sp>
       <p:sp>
         <p:nvSpPr>
-          <p:cNvPr id="37" name="Google Shape;37;p9"/>
-          <p:cNvSpPr txBox="1"/>
+          <p:cNvPr id="42" name="Google Shape;42;p9"/>
+          <p:cNvSpPr txBox="1">
+            <a:spLocks noGrp="1"/>
+          </p:cNvSpPr>
           <p:nvPr>
-            <p:ph type="title"/>
+            <p:ph type="subTitle" idx="1"/>
           </p:nvPr>
         </p:nvSpPr>
         <p:spPr>
           <a:xfrm>
-            <a:off x="265500" y="1233175"/>
-            <a:ext cx="4045200" cy="1482300"/>
+            <a:off x="265500" y="2769001"/>
+            <a:ext cx="4045200" cy="1345500"/>
           </a:xfrm>
           <a:prstGeom prst="rect">
             <a:avLst/>
           </a:prstGeom>
         </p:spPr>
         <p:txBody>
-          <a:bodyPr anchorCtr="0" anchor="b" bIns="91425" lIns="91425" spcFirstLastPara="1" rIns="91425" wrap="square" tIns="91425">
-            <a:normAutofit/>
-          </a:bodyPr>
-          <a:lstStyle>
-            <a:lvl1pPr lvl="0" algn="ctr">
-              <a:spcBef>
-                <a:spcPts val="0"/>
-              </a:spcBef>
-              <a:spcAft>
-                <a:spcPts val="0"/>
-              </a:spcAft>
-              <a:buSzPts val="4200"/>
-              <a:buNone/>
-              <a:defRPr sz="4200"/>
-            </a:lvl1pPr>
-            <a:lvl2pPr lvl="1" algn="ctr">
-              <a:spcBef>
-                <a:spcPts val="0"/>
-              </a:spcBef>
-              <a:spcAft>
-                <a:spcPts val="0"/>
-              </a:spcAft>
-              <a:buSzPts val="4200"/>
-              <a:buNone/>
-              <a:defRPr sz="4200"/>
-            </a:lvl2pPr>
-            <a:lvl3pPr lvl="2" algn="ctr">
-              <a:spcBef>
-                <a:spcPts val="0"/>
-              </a:spcBef>
-              <a:spcAft>
-                <a:spcPts val="0"/>
-              </a:spcAft>
-              <a:buSzPts val="4200"/>
-              <a:buNone/>
-              <a:defRPr sz="4200"/>
-            </a:lvl3pPr>
-            <a:lvl4pPr lvl="3" algn="ctr">
-              <a:spcBef>
-                <a:spcPts val="0"/>
-              </a:spcBef>
-              <a:spcAft>
-                <a:spcPts val="0"/>
-              </a:spcAft>
-              <a:buSzPts val="4200"/>
-              <a:buNone/>
-              <a:defRPr sz="4200"/>
-            </a:lvl4pPr>
-            <a:lvl5pPr lvl="4" algn="ctr">
-              <a:spcBef>
-                <a:spcPts val="0"/>
-              </a:spcBef>
-              <a:spcAft>
-                <a:spcPts val="0"/>
-              </a:spcAft>
-              <a:buSzPts val="4200"/>
-              <a:buNone/>
-              <a:defRPr sz="4200"/>
-            </a:lvl5pPr>
-            <a:lvl6pPr lvl="5" algn="ctr">
-              <a:spcBef>
-                <a:spcPts val="0"/>
-              </a:spcBef>
-              <a:spcAft>
-                <a:spcPts val="0"/>
-              </a:spcAft>
-              <a:buSzPts val="4200"/>
-              <a:buNone/>
-              <a:defRPr sz="4200"/>
-            </a:lvl6pPr>
-            <a:lvl7pPr lvl="6" algn="ctr">
-              <a:spcBef>
-                <a:spcPts val="0"/>
-              </a:spcBef>
-              <a:spcAft>
-                <a:spcPts val="0"/>
-              </a:spcAft>
-              <a:buSzPts val="4200"/>
-              <a:buNone/>
-              <a:defRPr sz="4200"/>
-            </a:lvl7pPr>
-            <a:lvl8pPr lvl="7" algn="ctr">
-              <a:spcBef>
-                <a:spcPts val="0"/>
-              </a:spcBef>
-              <a:spcAft>
-                <a:spcPts val="0"/>
-              </a:spcAft>
-              <a:buSzPts val="4200"/>
-              <a:buNone/>
-              <a:defRPr sz="4200"/>
-            </a:lvl8pPr>
-            <a:lvl9pPr lvl="8" algn="ctr">
-              <a:spcBef>
-                <a:spcPts val="0"/>
-              </a:spcBef>
-              <a:spcAft>
-                <a:spcPts val="0"/>
-              </a:spcAft>
-              <a:buSzPts val="4200"/>
-              <a:buNone/>
-              <a:defRPr sz="4200"/>
-            </a:lvl9pPr>
-          </a:lstStyle>
-          <a:p/>
-        </p:txBody>
-      </p:sp>
-      <p:sp>
-        <p:nvSpPr>
-          <p:cNvPr id="38" name="Google Shape;38;p9"/>
-          <p:cNvSpPr txBox="1"/>
-          <p:nvPr>
-            <p:ph idx="1" type="subTitle"/>
-          </p:nvPr>
-        </p:nvSpPr>
-        <p:spPr>
-          <a:xfrm>
-            <a:off x="265500" y="2803075"/>
-            <a:ext cx="4045200" cy="1235100"/>
-          </a:xfrm>
-          <a:prstGeom prst="rect">
-            <a:avLst/>
-          </a:prstGeom>
-        </p:spPr>
-        <p:txBody>
-          <a:bodyPr anchorCtr="0" anchor="t" bIns="91425" lIns="91425" spcFirstLastPara="1" rIns="91425" wrap="square" tIns="91425">
+          <a:bodyPr spcFirstLastPara="1" wrap="square" lIns="91425" tIns="91425" rIns="91425" bIns="91425" anchor="t" anchorCtr="0">
             <a:normAutofit/>
           </a:bodyPr>
           <a:lstStyle>
@@ -4118,15 +4785,19 @@
               <a:defRPr sz="2100"/>
             </a:lvl9pPr>
           </a:lstStyle>
-          <a:p/>
+          <a:p>
+            <a:endParaRPr/>
+          </a:p>
         </p:txBody>
       </p:sp>
       <p:sp>
         <p:nvSpPr>
-          <p:cNvPr id="39" name="Google Shape;39;p9"/>
-          <p:cNvSpPr txBox="1"/>
+          <p:cNvPr id="43" name="Google Shape;43;p9"/>
+          <p:cNvSpPr txBox="1">
+            <a:spLocks noGrp="1"/>
+          </p:cNvSpPr>
           <p:nvPr>
-            <p:ph idx="2" type="body"/>
+            <p:ph type="body" idx="2"/>
           </p:nvPr>
         </p:nvSpPr>
         <p:spPr>
@@ -4139,11 +4810,11 @@
           </a:prstGeom>
         </p:spPr>
         <p:txBody>
-          <a:bodyPr anchorCtr="0" anchor="ctr" bIns="91425" lIns="91425" spcFirstLastPara="1" rIns="91425" wrap="square" tIns="91425">
+          <a:bodyPr spcFirstLastPara="1" wrap="square" lIns="91425" tIns="91425" rIns="91425" bIns="91425" anchor="ctr" anchorCtr="0">
             <a:normAutofit/>
           </a:bodyPr>
           <a:lstStyle>
-            <a:lvl1pPr indent="-342900" lvl="0" marL="457200">
+            <a:lvl1pPr marL="457200" lvl="0" indent="-342900">
               <a:spcBef>
                 <a:spcPts val="0"/>
               </a:spcBef>
@@ -4151,17 +4822,17 @@
                 <a:spcPts val="0"/>
               </a:spcAft>
               <a:buClr>
-                <a:schemeClr val="dk1"/>
+                <a:schemeClr val="lt1"/>
               </a:buClr>
               <a:buSzPts val="1800"/>
               <a:buChar char="●"/>
               <a:defRPr>
                 <a:solidFill>
-                  <a:schemeClr val="dk1"/>
+                  <a:schemeClr val="lt1"/>
                 </a:solidFill>
               </a:defRPr>
             </a:lvl1pPr>
-            <a:lvl2pPr indent="-317500" lvl="1" marL="914400">
+            <a:lvl2pPr marL="914400" lvl="1" indent="-317500">
               <a:spcBef>
                 <a:spcPts val="0"/>
               </a:spcBef>
@@ -4169,17 +4840,17 @@
                 <a:spcPts val="0"/>
               </a:spcAft>
               <a:buClr>
-                <a:schemeClr val="dk1"/>
+                <a:schemeClr val="lt1"/>
               </a:buClr>
               <a:buSzPts val="1400"/>
               <a:buChar char="○"/>
               <a:defRPr>
                 <a:solidFill>
-                  <a:schemeClr val="dk1"/>
+                  <a:schemeClr val="lt1"/>
                 </a:solidFill>
               </a:defRPr>
             </a:lvl2pPr>
-            <a:lvl3pPr indent="-317500" lvl="2" marL="1371600">
+            <a:lvl3pPr marL="1371600" lvl="2" indent="-317500">
               <a:spcBef>
                 <a:spcPts val="0"/>
               </a:spcBef>
@@ -4187,17 +4858,17 @@
                 <a:spcPts val="0"/>
               </a:spcAft>
               <a:buClr>
-                <a:schemeClr val="dk1"/>
+                <a:schemeClr val="lt1"/>
               </a:buClr>
               <a:buSzPts val="1400"/>
               <a:buChar char="■"/>
               <a:defRPr>
                 <a:solidFill>
-                  <a:schemeClr val="dk1"/>
+                  <a:schemeClr val="lt1"/>
                 </a:solidFill>
               </a:defRPr>
             </a:lvl3pPr>
-            <a:lvl4pPr indent="-317500" lvl="3" marL="1828800">
+            <a:lvl4pPr marL="1828800" lvl="3" indent="-317500">
               <a:spcBef>
                 <a:spcPts val="0"/>
               </a:spcBef>
@@ -4205,17 +4876,17 @@
                 <a:spcPts val="0"/>
               </a:spcAft>
               <a:buClr>
-                <a:schemeClr val="dk1"/>
+                <a:schemeClr val="lt1"/>
               </a:buClr>
               <a:buSzPts val="1400"/>
               <a:buChar char="●"/>
               <a:defRPr>
                 <a:solidFill>
-                  <a:schemeClr val="dk1"/>
+                  <a:schemeClr val="lt1"/>
                 </a:solidFill>
               </a:defRPr>
             </a:lvl4pPr>
-            <a:lvl5pPr indent="-317500" lvl="4" marL="2286000">
+            <a:lvl5pPr marL="2286000" lvl="4" indent="-317500">
               <a:spcBef>
                 <a:spcPts val="0"/>
               </a:spcBef>
@@ -4223,17 +4894,17 @@
                 <a:spcPts val="0"/>
               </a:spcAft>
               <a:buClr>
-                <a:schemeClr val="dk1"/>
+                <a:schemeClr val="lt1"/>
               </a:buClr>
               <a:buSzPts val="1400"/>
               <a:buChar char="○"/>
               <a:defRPr>
                 <a:solidFill>
-                  <a:schemeClr val="dk1"/>
+                  <a:schemeClr val="lt1"/>
                 </a:solidFill>
               </a:defRPr>
             </a:lvl5pPr>
-            <a:lvl6pPr indent="-317500" lvl="5" marL="2743200">
+            <a:lvl6pPr marL="2743200" lvl="5" indent="-317500">
               <a:spcBef>
                 <a:spcPts val="0"/>
               </a:spcBef>
@@ -4241,17 +4912,17 @@
                 <a:spcPts val="0"/>
               </a:spcAft>
               <a:buClr>
-                <a:schemeClr val="dk1"/>
+                <a:schemeClr val="lt1"/>
               </a:buClr>
               <a:buSzPts val="1400"/>
               <a:buChar char="■"/>
               <a:defRPr>
                 <a:solidFill>
-                  <a:schemeClr val="dk1"/>
+                  <a:schemeClr val="lt1"/>
                 </a:solidFill>
               </a:defRPr>
             </a:lvl6pPr>
-            <a:lvl7pPr indent="-317500" lvl="6" marL="3200400">
+            <a:lvl7pPr marL="3200400" lvl="6" indent="-317500">
               <a:spcBef>
                 <a:spcPts val="0"/>
               </a:spcBef>
@@ -4259,17 +4930,17 @@
                 <a:spcPts val="0"/>
               </a:spcAft>
               <a:buClr>
-                <a:schemeClr val="dk1"/>
+                <a:schemeClr val="lt1"/>
               </a:buClr>
               <a:buSzPts val="1400"/>
               <a:buChar char="●"/>
               <a:defRPr>
                 <a:solidFill>
-                  <a:schemeClr val="dk1"/>
+                  <a:schemeClr val="lt1"/>
                 </a:solidFill>
               </a:defRPr>
             </a:lvl7pPr>
-            <a:lvl8pPr indent="-317500" lvl="7" marL="3657600">
+            <a:lvl8pPr marL="3657600" lvl="7" indent="-317500">
               <a:spcBef>
                 <a:spcPts val="0"/>
               </a:spcBef>
@@ -4277,17 +4948,17 @@
                 <a:spcPts val="0"/>
               </a:spcAft>
               <a:buClr>
-                <a:schemeClr val="dk1"/>
+                <a:schemeClr val="lt1"/>
               </a:buClr>
               <a:buSzPts val="1400"/>
               <a:buChar char="○"/>
               <a:defRPr>
                 <a:solidFill>
-                  <a:schemeClr val="dk1"/>
+                  <a:schemeClr val="lt1"/>
                 </a:solidFill>
               </a:defRPr>
             </a:lvl8pPr>
-            <a:lvl9pPr indent="-317500" lvl="8" marL="4114800">
+            <a:lvl9pPr marL="4114800" lvl="8" indent="-317500">
               <a:spcBef>
                 <a:spcPts val="0"/>
               </a:spcBef>
@@ -4295,26 +4966,30 @@
                 <a:spcPts val="0"/>
               </a:spcAft>
               <a:buClr>
-                <a:schemeClr val="dk1"/>
+                <a:schemeClr val="lt1"/>
               </a:buClr>
               <a:buSzPts val="1400"/>
               <a:buChar char="■"/>
               <a:defRPr>
                 <a:solidFill>
-                  <a:schemeClr val="dk1"/>
+                  <a:schemeClr val="lt1"/>
                 </a:solidFill>
               </a:defRPr>
             </a:lvl9pPr>
           </a:lstStyle>
-          <a:p/>
+          <a:p>
+            <a:endParaRPr/>
+          </a:p>
         </p:txBody>
       </p:sp>
       <p:sp>
         <p:nvSpPr>
-          <p:cNvPr id="40" name="Google Shape;40;p9"/>
-          <p:cNvSpPr txBox="1"/>
+          <p:cNvPr id="44" name="Google Shape;44;p9"/>
+          <p:cNvSpPr txBox="1">
+            <a:spLocks noGrp="1"/>
+          </p:cNvSpPr>
           <p:nvPr>
-            <p:ph idx="12" type="sldNum"/>
+            <p:ph type="sldNum" idx="12"/>
           </p:nvPr>
         </p:nvSpPr>
         <p:spPr>
@@ -4327,49 +5002,85 @@
           </a:prstGeom>
         </p:spPr>
         <p:txBody>
-          <a:bodyPr anchorCtr="0" anchor="ctr" bIns="91425" lIns="91425" spcFirstLastPara="1" rIns="91425" wrap="square" tIns="91425">
+          <a:bodyPr spcFirstLastPara="1" wrap="square" lIns="91425" tIns="91425" rIns="91425" bIns="91425" anchor="ctr" anchorCtr="0">
             <a:normAutofit/>
           </a:bodyPr>
           <a:lstStyle>
             <a:lvl1pPr lvl="0">
               <a:buNone/>
-              <a:defRPr/>
+              <a:defRPr>
+                <a:solidFill>
+                  <a:schemeClr val="lt1"/>
+                </a:solidFill>
+              </a:defRPr>
             </a:lvl1pPr>
             <a:lvl2pPr lvl="1">
               <a:buNone/>
-              <a:defRPr/>
+              <a:defRPr>
+                <a:solidFill>
+                  <a:schemeClr val="lt1"/>
+                </a:solidFill>
+              </a:defRPr>
             </a:lvl2pPr>
             <a:lvl3pPr lvl="2">
               <a:buNone/>
-              <a:defRPr/>
+              <a:defRPr>
+                <a:solidFill>
+                  <a:schemeClr val="lt1"/>
+                </a:solidFill>
+              </a:defRPr>
             </a:lvl3pPr>
             <a:lvl4pPr lvl="3">
               <a:buNone/>
-              <a:defRPr/>
+              <a:defRPr>
+                <a:solidFill>
+                  <a:schemeClr val="lt1"/>
+                </a:solidFill>
+              </a:defRPr>
             </a:lvl4pPr>
             <a:lvl5pPr lvl="4">
               <a:buNone/>
-              <a:defRPr/>
+              <a:defRPr>
+                <a:solidFill>
+                  <a:schemeClr val="lt1"/>
+                </a:solidFill>
+              </a:defRPr>
             </a:lvl5pPr>
             <a:lvl6pPr lvl="5">
               <a:buNone/>
-              <a:defRPr/>
+              <a:defRPr>
+                <a:solidFill>
+                  <a:schemeClr val="lt1"/>
+                </a:solidFill>
+              </a:defRPr>
             </a:lvl6pPr>
             <a:lvl7pPr lvl="6">
               <a:buNone/>
-              <a:defRPr/>
+              <a:defRPr>
+                <a:solidFill>
+                  <a:schemeClr val="lt1"/>
+                </a:solidFill>
+              </a:defRPr>
             </a:lvl7pPr>
             <a:lvl8pPr lvl="7">
               <a:buNone/>
-              <a:defRPr/>
+              <a:defRPr>
+                <a:solidFill>
+                  <a:schemeClr val="lt1"/>
+                </a:solidFill>
+              </a:defRPr>
             </a:lvl8pPr>
             <a:lvl9pPr lvl="8">
               <a:buNone/>
-              <a:defRPr/>
+              <a:defRPr>
+                <a:solidFill>
+                  <a:schemeClr val="lt1"/>
+                </a:solidFill>
+              </a:defRPr>
             </a:lvl9pPr>
           </a:lstStyle>
           <a:p>
-            <a:pPr indent="0" lvl="0" marL="0" rtl="0" algn="r">
+            <a:pPr marL="0" lvl="0" indent="0" algn="r" rtl="0">
               <a:spcBef>
                 <a:spcPts val="0"/>
               </a:spcBef>
@@ -4395,11 +5106,11 @@
 </file>
 
 <file path=ppt/slideLayouts/slideLayout9.xml><?xml version="1.0" encoding="utf-8"?>
-<p:sldLayout xmlns:a="http://schemas.openxmlformats.org/drawingml/2006/main" xmlns:r="http://schemas.openxmlformats.org/officeDocument/2006/relationships" xmlns:mc="http://schemas.openxmlformats.org/markup-compatibility/2006" xmlns:mv="urn:schemas-microsoft-com:mac:vml" xmlns:p="http://schemas.openxmlformats.org/presentationml/2006/main" xmlns:c="http://schemas.openxmlformats.org/drawingml/2006/chart" xmlns:dgm="http://schemas.openxmlformats.org/drawingml/2006/diagram" xmlns:o="urn:schemas-microsoft-com:office:office" xmlns:v="urn:schemas-microsoft-com:vml" xmlns:pvml="urn:schemas-microsoft-com:office:powerpoint" xmlns:com="http://schemas.openxmlformats.org/drawingml/2006/compatibility" xmlns:p14="http://schemas.microsoft.com/office/powerpoint/2010/main" xmlns:p15="http://schemas.microsoft.com/office/powerpoint/2012/main" xmlns:ahyp="http://schemas.microsoft.com/office/drawing/2018/hyperlinkcolor" matchingName="Caption">
+<p:sldLayout xmlns:a="http://schemas.openxmlformats.org/drawingml/2006/main" xmlns:r="http://schemas.openxmlformats.org/officeDocument/2006/relationships" xmlns:p="http://schemas.openxmlformats.org/presentationml/2006/main" matchingName="Caption">
   <p:cSld name="CAPTION_ONLY">
     <p:spTree>
       <p:nvGrpSpPr>
-        <p:cNvPr id="41" name="Shape 41"/>
+        <p:cNvPr id="1" name="Shape 45"/>
         <p:cNvGrpSpPr/>
         <p:nvPr/>
       </p:nvGrpSpPr>
@@ -4413,27 +5124,29 @@
       </p:grpSpPr>
       <p:sp>
         <p:nvSpPr>
-          <p:cNvPr id="42" name="Google Shape;42;p10"/>
-          <p:cNvSpPr txBox="1"/>
+          <p:cNvPr id="46" name="Google Shape;46;p10"/>
+          <p:cNvSpPr txBox="1">
+            <a:spLocks noGrp="1"/>
+          </p:cNvSpPr>
           <p:nvPr>
-            <p:ph idx="1" type="body"/>
+            <p:ph type="body" idx="1"/>
           </p:nvPr>
         </p:nvSpPr>
         <p:spPr>
           <a:xfrm>
-            <a:off x="311700" y="4230575"/>
-            <a:ext cx="5998800" cy="605100"/>
+            <a:off x="311700" y="4236825"/>
+            <a:ext cx="5998800" cy="598800"/>
           </a:xfrm>
           <a:prstGeom prst="rect">
             <a:avLst/>
           </a:prstGeom>
         </p:spPr>
         <p:txBody>
-          <a:bodyPr anchorCtr="0" anchor="ctr" bIns="91425" lIns="91425" spcFirstLastPara="1" rIns="91425" wrap="square" tIns="91425">
+          <a:bodyPr spcFirstLastPara="1" wrap="square" lIns="91425" tIns="91425" rIns="91425" bIns="91425" anchor="ctr" anchorCtr="0">
             <a:normAutofit/>
           </a:bodyPr>
           <a:lstStyle>
-            <a:lvl1pPr indent="-228600" lvl="0" marL="457200">
+            <a:lvl1pPr marL="457200" lvl="0" indent="-228600">
               <a:lnSpc>
                 <a:spcPct val="100000"/>
               </a:lnSpc>
@@ -4443,20 +5156,24 @@
               <a:spcAft>
                 <a:spcPts val="0"/>
               </a:spcAft>
-              <a:buSzPts val="1800"/>
-              <a:buNone/>
-              <a:defRPr/>
+              <a:buSzPts val="2100"/>
+              <a:buNone/>
+              <a:defRPr sz="2100"/>
             </a:lvl1pPr>
           </a:lstStyle>
-          <a:p/>
+          <a:p>
+            <a:endParaRPr/>
+          </a:p>
         </p:txBody>
       </p:sp>
       <p:sp>
         <p:nvSpPr>
-          <p:cNvPr id="43" name="Google Shape;43;p10"/>
-          <p:cNvSpPr txBox="1"/>
+          <p:cNvPr id="47" name="Google Shape;47;p10"/>
+          <p:cNvSpPr txBox="1">
+            <a:spLocks noGrp="1"/>
+          </p:cNvSpPr>
           <p:nvPr>
-            <p:ph idx="12" type="sldNum"/>
+            <p:ph type="sldNum" idx="12"/>
           </p:nvPr>
         </p:nvSpPr>
         <p:spPr>
@@ -4469,7 +5186,7 @@
           </a:prstGeom>
         </p:spPr>
         <p:txBody>
-          <a:bodyPr anchorCtr="0" anchor="ctr" bIns="91425" lIns="91425" spcFirstLastPara="1" rIns="91425" wrap="square" tIns="91425">
+          <a:bodyPr spcFirstLastPara="1" wrap="square" lIns="91425" tIns="91425" rIns="91425" bIns="91425" anchor="ctr" anchorCtr="0">
             <a:normAutofit/>
           </a:bodyPr>
           <a:lstStyle>
@@ -4511,7 +5228,7 @@
             </a:lvl9pPr>
           </a:lstStyle>
           <a:p>
-            <a:pPr indent="0" lvl="0" marL="0" rtl="0" algn="r">
+            <a:pPr marL="0" lvl="0" indent="0" algn="r" rtl="0">
               <a:spcBef>
                 <a:spcPts val="0"/>
               </a:spcBef>
@@ -4537,18 +5254,19 @@
 </file>
 
 <file path=ppt/slideMasters/slideMaster1.xml><?xml version="1.0" encoding="utf-8"?>
-<p:sldMaster xmlns:a="http://schemas.openxmlformats.org/drawingml/2006/main" xmlns:r="http://schemas.openxmlformats.org/officeDocument/2006/relationships" xmlns:mc="http://schemas.openxmlformats.org/markup-compatibility/2006" xmlns:mv="urn:schemas-microsoft-com:mac:vml" xmlns:p="http://schemas.openxmlformats.org/presentationml/2006/main" xmlns:c="http://schemas.openxmlformats.org/drawingml/2006/chart" xmlns:dgm="http://schemas.openxmlformats.org/drawingml/2006/diagram" xmlns:o="urn:schemas-microsoft-com:office:office" xmlns:v="urn:schemas-microsoft-com:vml" xmlns:pvml="urn:schemas-microsoft-com:office:powerpoint" xmlns:com="http://schemas.openxmlformats.org/drawingml/2006/compatibility" xmlns:p14="http://schemas.microsoft.com/office/powerpoint/2010/main" xmlns:p15="http://schemas.microsoft.com/office/powerpoint/2012/main" xmlns:ahyp="http://schemas.microsoft.com/office/drawing/2018/hyperlinkcolor">
-  <p:cSld name="simple-dark-2">
+<p:sldMaster xmlns:a="http://schemas.openxmlformats.org/drawingml/2006/main" xmlns:r="http://schemas.openxmlformats.org/officeDocument/2006/relationships" xmlns:p="http://schemas.openxmlformats.org/presentationml/2006/main">
+  <p:cSld name="spearmint">
     <p:bg>
       <p:bgPr>
         <a:solidFill>
           <a:schemeClr val="lt1"/>
         </a:solidFill>
+        <a:effectLst/>
       </p:bgPr>
     </p:bg>
     <p:spTree>
       <p:nvGrpSpPr>
-        <p:cNvPr id="5" name="Shape 5"/>
+        <p:cNvPr id="1" name="Shape 5"/>
         <p:cNvGrpSpPr/>
         <p:nvPr/>
       </p:nvGrpSpPr>
@@ -4563,7 +5281,9 @@
       <p:sp>
         <p:nvSpPr>
           <p:cNvPr id="6" name="Google Shape;6;p1"/>
-          <p:cNvSpPr txBox="1"/>
+          <p:cNvSpPr txBox="1">
+            <a:spLocks noGrp="1"/>
+          </p:cNvSpPr>
           <p:nvPr>
             <p:ph type="title"/>
           </p:nvPr>
@@ -4582,7 +5302,7 @@
           </a:ln>
         </p:spPr>
         <p:txBody>
-          <a:bodyPr anchorCtr="0" anchor="t" bIns="91425" lIns="91425" spcFirstLastPara="1" rIns="91425" wrap="square" tIns="91425">
+          <a:bodyPr spcFirstLastPara="1" wrap="square" lIns="91425" tIns="91425" rIns="91425" bIns="91425" anchor="t" anchorCtr="0">
             <a:normAutofit/>
           </a:bodyPr>
           <a:lstStyle>
@@ -4597,11 +5317,16 @@
                 <a:schemeClr val="dk1"/>
               </a:buClr>
               <a:buSzPts val="2800"/>
+              <a:buFont typeface="Proxima Nova"/>
               <a:buNone/>
               <a:defRPr sz="2800">
                 <a:solidFill>
                   <a:schemeClr val="dk1"/>
                 </a:solidFill>
+                <a:latin typeface="Proxima Nova"/>
+                <a:ea typeface="Proxima Nova"/>
+                <a:cs typeface="Proxima Nova"/>
+                <a:sym typeface="Proxima Nova"/>
               </a:defRPr>
             </a:lvl1pPr>
             <a:lvl2pPr lvl="1">
@@ -4615,11 +5340,16 @@
                 <a:schemeClr val="dk1"/>
               </a:buClr>
               <a:buSzPts val="2800"/>
+              <a:buFont typeface="Proxima Nova"/>
               <a:buNone/>
               <a:defRPr sz="2800">
                 <a:solidFill>
                   <a:schemeClr val="dk1"/>
                 </a:solidFill>
+                <a:latin typeface="Proxima Nova"/>
+                <a:ea typeface="Proxima Nova"/>
+                <a:cs typeface="Proxima Nova"/>
+                <a:sym typeface="Proxima Nova"/>
               </a:defRPr>
             </a:lvl2pPr>
             <a:lvl3pPr lvl="2">
@@ -4633,11 +5363,16 @@
                 <a:schemeClr val="dk1"/>
               </a:buClr>
               <a:buSzPts val="2800"/>
+              <a:buFont typeface="Proxima Nova"/>
               <a:buNone/>
               <a:defRPr sz="2800">
                 <a:solidFill>
                   <a:schemeClr val="dk1"/>
                 </a:solidFill>
+                <a:latin typeface="Proxima Nova"/>
+                <a:ea typeface="Proxima Nova"/>
+                <a:cs typeface="Proxima Nova"/>
+                <a:sym typeface="Proxima Nova"/>
               </a:defRPr>
             </a:lvl3pPr>
             <a:lvl4pPr lvl="3">
@@ -4651,11 +5386,16 @@
                 <a:schemeClr val="dk1"/>
               </a:buClr>
               <a:buSzPts val="2800"/>
+              <a:buFont typeface="Proxima Nova"/>
               <a:buNone/>
               <a:defRPr sz="2800">
                 <a:solidFill>
                   <a:schemeClr val="dk1"/>
                 </a:solidFill>
+                <a:latin typeface="Proxima Nova"/>
+                <a:ea typeface="Proxima Nova"/>
+                <a:cs typeface="Proxima Nova"/>
+                <a:sym typeface="Proxima Nova"/>
               </a:defRPr>
             </a:lvl4pPr>
             <a:lvl5pPr lvl="4">
@@ -4669,11 +5409,16 @@
                 <a:schemeClr val="dk1"/>
               </a:buClr>
               <a:buSzPts val="2800"/>
+              <a:buFont typeface="Proxima Nova"/>
               <a:buNone/>
               <a:defRPr sz="2800">
                 <a:solidFill>
                   <a:schemeClr val="dk1"/>
                 </a:solidFill>
+                <a:latin typeface="Proxima Nova"/>
+                <a:ea typeface="Proxima Nova"/>
+                <a:cs typeface="Proxima Nova"/>
+                <a:sym typeface="Proxima Nova"/>
               </a:defRPr>
             </a:lvl5pPr>
             <a:lvl6pPr lvl="5">
@@ -4687,11 +5432,16 @@
                 <a:schemeClr val="dk1"/>
               </a:buClr>
               <a:buSzPts val="2800"/>
+              <a:buFont typeface="Proxima Nova"/>
               <a:buNone/>
               <a:defRPr sz="2800">
                 <a:solidFill>
                   <a:schemeClr val="dk1"/>
                 </a:solidFill>
+                <a:latin typeface="Proxima Nova"/>
+                <a:ea typeface="Proxima Nova"/>
+                <a:cs typeface="Proxima Nova"/>
+                <a:sym typeface="Proxima Nova"/>
               </a:defRPr>
             </a:lvl6pPr>
             <a:lvl7pPr lvl="6">
@@ -4705,11 +5455,16 @@
                 <a:schemeClr val="dk1"/>
               </a:buClr>
               <a:buSzPts val="2800"/>
+              <a:buFont typeface="Proxima Nova"/>
               <a:buNone/>
               <a:defRPr sz="2800">
                 <a:solidFill>
                   <a:schemeClr val="dk1"/>
                 </a:solidFill>
+                <a:latin typeface="Proxima Nova"/>
+                <a:ea typeface="Proxima Nova"/>
+                <a:cs typeface="Proxima Nova"/>
+                <a:sym typeface="Proxima Nova"/>
               </a:defRPr>
             </a:lvl7pPr>
             <a:lvl8pPr lvl="7">
@@ -4723,11 +5478,16 @@
                 <a:schemeClr val="dk1"/>
               </a:buClr>
               <a:buSzPts val="2800"/>
+              <a:buFont typeface="Proxima Nova"/>
               <a:buNone/>
               <a:defRPr sz="2800">
                 <a:solidFill>
                   <a:schemeClr val="dk1"/>
                 </a:solidFill>
+                <a:latin typeface="Proxima Nova"/>
+                <a:ea typeface="Proxima Nova"/>
+                <a:cs typeface="Proxima Nova"/>
+                <a:sym typeface="Proxima Nova"/>
               </a:defRPr>
             </a:lvl8pPr>
             <a:lvl9pPr lvl="8">
@@ -4741,23 +5501,32 @@
                 <a:schemeClr val="dk1"/>
               </a:buClr>
               <a:buSzPts val="2800"/>
+              <a:buFont typeface="Proxima Nova"/>
               <a:buNone/>
               <a:defRPr sz="2800">
                 <a:solidFill>
                   <a:schemeClr val="dk1"/>
                 </a:solidFill>
+                <a:latin typeface="Proxima Nova"/>
+                <a:ea typeface="Proxima Nova"/>
+                <a:cs typeface="Proxima Nova"/>
+                <a:sym typeface="Proxima Nova"/>
               </a:defRPr>
             </a:lvl9pPr>
           </a:lstStyle>
-          <a:p/>
+          <a:p>
+            <a:endParaRPr/>
+          </a:p>
         </p:txBody>
       </p:sp>
       <p:sp>
         <p:nvSpPr>
           <p:cNvPr id="7" name="Google Shape;7;p1"/>
-          <p:cNvSpPr txBox="1"/>
+          <p:cNvSpPr txBox="1">
+            <a:spLocks noGrp="1"/>
+          </p:cNvSpPr>
           <p:nvPr>
-            <p:ph idx="1" type="body"/>
+            <p:ph type="body" idx="1"/>
           </p:nvPr>
         </p:nvSpPr>
         <p:spPr>
@@ -4774,11 +5543,11 @@
           </a:ln>
         </p:spPr>
         <p:txBody>
-          <a:bodyPr anchorCtr="0" anchor="t" bIns="91425" lIns="91425" spcFirstLastPara="1" rIns="91425" wrap="square" tIns="91425">
+          <a:bodyPr spcFirstLastPara="1" wrap="square" lIns="91425" tIns="91425" rIns="91425" bIns="91425" anchor="t" anchorCtr="0">
             <a:normAutofit/>
           </a:bodyPr>
           <a:lstStyle>
-            <a:lvl1pPr indent="-342900" lvl="0" marL="457200">
+            <a:lvl1pPr marL="457200" lvl="0" indent="-342900">
               <a:lnSpc>
                 <a:spcPct val="115000"/>
               </a:lnSpc>
@@ -4789,17 +5558,22 @@
                 <a:spcPts val="0"/>
               </a:spcAft>
               <a:buClr>
-                <a:schemeClr val="lt2"/>
+                <a:schemeClr val="accent3"/>
               </a:buClr>
               <a:buSzPts val="1800"/>
+              <a:buFont typeface="Proxima Nova"/>
               <a:buChar char="●"/>
               <a:defRPr sz="1800">
                 <a:solidFill>
-                  <a:schemeClr val="lt2"/>
-                </a:solidFill>
+                  <a:schemeClr val="accent3"/>
+                </a:solidFill>
+                <a:latin typeface="Proxima Nova"/>
+                <a:ea typeface="Proxima Nova"/>
+                <a:cs typeface="Proxima Nova"/>
+                <a:sym typeface="Proxima Nova"/>
               </a:defRPr>
             </a:lvl1pPr>
-            <a:lvl2pPr indent="-317500" lvl="1" marL="914400">
+            <a:lvl2pPr marL="914400" lvl="1" indent="-317500">
               <a:lnSpc>
                 <a:spcPct val="115000"/>
               </a:lnSpc>
@@ -4810,17 +5584,22 @@
                 <a:spcPts val="0"/>
               </a:spcAft>
               <a:buClr>
-                <a:schemeClr val="lt2"/>
+                <a:schemeClr val="accent3"/>
               </a:buClr>
               <a:buSzPts val="1400"/>
+              <a:buFont typeface="Proxima Nova"/>
               <a:buChar char="○"/>
               <a:defRPr>
                 <a:solidFill>
-                  <a:schemeClr val="lt2"/>
-                </a:solidFill>
+                  <a:schemeClr val="accent3"/>
+                </a:solidFill>
+                <a:latin typeface="Proxima Nova"/>
+                <a:ea typeface="Proxima Nova"/>
+                <a:cs typeface="Proxima Nova"/>
+                <a:sym typeface="Proxima Nova"/>
               </a:defRPr>
             </a:lvl2pPr>
-            <a:lvl3pPr indent="-317500" lvl="2" marL="1371600">
+            <a:lvl3pPr marL="1371600" lvl="2" indent="-317500">
               <a:lnSpc>
                 <a:spcPct val="115000"/>
               </a:lnSpc>
@@ -4831,17 +5610,22 @@
                 <a:spcPts val="0"/>
               </a:spcAft>
               <a:buClr>
-                <a:schemeClr val="lt2"/>
+                <a:schemeClr val="accent3"/>
               </a:buClr>
               <a:buSzPts val="1400"/>
+              <a:buFont typeface="Proxima Nova"/>
               <a:buChar char="■"/>
               <a:defRPr>
                 <a:solidFill>
-                  <a:schemeClr val="lt2"/>
-                </a:solidFill>
+                  <a:schemeClr val="accent3"/>
+                </a:solidFill>
+                <a:latin typeface="Proxima Nova"/>
+                <a:ea typeface="Proxima Nova"/>
+                <a:cs typeface="Proxima Nova"/>
+                <a:sym typeface="Proxima Nova"/>
               </a:defRPr>
             </a:lvl3pPr>
-            <a:lvl4pPr indent="-317500" lvl="3" marL="1828800">
+            <a:lvl4pPr marL="1828800" lvl="3" indent="-317500">
               <a:lnSpc>
                 <a:spcPct val="115000"/>
               </a:lnSpc>
@@ -4852,17 +5636,22 @@
                 <a:spcPts val="0"/>
               </a:spcAft>
               <a:buClr>
-                <a:schemeClr val="lt2"/>
+                <a:schemeClr val="accent3"/>
               </a:buClr>
               <a:buSzPts val="1400"/>
+              <a:buFont typeface="Proxima Nova"/>
               <a:buChar char="●"/>
               <a:defRPr>
                 <a:solidFill>
-                  <a:schemeClr val="lt2"/>
-                </a:solidFill>
+                  <a:schemeClr val="accent3"/>
+                </a:solidFill>
+                <a:latin typeface="Proxima Nova"/>
+                <a:ea typeface="Proxima Nova"/>
+                <a:cs typeface="Proxima Nova"/>
+                <a:sym typeface="Proxima Nova"/>
               </a:defRPr>
             </a:lvl4pPr>
-            <a:lvl5pPr indent="-317500" lvl="4" marL="2286000">
+            <a:lvl5pPr marL="2286000" lvl="4" indent="-317500">
               <a:lnSpc>
                 <a:spcPct val="115000"/>
               </a:lnSpc>
@@ -4873,17 +5662,22 @@
                 <a:spcPts val="0"/>
               </a:spcAft>
               <a:buClr>
-                <a:schemeClr val="lt2"/>
+                <a:schemeClr val="accent3"/>
               </a:buClr>
               <a:buSzPts val="1400"/>
+              <a:buFont typeface="Proxima Nova"/>
               <a:buChar char="○"/>
               <a:defRPr>
                 <a:solidFill>
-                  <a:schemeClr val="lt2"/>
-                </a:solidFill>
+                  <a:schemeClr val="accent3"/>
+                </a:solidFill>
+                <a:latin typeface="Proxima Nova"/>
+                <a:ea typeface="Proxima Nova"/>
+                <a:cs typeface="Proxima Nova"/>
+                <a:sym typeface="Proxima Nova"/>
               </a:defRPr>
             </a:lvl5pPr>
-            <a:lvl6pPr indent="-317500" lvl="5" marL="2743200">
+            <a:lvl6pPr marL="2743200" lvl="5" indent="-317500">
               <a:lnSpc>
                 <a:spcPct val="115000"/>
               </a:lnSpc>
@@ -4894,17 +5688,22 @@
                 <a:spcPts val="0"/>
               </a:spcAft>
               <a:buClr>
-                <a:schemeClr val="lt2"/>
+                <a:schemeClr val="accent3"/>
               </a:buClr>
               <a:buSzPts val="1400"/>
+              <a:buFont typeface="Proxima Nova"/>
               <a:buChar char="■"/>
               <a:defRPr>
                 <a:solidFill>
-                  <a:schemeClr val="lt2"/>
-                </a:solidFill>
+                  <a:schemeClr val="accent3"/>
+                </a:solidFill>
+                <a:latin typeface="Proxima Nova"/>
+                <a:ea typeface="Proxima Nova"/>
+                <a:cs typeface="Proxima Nova"/>
+                <a:sym typeface="Proxima Nova"/>
               </a:defRPr>
             </a:lvl6pPr>
-            <a:lvl7pPr indent="-317500" lvl="6" marL="3200400">
+            <a:lvl7pPr marL="3200400" lvl="6" indent="-317500">
               <a:lnSpc>
                 <a:spcPct val="115000"/>
               </a:lnSpc>
@@ -4915,17 +5714,22 @@
                 <a:spcPts val="0"/>
               </a:spcAft>
               <a:buClr>
-                <a:schemeClr val="lt2"/>
+                <a:schemeClr val="accent3"/>
               </a:buClr>
               <a:buSzPts val="1400"/>
+              <a:buFont typeface="Proxima Nova"/>
               <a:buChar char="●"/>
               <a:defRPr>
                 <a:solidFill>
-                  <a:schemeClr val="lt2"/>
-                </a:solidFill>
+                  <a:schemeClr val="accent3"/>
+                </a:solidFill>
+                <a:latin typeface="Proxima Nova"/>
+                <a:ea typeface="Proxima Nova"/>
+                <a:cs typeface="Proxima Nova"/>
+                <a:sym typeface="Proxima Nova"/>
               </a:defRPr>
             </a:lvl7pPr>
-            <a:lvl8pPr indent="-317500" lvl="7" marL="3657600">
+            <a:lvl8pPr marL="3657600" lvl="7" indent="-317500">
               <a:lnSpc>
                 <a:spcPct val="115000"/>
               </a:lnSpc>
@@ -4936,17 +5740,22 @@
                 <a:spcPts val="0"/>
               </a:spcAft>
               <a:buClr>
-                <a:schemeClr val="lt2"/>
+                <a:schemeClr val="accent3"/>
               </a:buClr>
               <a:buSzPts val="1400"/>
+              <a:buFont typeface="Proxima Nova"/>
               <a:buChar char="○"/>
               <a:defRPr>
                 <a:solidFill>
-                  <a:schemeClr val="lt2"/>
-                </a:solidFill>
+                  <a:schemeClr val="accent3"/>
+                </a:solidFill>
+                <a:latin typeface="Proxima Nova"/>
+                <a:ea typeface="Proxima Nova"/>
+                <a:cs typeface="Proxima Nova"/>
+                <a:sym typeface="Proxima Nova"/>
               </a:defRPr>
             </a:lvl8pPr>
-            <a:lvl9pPr indent="-317500" lvl="8" marL="4114800">
+            <a:lvl9pPr marL="4114800" lvl="8" indent="-317500">
               <a:lnSpc>
                 <a:spcPct val="115000"/>
               </a:lnSpc>
@@ -4957,26 +5766,35 @@
                 <a:spcPts val="0"/>
               </a:spcAft>
               <a:buClr>
-                <a:schemeClr val="lt2"/>
+                <a:schemeClr val="accent3"/>
               </a:buClr>
               <a:buSzPts val="1400"/>
+              <a:buFont typeface="Proxima Nova"/>
               <a:buChar char="■"/>
               <a:defRPr>
                 <a:solidFill>
-                  <a:schemeClr val="lt2"/>
-                </a:solidFill>
+                  <a:schemeClr val="accent3"/>
+                </a:solidFill>
+                <a:latin typeface="Proxima Nova"/>
+                <a:ea typeface="Proxima Nova"/>
+                <a:cs typeface="Proxima Nova"/>
+                <a:sym typeface="Proxima Nova"/>
               </a:defRPr>
             </a:lvl9pPr>
           </a:lstStyle>
-          <a:p/>
+          <a:p>
+            <a:endParaRPr/>
+          </a:p>
         </p:txBody>
       </p:sp>
       <p:sp>
         <p:nvSpPr>
           <p:cNvPr id="8" name="Google Shape;8;p1"/>
-          <p:cNvSpPr txBox="1"/>
+          <p:cNvSpPr txBox="1">
+            <a:spLocks noGrp="1"/>
+          </p:cNvSpPr>
           <p:nvPr>
-            <p:ph idx="12" type="sldNum"/>
+            <p:ph type="sldNum" idx="12"/>
           </p:nvPr>
         </p:nvSpPr>
         <p:spPr>
@@ -4993,7 +5811,7 @@
           </a:ln>
         </p:spPr>
         <p:txBody>
-          <a:bodyPr anchorCtr="0" anchor="ctr" bIns="91425" lIns="91425" spcFirstLastPara="1" rIns="91425" wrap="square" tIns="91425">
+          <a:bodyPr spcFirstLastPara="1" wrap="square" lIns="91425" tIns="91425" rIns="91425" bIns="91425" anchor="ctr" anchorCtr="0">
             <a:normAutofit/>
           </a:bodyPr>
           <a:lstStyle>
@@ -5001,77 +5819,113 @@
               <a:buNone/>
               <a:defRPr sz="1000">
                 <a:solidFill>
-                  <a:schemeClr val="lt2"/>
-                </a:solidFill>
+                  <a:schemeClr val="dk1"/>
+                </a:solidFill>
+                <a:latin typeface="Proxima Nova"/>
+                <a:ea typeface="Proxima Nova"/>
+                <a:cs typeface="Proxima Nova"/>
+                <a:sym typeface="Proxima Nova"/>
               </a:defRPr>
             </a:lvl1pPr>
             <a:lvl2pPr lvl="1" algn="r">
               <a:buNone/>
               <a:defRPr sz="1000">
                 <a:solidFill>
-                  <a:schemeClr val="lt2"/>
-                </a:solidFill>
+                  <a:schemeClr val="dk1"/>
+                </a:solidFill>
+                <a:latin typeface="Proxima Nova"/>
+                <a:ea typeface="Proxima Nova"/>
+                <a:cs typeface="Proxima Nova"/>
+                <a:sym typeface="Proxima Nova"/>
               </a:defRPr>
             </a:lvl2pPr>
             <a:lvl3pPr lvl="2" algn="r">
               <a:buNone/>
               <a:defRPr sz="1000">
                 <a:solidFill>
-                  <a:schemeClr val="lt2"/>
-                </a:solidFill>
+                  <a:schemeClr val="dk1"/>
+                </a:solidFill>
+                <a:latin typeface="Proxima Nova"/>
+                <a:ea typeface="Proxima Nova"/>
+                <a:cs typeface="Proxima Nova"/>
+                <a:sym typeface="Proxima Nova"/>
               </a:defRPr>
             </a:lvl3pPr>
             <a:lvl4pPr lvl="3" algn="r">
               <a:buNone/>
               <a:defRPr sz="1000">
                 <a:solidFill>
-                  <a:schemeClr val="lt2"/>
-                </a:solidFill>
+                  <a:schemeClr val="dk1"/>
+                </a:solidFill>
+                <a:latin typeface="Proxima Nova"/>
+                <a:ea typeface="Proxima Nova"/>
+                <a:cs typeface="Proxima Nova"/>
+                <a:sym typeface="Proxima Nova"/>
               </a:defRPr>
             </a:lvl4pPr>
             <a:lvl5pPr lvl="4" algn="r">
               <a:buNone/>
               <a:defRPr sz="1000">
                 <a:solidFill>
-                  <a:schemeClr val="lt2"/>
-                </a:solidFill>
+                  <a:schemeClr val="dk1"/>
+                </a:solidFill>
+                <a:latin typeface="Proxima Nova"/>
+                <a:ea typeface="Proxima Nova"/>
+                <a:cs typeface="Proxima Nova"/>
+                <a:sym typeface="Proxima Nova"/>
               </a:defRPr>
             </a:lvl5pPr>
             <a:lvl6pPr lvl="5" algn="r">
               <a:buNone/>
               <a:defRPr sz="1000">
                 <a:solidFill>
-                  <a:schemeClr val="lt2"/>
-                </a:solidFill>
+                  <a:schemeClr val="dk1"/>
+                </a:solidFill>
+                <a:latin typeface="Proxima Nova"/>
+                <a:ea typeface="Proxima Nova"/>
+                <a:cs typeface="Proxima Nova"/>
+                <a:sym typeface="Proxima Nova"/>
               </a:defRPr>
             </a:lvl6pPr>
             <a:lvl7pPr lvl="6" algn="r">
               <a:buNone/>
               <a:defRPr sz="1000">
                 <a:solidFill>
-                  <a:schemeClr val="lt2"/>
-                </a:solidFill>
+                  <a:schemeClr val="dk1"/>
+                </a:solidFill>
+                <a:latin typeface="Proxima Nova"/>
+                <a:ea typeface="Proxima Nova"/>
+                <a:cs typeface="Proxima Nova"/>
+                <a:sym typeface="Proxima Nova"/>
               </a:defRPr>
             </a:lvl7pPr>
             <a:lvl8pPr lvl="7" algn="r">
               <a:buNone/>
               <a:defRPr sz="1000">
                 <a:solidFill>
-                  <a:schemeClr val="lt2"/>
-                </a:solidFill>
+                  <a:schemeClr val="dk1"/>
+                </a:solidFill>
+                <a:latin typeface="Proxima Nova"/>
+                <a:ea typeface="Proxima Nova"/>
+                <a:cs typeface="Proxima Nova"/>
+                <a:sym typeface="Proxima Nova"/>
               </a:defRPr>
             </a:lvl8pPr>
             <a:lvl9pPr lvl="8" algn="r">
               <a:buNone/>
               <a:defRPr sz="1000">
                 <a:solidFill>
-                  <a:schemeClr val="lt2"/>
-                </a:solidFill>
+                  <a:schemeClr val="dk1"/>
+                </a:solidFill>
+                <a:latin typeface="Proxima Nova"/>
+                <a:ea typeface="Proxima Nova"/>
+                <a:cs typeface="Proxima Nova"/>
+                <a:sym typeface="Proxima Nova"/>
               </a:defRPr>
             </a:lvl9pPr>
           </a:lstStyle>
           <a:p>
-            <a:pPr indent="0" lvl="0" marL="0" rtl="0" algn="r">
+            <a:pPr marL="0" lvl="0" indent="0" algn="r" rtl="0">
               <a:spcBef>
                 <a:spcPts val="0"/>
               </a:spcBef>
@@ -5090,7 +5944,7 @@
       </p:sp>
     </p:spTree>
   </p:cSld>
-  <p:clrMap accent1="accent1" accent2="accent2" accent3="accent3" accent4="accent4" accent5="accent5" accent6="accent6" bg1="lt1" bg2="dk2" tx1="dk1" tx2="lt2" folHlink="folHlink" hlink="hlink"/>
+  <p:clrMap bg1="lt1" tx1="dk1" bg2="dk2" tx2="lt2" accent1="accent1" accent2="accent2" accent3="accent3" accent4="accent4" accent5="accent5" accent6="accent6" hlink="hlink" folHlink="folHlink"/>
   <p:sldLayoutIdLst>
     <p:sldLayoutId id="2147483648" r:id="rId1"/>
     <p:sldLayoutId id="2147483649" r:id="rId2"/>
@@ -5104,10 +5958,10 @@
     <p:sldLayoutId id="2147483657" r:id="rId10"/>
     <p:sldLayoutId id="2147483658" r:id="rId11"/>
   </p:sldLayoutIdLst>
-  <p:hf dt="0" ftr="0" hdr="0" sldNum="0"/>
+  <p:hf sldNum="0" hdr="0" ftr="0" dt="0"/>
   <p:txStyles>
     <p:titleStyle>
-      <a:defPPr lvl="0" marR="0" rtl="0" algn="l">
+      <a:defPPr marR="0" lvl="0" algn="l" rtl="0">
         <a:lnSpc>
           <a:spcPct val="100000"/>
         </a:lnSpc>
@@ -5118,7 +5972,7 @@
           <a:spcPts val="0"/>
         </a:spcAft>
       </a:defPPr>
-      <a:lvl1pPr lvl="0" marR="0" rtl="0" algn="l">
+      <a:lvl1pPr marR="0" lvl="0" algn="l" rtl="0">
         <a:lnSpc>
           <a:spcPct val="100000"/>
         </a:lnSpc>
@@ -5132,7 +5986,7 @@
           <a:srgbClr val="000000"/>
         </a:buClr>
         <a:buFont typeface="Arial"/>
-        <a:defRPr b="0" i="0" sz="1400" u="none" cap="none" strike="noStrike">
+        <a:defRPr sz="1400" b="0" i="0" u="none" strike="noStrike" cap="none">
           <a:solidFill>
             <a:srgbClr val="000000"/>
           </a:solidFill>
@@ -5142,7 +5996,7 @@
           <a:sym typeface="Arial"/>
         </a:defRPr>
       </a:lvl1pPr>
-      <a:lvl2pPr lvl="1" marR="0" rtl="0" algn="l">
+      <a:lvl2pPr marR="0" lvl="1" algn="l" rtl="0">
         <a:lnSpc>
           <a:spcPct val="100000"/>
         </a:lnSpc>
@@ -5156,7 +6010,7 @@
           <a:srgbClr val="000000"/>
         </a:buClr>
         <a:buFont typeface="Arial"/>
-        <a:defRPr b="0" i="0" sz="1400" u="none" cap="none" strike="noStrike">
+        <a:defRPr sz="1400" b="0" i="0" u="none" strike="noStrike" cap="none">
           <a:solidFill>
             <a:srgbClr val="000000"/>
           </a:solidFill>
@@ -5166,7 +6020,7 @@
           <a:sym typeface="Arial"/>
         </a:defRPr>
       </a:lvl2pPr>
-      <a:lvl3pPr lvl="2" marR="0" rtl="0" algn="l">
+      <a:lvl3pPr marR="0" lvl="2" algn="l" rtl="0">
         <a:lnSpc>
           <a:spcPct val="100000"/>
         </a:lnSpc>
@@ -5180,7 +6034,7 @@
           <a:srgbClr val="000000"/>
         </a:buClr>
         <a:buFont typeface="Arial"/>
-        <a:defRPr b="0" i="0" sz="1400" u="none" cap="none" strike="noStrike">
+        <a:defRPr sz="1400" b="0" i="0" u="none" strike="noStrike" cap="none">
           <a:solidFill>
             <a:srgbClr val="000000"/>
           </a:solidFill>
@@ -5190,7 +6044,7 @@
           <a:sym typeface="Arial"/>
         </a:defRPr>
       </a:lvl3pPr>
-      <a:lvl4pPr lvl="3" marR="0" rtl="0" algn="l">
+      <a:lvl4pPr marR="0" lvl="3" algn="l" rtl="0">
         <a:lnSpc>
           <a:spcPct val="100000"/>
         </a:lnSpc>
@@ -5204,7 +6058,7 @@
           <a:srgbClr val="000000"/>
         </a:buClr>
         <a:buFont typeface="Arial"/>
-        <a:defRPr b="0" i="0" sz="1400" u="none" cap="none" strike="noStrike">
+        <a:defRPr sz="1400" b="0" i="0" u="none" strike="noStrike" cap="none">
           <a:solidFill>
             <a:srgbClr val="000000"/>
           </a:solidFill>
@@ -5214,7 +6068,7 @@
           <a:sym typeface="Arial"/>
         </a:defRPr>
       </a:lvl4pPr>
-      <a:lvl5pPr lvl="4" marR="0" rtl="0" algn="l">
+      <a:lvl5pPr marR="0" lvl="4" algn="l" rtl="0">
         <a:lnSpc>
           <a:spcPct val="100000"/>
         </a:lnSpc>
@@ -5228,7 +6082,7 @@
           <a:srgbClr val="000000"/>
         </a:buClr>
         <a:buFont typeface="Arial"/>
-        <a:defRPr b="0" i="0" sz="1400" u="none" cap="none" strike="noStrike">
+        <a:defRPr sz="1400" b="0" i="0" u="none" strike="noStrike" cap="none">
           <a:solidFill>
             <a:srgbClr val="000000"/>
           </a:solidFill>
@@ -5238,7 +6092,7 @@
           <a:sym typeface="Arial"/>
         </a:defRPr>
       </a:lvl5pPr>
-      <a:lvl6pPr lvl="5" marR="0" rtl="0" algn="l">
+      <a:lvl6pPr marR="0" lvl="5" algn="l" rtl="0">
         <a:lnSpc>
           <a:spcPct val="100000"/>
         </a:lnSpc>
@@ -5252,7 +6106,7 @@
           <a:srgbClr val="000000"/>
         </a:buClr>
         <a:buFont typeface="Arial"/>
-        <a:defRPr b="0" i="0" sz="1400" u="none" cap="none" strike="noStrike">
+        <a:defRPr sz="1400" b="0" i="0" u="none" strike="noStrike" cap="none">
           <a:solidFill>
             <a:srgbClr val="000000"/>
           </a:solidFill>
@@ -5262,7 +6116,7 @@
           <a:sym typeface="Arial"/>
         </a:defRPr>
       </a:lvl6pPr>
-      <a:lvl7pPr lvl="6" marR="0" rtl="0" algn="l">
+      <a:lvl7pPr marR="0" lvl="6" algn="l" rtl="0">
         <a:lnSpc>
           <a:spcPct val="100000"/>
         </a:lnSpc>
@@ -5276,7 +6130,7 @@
           <a:srgbClr val="000000"/>
         </a:buClr>
         <a:buFont typeface="Arial"/>
-        <a:defRPr b="0" i="0" sz="1400" u="none" cap="none" strike="noStrike">
+        <a:defRPr sz="1400" b="0" i="0" u="none" strike="noStrike" cap="none">
           <a:solidFill>
             <a:srgbClr val="000000"/>
           </a:solidFill>
@@ -5286,7 +6140,7 @@
           <a:sym typeface="Arial"/>
         </a:defRPr>
       </a:lvl7pPr>
-      <a:lvl8pPr lvl="7" marR="0" rtl="0" algn="l">
+      <a:lvl8pPr marR="0" lvl="7" algn="l" rtl="0">
         <a:lnSpc>
           <a:spcPct val="100000"/>
         </a:lnSpc>
@@ -5300,7 +6154,7 @@
           <a:srgbClr val="000000"/>
         </a:buClr>
         <a:buFont typeface="Arial"/>
-        <a:defRPr b="0" i="0" sz="1400" u="none" cap="none" strike="noStrike">
+        <a:defRPr sz="1400" b="0" i="0" u="none" strike="noStrike" cap="none">
           <a:solidFill>
             <a:srgbClr val="000000"/>
           </a:solidFill>
@@ -5310,7 +6164,7 @@
           <a:sym typeface="Arial"/>
         </a:defRPr>
       </a:lvl8pPr>
-      <a:lvl9pPr lvl="8" marR="0" rtl="0" algn="l">
+      <a:lvl9pPr marR="0" lvl="8" algn="l" rtl="0">
         <a:lnSpc>
           <a:spcPct val="100000"/>
         </a:lnSpc>
@@ -5324,7 +6178,7 @@
           <a:srgbClr val="000000"/>
         </a:buClr>
         <a:buFont typeface="Arial"/>
-        <a:defRPr b="0" i="0" sz="1400" u="none" cap="none" strike="noStrike">
+        <a:defRPr sz="1400" b="0" i="0" u="none" strike="noStrike" cap="none">
           <a:solidFill>
             <a:srgbClr val="000000"/>
           </a:solidFill>
@@ -5336,7 +6190,7 @@
       </a:lvl9pPr>
     </p:titleStyle>
     <p:bodyStyle>
-      <a:defPPr lvl="0" marR="0" rtl="0" algn="l">
+      <a:defPPr marR="0" lvl="0" algn="l" rtl="0">
         <a:lnSpc>
           <a:spcPct val="100000"/>
         </a:lnSpc>
@@ -5347,7 +6201,7 @@
           <a:spcPts val="0"/>
         </a:spcAft>
       </a:defPPr>
-      <a:lvl1pPr lvl="0" marR="0" rtl="0" algn="l">
+      <a:lvl1pPr marR="0" lvl="0" algn="l" rtl="0">
         <a:lnSpc>
           <a:spcPct val="100000"/>
         </a:lnSpc>
@@ -5361,7 +6215,7 @@
           <a:srgbClr val="000000"/>
         </a:buClr>
         <a:buFont typeface="Arial"/>
-        <a:defRPr b="0" i="0" sz="1400" u="none" cap="none" strike="noStrike">
+        <a:defRPr sz="1400" b="0" i="0" u="none" strike="noStrike" cap="none">
           <a:solidFill>
             <a:srgbClr val="000000"/>
           </a:solidFill>
@@ -5371,7 +6225,7 @@
           <a:sym typeface="Arial"/>
         </a:defRPr>
       </a:lvl1pPr>
-      <a:lvl2pPr lvl="1" marR="0" rtl="0" algn="l">
+      <a:lvl2pPr marR="0" lvl="1" algn="l" rtl="0">
         <a:lnSpc>
           <a:spcPct val="100000"/>
         </a:lnSpc>
@@ -5385,7 +6239,7 @@
           <a:srgbClr val="000000"/>
         </a:buClr>
         <a:buFont typeface="Arial"/>
-        <a:defRPr b="0" i="0" sz="1400" u="none" cap="none" strike="noStrike">
+        <a:defRPr sz="1400" b="0" i="0" u="none" strike="noStrike" cap="none">
           <a:solidFill>
             <a:srgbClr val="000000"/>
           </a:solidFill>
@@ -5395,7 +6249,7 @@
           <a:sym typeface="Arial"/>
         </a:defRPr>
       </a:lvl2pPr>
-      <a:lvl3pPr lvl="2" marR="0" rtl="0" algn="l">
+      <a:lvl3pPr marR="0" lvl="2" algn="l" rtl="0">
         <a:lnSpc>
           <a:spcPct val="100000"/>
         </a:lnSpc>
@@ -5409,7 +6263,7 @@
           <a:srgbClr val="000000"/>
         </a:buClr>
         <a:buFont typeface="Arial"/>
-        <a:defRPr b="0" i="0" sz="1400" u="none" cap="none" strike="noStrike">
+        <a:defRPr sz="1400" b="0" i="0" u="none" strike="noStrike" cap="none">
           <a:solidFill>
             <a:srgbClr val="000000"/>
           </a:solidFill>
@@ -5419,7 +6273,7 @@
           <a:sym typeface="Arial"/>
         </a:defRPr>
       </a:lvl3pPr>
-      <a:lvl4pPr lvl="3" marR="0" rtl="0" algn="l">
+      <a:lvl4pPr marR="0" lvl="3" algn="l" rtl="0">
         <a:lnSpc>
           <a:spcPct val="100000"/>
         </a:lnSpc>
@@ -5433,7 +6287,7 @@
           <a:srgbClr val="000000"/>
         </a:buClr>
         <a:buFont typeface="Arial"/>
-        <a:defRPr b="0" i="0" sz="1400" u="none" cap="none" strike="noStrike">
+        <a:defRPr sz="1400" b="0" i="0" u="none" strike="noStrike" cap="none">
           <a:solidFill>
             <a:srgbClr val="000000"/>
           </a:solidFill>
@@ -5443,7 +6297,7 @@
           <a:sym typeface="Arial"/>
         </a:defRPr>
       </a:lvl4pPr>
-      <a:lvl5pPr lvl="4" marR="0" rtl="0" algn="l">
+      <a:lvl5pPr marR="0" lvl="4" algn="l" rtl="0">
         <a:lnSpc>
           <a:spcPct val="100000"/>
         </a:lnSpc>
@@ -5457,7 +6311,7 @@
           <a:srgbClr val="000000"/>
         </a:buClr>
         <a:buFont typeface="Arial"/>
-        <a:defRPr b="0" i="0" sz="1400" u="none" cap="none" strike="noStrike">
+        <a:defRPr sz="1400" b="0" i="0" u="none" strike="noStrike" cap="none">
           <a:solidFill>
             <a:srgbClr val="000000"/>
           </a:solidFill>
@@ -5467,7 +6321,7 @@
           <a:sym typeface="Arial"/>
         </a:defRPr>
       </a:lvl5pPr>
-      <a:lvl6pPr lvl="5" marR="0" rtl="0" algn="l">
+      <a:lvl6pPr marR="0" lvl="5" algn="l" rtl="0">
         <a:lnSpc>
           <a:spcPct val="100000"/>
         </a:lnSpc>
@@ -5481,7 +6335,7 @@
           <a:srgbClr val="000000"/>
         </a:buClr>
         <a:buFont typeface="Arial"/>
-        <a:defRPr b="0" i="0" sz="1400" u="none" cap="none" strike="noStrike">
+        <a:defRPr sz="1400" b="0" i="0" u="none" strike="noStrike" cap="none">
           <a:solidFill>
             <a:srgbClr val="000000"/>
           </a:solidFill>
@@ -5491,7 +6345,7 @@
           <a:sym typeface="Arial"/>
         </a:defRPr>
       </a:lvl6pPr>
-      <a:lvl7pPr lvl="6" marR="0" rtl="0" algn="l">
+      <a:lvl7pPr marR="0" lvl="6" algn="l" rtl="0">
         <a:lnSpc>
           <a:spcPct val="100000"/>
         </a:lnSpc>
@@ -5505,7 +6359,7 @@
           <a:srgbClr val="000000"/>
         </a:buClr>
         <a:buFont typeface="Arial"/>
-        <a:defRPr b="0" i="0" sz="1400" u="none" cap="none" strike="noStrike">
+        <a:defRPr sz="1400" b="0" i="0" u="none" strike="noStrike" cap="none">
           <a:solidFill>
             <a:srgbClr val="000000"/>
           </a:solidFill>
@@ -5515,7 +6369,7 @@
           <a:sym typeface="Arial"/>
         </a:defRPr>
       </a:lvl7pPr>
-      <a:lvl8pPr lvl="7" marR="0" rtl="0" algn="l">
+      <a:lvl8pPr marR="0" lvl="7" algn="l" rtl="0">
         <a:lnSpc>
           <a:spcPct val="100000"/>
         </a:lnSpc>
@@ -5529,7 +6383,7 @@
           <a:srgbClr val="000000"/>
         </a:buClr>
         <a:buFont typeface="Arial"/>
-        <a:defRPr b="0" i="0" sz="1400" u="none" cap="none" strike="noStrike">
+        <a:defRPr sz="1400" b="0" i="0" u="none" strike="noStrike" cap="none">
           <a:solidFill>
             <a:srgbClr val="000000"/>
           </a:solidFill>
@@ -5539,7 +6393,7 @@
           <a:sym typeface="Arial"/>
         </a:defRPr>
       </a:lvl8pPr>
-      <a:lvl9pPr lvl="8" marR="0" rtl="0" algn="l">
+      <a:lvl9pPr marR="0" lvl="8" algn="l" rtl="0">
         <a:lnSpc>
           <a:spcPct val="100000"/>
         </a:lnSpc>
@@ -5553,7 +6407,7 @@
           <a:srgbClr val="000000"/>
         </a:buClr>
         <a:buFont typeface="Arial"/>
-        <a:defRPr b="0" i="0" sz="1400" u="none" cap="none" strike="noStrike">
+        <a:defRPr sz="1400" b="0" i="0" u="none" strike="noStrike" cap="none">
           <a:solidFill>
             <a:srgbClr val="000000"/>
           </a:solidFill>
@@ -5565,7 +6419,7 @@
       </a:lvl9pPr>
     </p:bodyStyle>
     <p:otherStyle>
-      <a:defPPr lvl="0" marR="0" rtl="0" algn="l">
+      <a:defPPr marR="0" lvl="0" algn="l" rtl="0">
         <a:lnSpc>
           <a:spcPct val="100000"/>
         </a:lnSpc>
@@ -5576,7 +6430,7 @@
           <a:spcPts val="0"/>
         </a:spcAft>
       </a:defPPr>
-      <a:lvl1pPr lvl="0" marR="0" rtl="0" algn="l">
+      <a:lvl1pPr marR="0" lvl="0" algn="l" rtl="0">
         <a:lnSpc>
           <a:spcPct val="100000"/>
         </a:lnSpc>
@@ -5590,7 +6444,7 @@
           <a:srgbClr val="000000"/>
         </a:buClr>
         <a:buFont typeface="Arial"/>
-        <a:defRPr b="0" i="0" sz="1400" u="none" cap="none" strike="noStrike">
+        <a:defRPr sz="1400" b="0" i="0" u="none" strike="noStrike" cap="none">
           <a:solidFill>
             <a:srgbClr val="000000"/>
           </a:solidFill>
@@ -5600,7 +6454,7 @@
           <a:sym typeface="Arial"/>
         </a:defRPr>
       </a:lvl1pPr>
-      <a:lvl2pPr lvl="1" marR="0" rtl="0" algn="l">
+      <a:lvl2pPr marR="0" lvl="1" algn="l" rtl="0">
         <a:lnSpc>
           <a:spcPct val="100000"/>
         </a:lnSpc>
@@ -5614,7 +6468,7 @@
           <a:srgbClr val="000000"/>
         </a:buClr>
         <a:buFont typeface="Arial"/>
-        <a:defRPr b="0" i="0" sz="1400" u="none" cap="none" strike="noStrike">
+        <a:defRPr sz="1400" b="0" i="0" u="none" strike="noStrike" cap="none">
           <a:solidFill>
             <a:srgbClr val="000000"/>
           </a:solidFill>
@@ -5624,7 +6478,7 @@
           <a:sym typeface="Arial"/>
         </a:defRPr>
       </a:lvl2pPr>
-      <a:lvl3pPr lvl="2" marR="0" rtl="0" algn="l">
+      <a:lvl3pPr marR="0" lvl="2" algn="l" rtl="0">
         <a:lnSpc>
           <a:spcPct val="100000"/>
         </a:lnSpc>
@@ -5638,7 +6492,7 @@
           <a:srgbClr val="000000"/>
         </a:buClr>
         <a:buFont typeface="Arial"/>
-        <a:defRPr b="0" i="0" sz="1400" u="none" cap="none" strike="noStrike">
+        <a:defRPr sz="1400" b="0" i="0" u="none" strike="noStrike" cap="none">
           <a:solidFill>
             <a:srgbClr val="000000"/>
           </a:solidFill>
@@ -5648,7 +6502,7 @@
           <a:sym typeface="Arial"/>
         </a:defRPr>
       </a:lvl3pPr>
-      <a:lvl4pPr lvl="3" marR="0" rtl="0" algn="l">
+      <a:lvl4pPr marR="0" lvl="3" algn="l" rtl="0">
         <a:lnSpc>
           <a:spcPct val="100000"/>
         </a:lnSpc>
@@ -5662,7 +6516,7 @@
           <a:srgbClr val="000000"/>
         </a:buClr>
         <a:buFont typeface="Arial"/>
-        <a:defRPr b="0" i="0" sz="1400" u="none" cap="none" strike="noStrike">
+        <a:defRPr sz="1400" b="0" i="0" u="none" strike="noStrike" cap="none">
           <a:solidFill>
             <a:srgbClr val="000000"/>
           </a:solidFill>
@@ -5672,7 +6526,7 @@
           <a:sym typeface="Arial"/>
         </a:defRPr>
       </a:lvl4pPr>
-      <a:lvl5pPr lvl="4" marR="0" rtl="0" algn="l">
+      <a:lvl5pPr marR="0" lvl="4" algn="l" rtl="0">
         <a:lnSpc>
           <a:spcPct val="100000"/>
         </a:lnSpc>
@@ -5686,7 +6540,7 @@
           <a:srgbClr val="000000"/>
         </a:buClr>
         <a:buFont typeface="Arial"/>
-        <a:defRPr b="0" i="0" sz="1400" u="none" cap="none" strike="noStrike">
+        <a:defRPr sz="1400" b="0" i="0" u="none" strike="noStrike" cap="none">
           <a:solidFill>
             <a:srgbClr val="000000"/>
           </a:solidFill>
@@ -5696,7 +6550,7 @@
           <a:sym typeface="Arial"/>
         </a:defRPr>
       </a:lvl5pPr>
-      <a:lvl6pPr lvl="5" marR="0" rtl="0" algn="l">
+      <a:lvl6pPr marR="0" lvl="5" algn="l" rtl="0">
         <a:lnSpc>
           <a:spcPct val="100000"/>
         </a:lnSpc>
@@ -5710,7 +6564,7 @@
           <a:srgbClr val="000000"/>
         </a:buClr>
         <a:buFont typeface="Arial"/>
-        <a:defRPr b="0" i="0" sz="1400" u="none" cap="none" strike="noStrike">
+        <a:defRPr sz="1400" b="0" i="0" u="none" strike="noStrike" cap="none">
           <a:solidFill>
             <a:srgbClr val="000000"/>
           </a:solidFill>
@@ -5720,7 +6574,7 @@
           <a:sym typeface="Arial"/>
         </a:defRPr>
       </a:lvl6pPr>
-      <a:lvl7pPr lvl="6" marR="0" rtl="0" algn="l">
+      <a:lvl7pPr marR="0" lvl="6" algn="l" rtl="0">
         <a:lnSpc>
           <a:spcPct val="100000"/>
         </a:lnSpc>
@@ -5734,7 +6588,7 @@
           <a:srgbClr val="000000"/>
         </a:buClr>
         <a:buFont typeface="Arial"/>
-        <a:defRPr b="0" i="0" sz="1400" u="none" cap="none" strike="noStrike">
+        <a:defRPr sz="1400" b="0" i="0" u="none" strike="noStrike" cap="none">
           <a:solidFill>
             <a:srgbClr val="000000"/>
           </a:solidFill>
@@ -5744,7 +6598,7 @@
           <a:sym typeface="Arial"/>
         </a:defRPr>
       </a:lvl7pPr>
-      <a:lvl8pPr lvl="7" marR="0" rtl="0" algn="l">
+      <a:lvl8pPr marR="0" lvl="7" algn="l" rtl="0">
         <a:lnSpc>
           <a:spcPct val="100000"/>
         </a:lnSpc>
@@ -5758,7 +6612,7 @@
           <a:srgbClr val="000000"/>
         </a:buClr>
         <a:buFont typeface="Arial"/>
-        <a:defRPr b="0" i="0" sz="1400" u="none" cap="none" strike="noStrike">
+        <a:defRPr sz="1400" b="0" i="0" u="none" strike="noStrike" cap="none">
           <a:solidFill>
             <a:srgbClr val="000000"/>
           </a:solidFill>
@@ -5768,7 +6622,7 @@
           <a:sym typeface="Arial"/>
         </a:defRPr>
       </a:lvl8pPr>
-      <a:lvl9pPr lvl="8" marR="0" rtl="0" algn="l">
+      <a:lvl9pPr marR="0" lvl="8" algn="l" rtl="0">
         <a:lnSpc>
           <a:spcPct val="100000"/>
         </a:lnSpc>
@@ -5782,7 +6636,7 @@
           <a:srgbClr val="000000"/>
         </a:buClr>
         <a:buFont typeface="Arial"/>
-        <a:defRPr b="0" i="0" sz="1400" u="none" cap="none" strike="noStrike">
+        <a:defRPr sz="1400" b="0" i="0" u="none" strike="noStrike" cap="none">
           <a:solidFill>
             <a:srgbClr val="000000"/>
           </a:solidFill>
@@ -5798,11 +6652,11 @@
 </file>
 
 <file path=ppt/slides/slide1.xml><?xml version="1.0" encoding="utf-8"?>
-<p:sld xmlns:a="http://schemas.openxmlformats.org/drawingml/2006/main" xmlns:r="http://schemas.openxmlformats.org/officeDocument/2006/relationships" xmlns:mc="http://schemas.openxmlformats.org/markup-compatibility/2006" xmlns:mv="urn:schemas-microsoft-com:mac:vml" xmlns:p="http://schemas.openxmlformats.org/presentationml/2006/main" xmlns:c="http://schemas.openxmlformats.org/drawingml/2006/chart" xmlns:dgm="http://schemas.openxmlformats.org/drawingml/2006/diagram" xmlns:o="urn:schemas-microsoft-com:office:office" xmlns:v="urn:schemas-microsoft-com:vml" xmlns:pvml="urn:schemas-microsoft-com:office:powerpoint" xmlns:com="http://schemas.openxmlformats.org/drawingml/2006/compatibility" xmlns:p14="http://schemas.microsoft.com/office/powerpoint/2010/main" xmlns:p15="http://schemas.microsoft.com/office/powerpoint/2012/main" xmlns:ahyp="http://schemas.microsoft.com/office/drawing/2018/hyperlinkcolor">
+<p:sld xmlns:a="http://schemas.openxmlformats.org/drawingml/2006/main" xmlns:r="http://schemas.openxmlformats.org/officeDocument/2006/relationships" xmlns:p="http://schemas.openxmlformats.org/presentationml/2006/main">
   <p:cSld>
     <p:spTree>
       <p:nvGrpSpPr>
-        <p:cNvPr id="53" name="Shape 53"/>
+        <p:cNvPr id="1" name="Shape 58"/>
         <p:cNvGrpSpPr/>
         <p:nvPr/>
       </p:nvGrpSpPr>
@@ -5816,28 +6670,30 @@
       </p:grpSpPr>
       <p:sp>
         <p:nvSpPr>
-          <p:cNvPr id="54" name="Google Shape;54;p13"/>
-          <p:cNvSpPr txBox="1"/>
+          <p:cNvPr id="59" name="Google Shape;59;p13"/>
+          <p:cNvSpPr txBox="1">
+            <a:spLocks noGrp="1"/>
+          </p:cNvSpPr>
           <p:nvPr>
             <p:ph type="ctrTitle"/>
           </p:nvPr>
         </p:nvSpPr>
         <p:spPr>
           <a:xfrm>
-            <a:off x="311708" y="744575"/>
-            <a:ext cx="8520600" cy="2052600"/>
+            <a:off x="3537150" y="1573525"/>
+            <a:ext cx="5017500" cy="1578900"/>
           </a:xfrm>
           <a:prstGeom prst="rect">
             <a:avLst/>
           </a:prstGeom>
         </p:spPr>
         <p:txBody>
-          <a:bodyPr anchorCtr="0" anchor="b" bIns="91425" lIns="91425" spcFirstLastPara="1" rIns="91425" wrap="square" tIns="91425">
+          <a:bodyPr spcFirstLastPara="1" wrap="square" lIns="91425" tIns="91425" rIns="91425" bIns="91425" anchor="b" anchorCtr="0">
             <a:normAutofit/>
           </a:bodyPr>
           <a:lstStyle/>
           <a:p>
-            <a:pPr indent="0" lvl="0" marL="0" rtl="0" algn="ctr">
+            <a:pPr marL="0" lvl="0" indent="0" algn="l" rtl="0">
               <a:spcBef>
                 <a:spcPts val="0"/>
               </a:spcBef>
@@ -5856,28 +6712,30 @@
       </p:sp>
       <p:sp>
         <p:nvSpPr>
-          <p:cNvPr id="55" name="Google Shape;55;p13"/>
-          <p:cNvSpPr txBox="1"/>
+          <p:cNvPr id="60" name="Google Shape;60;p13"/>
+          <p:cNvSpPr txBox="1">
+            <a:spLocks noGrp="1"/>
+          </p:cNvSpPr>
           <p:nvPr>
-            <p:ph idx="1" type="subTitle"/>
+            <p:ph type="subTitle" idx="1"/>
           </p:nvPr>
         </p:nvSpPr>
         <p:spPr>
           <a:xfrm>
-            <a:off x="311700" y="2834125"/>
-            <a:ext cx="8520600" cy="927000"/>
+            <a:off x="5083950" y="3939600"/>
+            <a:ext cx="3470700" cy="506100"/>
           </a:xfrm>
           <a:prstGeom prst="rect">
             <a:avLst/>
           </a:prstGeom>
         </p:spPr>
         <p:txBody>
-          <a:bodyPr anchorCtr="0" anchor="t" bIns="91425" lIns="91425" spcFirstLastPara="1" rIns="91425" wrap="square" tIns="91425">
-            <a:normAutofit fontScale="70000" lnSpcReduction="20000"/>
+          <a:bodyPr spcFirstLastPara="1" wrap="square" lIns="91425" tIns="91425" rIns="91425" bIns="91425" anchor="t" anchorCtr="0">
+            <a:normAutofit fontScale="32500" lnSpcReduction="20000"/>
           </a:bodyPr>
           <a:lstStyle/>
           <a:p>
-            <a:pPr indent="0" lvl="0" marL="0" rtl="0" algn="ctr">
+            <a:pPr marL="0" lvl="0" indent="0" algn="l" rtl="0">
               <a:spcBef>
                 <a:spcPts val="0"/>
               </a:spcBef>
@@ -5888,12 +6746,12 @@
             </a:pPr>
             <a:r>
               <a:rPr lang="ru"/>
-              <a:t>Захаров Максим</a:t>
+              <a:t>Золотовицкий Михаил</a:t>
             </a:r>
             <a:endParaRPr/>
           </a:p>
           <a:p>
-            <a:pPr indent="0" lvl="0" marL="0" rtl="0" algn="ctr">
+            <a:pPr marL="0" lvl="0" indent="0" algn="l" rtl="0">
               <a:spcBef>
                 <a:spcPts val="0"/>
               </a:spcBef>
@@ -5909,7 +6767,7 @@
             <a:endParaRPr/>
           </a:p>
           <a:p>
-            <a:pPr indent="0" lvl="0" marL="0" rtl="0" algn="ctr">
+            <a:pPr marL="0" lvl="0" indent="0" algn="l" rtl="0">
               <a:spcBef>
                 <a:spcPts val="0"/>
               </a:spcBef>
@@ -5920,7 +6778,7 @@
             </a:pPr>
             <a:r>
               <a:rPr lang="ru"/>
-              <a:t>Золотовицкий Михаил</a:t>
+              <a:t>Захаров Максим</a:t>
             </a:r>
             <a:endParaRPr/>
           </a:p>
@@ -5935,11 +6793,11 @@
 </file>
 
 <file path=ppt/slides/slide2.xml><?xml version="1.0" encoding="utf-8"?>
-<p:sld xmlns:a="http://schemas.openxmlformats.org/drawingml/2006/main" xmlns:r="http://schemas.openxmlformats.org/officeDocument/2006/relationships" xmlns:mc="http://schemas.openxmlformats.org/markup-compatibility/2006" xmlns:mv="urn:schemas-microsoft-com:mac:vml" xmlns:p="http://schemas.openxmlformats.org/presentationml/2006/main" xmlns:c="http://schemas.openxmlformats.org/drawingml/2006/chart" xmlns:dgm="http://schemas.openxmlformats.org/drawingml/2006/diagram" xmlns:o="urn:schemas-microsoft-com:office:office" xmlns:v="urn:schemas-microsoft-com:vml" xmlns:pvml="urn:schemas-microsoft-com:office:powerpoint" xmlns:com="http://schemas.openxmlformats.org/drawingml/2006/compatibility" xmlns:p14="http://schemas.microsoft.com/office/powerpoint/2010/main" xmlns:p15="http://schemas.microsoft.com/office/powerpoint/2012/main" xmlns:ahyp="http://schemas.microsoft.com/office/drawing/2018/hyperlinkcolor">
+<p:sld xmlns:a="http://schemas.openxmlformats.org/drawingml/2006/main" xmlns:r="http://schemas.openxmlformats.org/officeDocument/2006/relationships" xmlns:p="http://schemas.openxmlformats.org/presentationml/2006/main">
   <p:cSld>
     <p:spTree>
       <p:nvGrpSpPr>
-        <p:cNvPr id="59" name="Shape 59"/>
+        <p:cNvPr id="1" name="Shape 64"/>
         <p:cNvGrpSpPr/>
         <p:nvPr/>
       </p:nvGrpSpPr>
@@ -5953,8 +6811,10 @@
       </p:grpSpPr>
       <p:sp>
         <p:nvSpPr>
-          <p:cNvPr id="60" name="Google Shape;60;p14"/>
-          <p:cNvSpPr txBox="1"/>
+          <p:cNvPr id="65" name="Google Shape;65;p14"/>
+          <p:cNvSpPr txBox="1">
+            <a:spLocks noGrp="1"/>
+          </p:cNvSpPr>
           <p:nvPr>
             <p:ph type="title"/>
           </p:nvPr>
@@ -5969,12 +6829,12 @@
           </a:prstGeom>
         </p:spPr>
         <p:txBody>
-          <a:bodyPr anchorCtr="0" anchor="t" bIns="91425" lIns="91425" spcFirstLastPara="1" rIns="91425" wrap="square" tIns="91425">
+          <a:bodyPr spcFirstLastPara="1" wrap="square" lIns="91425" tIns="91425" rIns="91425" bIns="91425" anchor="t" anchorCtr="0">
             <a:normAutofit fontScale="90000"/>
           </a:bodyPr>
           <a:lstStyle/>
           <a:p>
-            <a:pPr indent="0" lvl="0" marL="0" rtl="0" algn="l">
+            <a:pPr marL="0" lvl="0" indent="0" algn="ctr" rtl="0">
               <a:spcBef>
                 <a:spcPts val="0"/>
               </a:spcBef>
@@ -5993,28 +6853,30 @@
       </p:sp>
       <p:sp>
         <p:nvSpPr>
-          <p:cNvPr id="61" name="Google Shape;61;p14"/>
-          <p:cNvSpPr txBox="1"/>
+          <p:cNvPr id="66" name="Google Shape;66;p14"/>
+          <p:cNvSpPr txBox="1">
+            <a:spLocks noGrp="1"/>
+          </p:cNvSpPr>
           <p:nvPr>
-            <p:ph idx="1" type="body"/>
+            <p:ph type="body" idx="1"/>
           </p:nvPr>
         </p:nvSpPr>
         <p:spPr>
           <a:xfrm>
-            <a:off x="311700" y="1152475"/>
-            <a:ext cx="3999900" cy="3416400"/>
+            <a:off x="311700" y="1659375"/>
+            <a:ext cx="3513300" cy="2769000"/>
           </a:xfrm>
           <a:prstGeom prst="rect">
             <a:avLst/>
           </a:prstGeom>
         </p:spPr>
         <p:txBody>
-          <a:bodyPr anchorCtr="0" anchor="t" bIns="91425" lIns="91425" spcFirstLastPara="1" rIns="91425" wrap="square" tIns="91425">
+          <a:bodyPr spcFirstLastPara="1" wrap="square" lIns="91425" tIns="91425" rIns="91425" bIns="91425" anchor="t" anchorCtr="0">
             <a:normAutofit/>
           </a:bodyPr>
           <a:lstStyle/>
           <a:p>
-            <a:pPr indent="0" lvl="0" marL="0" rtl="0" algn="l">
+            <a:pPr marL="0" lvl="0" indent="0" algn="l" rtl="0">
               <a:spcBef>
                 <a:spcPts val="0"/>
               </a:spcBef>
@@ -6024,55 +6886,16 @@
               <a:buNone/>
             </a:pPr>
             <a:r>
-              <a:rPr lang="ru"/>
-              <a:t>Идея нашего проекта состоит в том, чтобы создать универсальный сайт для фанатов автомобиля Toyota Land Cruiser. </a:t>
+              <a:rPr lang="ru" sz="1700"/>
+              <a:t>Идея нашего проекта состоит в том, чтобы создать универсальный сайт для фанатов  Toyota Land Cruiser. </a:t>
             </a:r>
-            <a:endParaRPr/>
-          </a:p>
-        </p:txBody>
-      </p:sp>
-      <p:sp>
-        <p:nvSpPr>
-          <p:cNvPr id="62" name="Google Shape;62;p14"/>
-          <p:cNvSpPr txBox="1"/>
-          <p:nvPr>
-            <p:ph idx="2" type="body"/>
-          </p:nvPr>
-        </p:nvSpPr>
-        <p:spPr>
-          <a:xfrm>
-            <a:off x="4832400" y="1152475"/>
-            <a:ext cx="3999900" cy="3416400"/>
-          </a:xfrm>
-          <a:prstGeom prst="rect">
-            <a:avLst/>
-          </a:prstGeom>
-        </p:spPr>
-        <p:txBody>
-          <a:bodyPr anchorCtr="0" anchor="t" bIns="91425" lIns="91425" spcFirstLastPara="1" rIns="91425" wrap="square" tIns="91425">
-            <a:normAutofit/>
-          </a:bodyPr>
-          <a:lstStyle/>
-          <a:p>
-            <a:pPr indent="0" lvl="0" marL="0" rtl="0" algn="l">
-              <a:spcBef>
-                <a:spcPts val="0"/>
-              </a:spcBef>
-              <a:spcAft>
-                <a:spcPts val="1200"/>
-              </a:spcAft>
-              <a:buNone/>
-            </a:pPr>
-            <a:r>
-              <a:t/>
-            </a:r>
-            <a:endParaRPr/>
+            <a:endParaRPr sz="1700"/>
           </a:p>
         </p:txBody>
       </p:sp>
       <p:pic>
         <p:nvPicPr>
-          <p:cNvPr id="63" name="Google Shape;63;p14"/>
+          <p:cNvPr id="67" name="Google Shape;67;p14"/>
           <p:cNvPicPr preferRelativeResize="0"/>
           <p:nvPr/>
         </p:nvPicPr>
@@ -6086,7 +6909,7 @@
         </p:blipFill>
         <p:spPr>
           <a:xfrm>
-            <a:off x="4221600" y="1120025"/>
+            <a:off x="3909925" y="1659450"/>
             <a:ext cx="4922400" cy="2768850"/>
           </a:xfrm>
           <a:prstGeom prst="rect">
@@ -6107,11 +6930,11 @@
 </file>
 
 <file path=ppt/slides/slide3.xml><?xml version="1.0" encoding="utf-8"?>
-<p:sld xmlns:a="http://schemas.openxmlformats.org/drawingml/2006/main" xmlns:r="http://schemas.openxmlformats.org/officeDocument/2006/relationships" xmlns:mc="http://schemas.openxmlformats.org/markup-compatibility/2006" xmlns:mv="urn:schemas-microsoft-com:mac:vml" xmlns:p="http://schemas.openxmlformats.org/presentationml/2006/main" xmlns:c="http://schemas.openxmlformats.org/drawingml/2006/chart" xmlns:dgm="http://schemas.openxmlformats.org/drawingml/2006/diagram" xmlns:o="urn:schemas-microsoft-com:office:office" xmlns:v="urn:schemas-microsoft-com:vml" xmlns:pvml="urn:schemas-microsoft-com:office:powerpoint" xmlns:com="http://schemas.openxmlformats.org/drawingml/2006/compatibility" xmlns:p14="http://schemas.microsoft.com/office/powerpoint/2010/main" xmlns:p15="http://schemas.microsoft.com/office/powerpoint/2012/main" xmlns:ahyp="http://schemas.microsoft.com/office/drawing/2018/hyperlinkcolor">
+<p:sld xmlns:a="http://schemas.openxmlformats.org/drawingml/2006/main" xmlns:r="http://schemas.openxmlformats.org/officeDocument/2006/relationships" xmlns:p="http://schemas.openxmlformats.org/presentationml/2006/main">
   <p:cSld>
     <p:spTree>
       <p:nvGrpSpPr>
-        <p:cNvPr id="67" name="Shape 67"/>
+        <p:cNvPr id="1" name="Shape 71"/>
         <p:cNvGrpSpPr/>
         <p:nvPr/>
       </p:nvGrpSpPr>
@@ -6125,8 +6948,10 @@
       </p:grpSpPr>
       <p:sp>
         <p:nvSpPr>
-          <p:cNvPr id="68" name="Google Shape;68;p15"/>
-          <p:cNvSpPr txBox="1"/>
+          <p:cNvPr id="72" name="Google Shape;72;p15"/>
+          <p:cNvSpPr txBox="1">
+            <a:spLocks noGrp="1"/>
+          </p:cNvSpPr>
           <p:nvPr>
             <p:ph type="title"/>
           </p:nvPr>
@@ -6141,12 +6966,12 @@
           </a:prstGeom>
         </p:spPr>
         <p:txBody>
-          <a:bodyPr anchorCtr="0" anchor="t" bIns="91425" lIns="91425" spcFirstLastPara="1" rIns="91425" wrap="square" tIns="91425">
+          <a:bodyPr spcFirstLastPara="1" wrap="square" lIns="91425" tIns="91425" rIns="91425" bIns="91425" anchor="t" anchorCtr="0">
             <a:normAutofit fontScale="90000"/>
           </a:bodyPr>
           <a:lstStyle/>
           <a:p>
-            <a:pPr indent="0" lvl="0" marL="0" rtl="0" algn="l">
+            <a:pPr marL="0" lvl="0" indent="0" algn="l" rtl="0">
               <a:spcBef>
                 <a:spcPts val="0"/>
               </a:spcBef>
@@ -6165,10 +6990,12 @@
       </p:sp>
       <p:sp>
         <p:nvSpPr>
-          <p:cNvPr id="69" name="Google Shape;69;p15"/>
-          <p:cNvSpPr txBox="1"/>
+          <p:cNvPr id="73" name="Google Shape;73;p15"/>
+          <p:cNvSpPr txBox="1">
+            <a:spLocks noGrp="1"/>
+          </p:cNvSpPr>
           <p:nvPr>
-            <p:ph idx="1" type="body"/>
+            <p:ph type="body" idx="1"/>
           </p:nvPr>
         </p:nvSpPr>
         <p:spPr>
@@ -6181,12 +7008,12 @@
           </a:prstGeom>
         </p:spPr>
         <p:txBody>
-          <a:bodyPr anchorCtr="0" anchor="t" bIns="91425" lIns="91425" spcFirstLastPara="1" rIns="91425" wrap="square" tIns="91425">
+          <a:bodyPr spcFirstLastPara="1" wrap="square" lIns="91425" tIns="91425" rIns="91425" bIns="91425" anchor="t" anchorCtr="0">
             <a:normAutofit/>
           </a:bodyPr>
           <a:lstStyle/>
           <a:p>
-            <a:pPr indent="0" lvl="0" marL="0" rtl="0" algn="l">
+            <a:pPr marL="0" lvl="0" indent="0" algn="l" rtl="0">
               <a:spcBef>
                 <a:spcPts val="0"/>
               </a:spcBef>
@@ -6196,137 +7023,112 @@
               <a:buNone/>
             </a:pPr>
             <a:r>
-              <a:rPr lang="ru"/>
-              <a:t>Наш проект реализован на основе базы данных </a:t>
+              <a:rPr lang="ru" sz="1700" dirty="0"/>
+              <a:t>Наш проект реализован на основе базы данных пользователей к которой подключены данные с разделов. Были реализованы следующие разделы:</a:t>
             </a:r>
-            <a:r>
-              <a:rPr lang="ru"/>
-              <a:t>пользователей </a:t>
-            </a:r>
-            <a:r>
-              <a:rPr lang="ru"/>
-              <a:t>к которой подключены данные с разделов. Были реализованы следующие разделы:</a:t>
-            </a:r>
-            <a:endParaRPr/>
+            <a:endParaRPr sz="1700" dirty="0"/>
           </a:p>
           <a:p>
-            <a:pPr indent="-342900" lvl="0" marL="457200" rtl="0" algn="l">
+            <a:pPr marL="457200" lvl="0" indent="-336550" algn="l" rtl="0">
               <a:spcBef>
                 <a:spcPts val="1200"/>
               </a:spcBef>
               <a:spcAft>
                 <a:spcPts val="0"/>
               </a:spcAft>
-              <a:buSzPts val="1800"/>
+              <a:buSzPts val="1700"/>
               <a:buAutoNum type="arabicPeriod"/>
             </a:pPr>
             <a:r>
-              <a:rPr lang="ru"/>
+              <a:rPr lang="ru" sz="1700" dirty="0"/>
               <a:t>Новости</a:t>
             </a:r>
-            <a:endParaRPr/>
+            <a:endParaRPr sz="1700" dirty="0"/>
           </a:p>
           <a:p>
-            <a:pPr indent="-342900" lvl="0" marL="457200" rtl="0" algn="l">
-              <a:spcBef>
-                <a:spcPts val="0"/>
-              </a:spcBef>
-              <a:spcAft>
-                <a:spcPts val="0"/>
-              </a:spcAft>
-              <a:buSzPts val="1800"/>
+            <a:pPr marL="457200" lvl="0" indent="-336550" algn="l" rtl="0">
+              <a:spcBef>
+                <a:spcPts val="0"/>
+              </a:spcBef>
+              <a:spcAft>
+                <a:spcPts val="0"/>
+              </a:spcAft>
+              <a:buSzPts val="1700"/>
               <a:buAutoNum type="arabicPeriod"/>
             </a:pPr>
             <a:r>
-              <a:rPr lang="ru"/>
+              <a:rPr lang="ru" sz="1700" dirty="0"/>
               <a:t>Форум</a:t>
             </a:r>
-            <a:endParaRPr/>
+            <a:endParaRPr sz="1700" dirty="0"/>
           </a:p>
           <a:p>
-            <a:pPr indent="-342900" lvl="0" marL="457200" rtl="0" algn="l">
-              <a:spcBef>
-                <a:spcPts val="0"/>
-              </a:spcBef>
-              <a:spcAft>
-                <a:spcPts val="0"/>
-              </a:spcAft>
-              <a:buSzPts val="1800"/>
+            <a:pPr marL="457200" lvl="0" indent="-336550" algn="l" rtl="0">
+              <a:spcBef>
+                <a:spcPts val="0"/>
+              </a:spcBef>
+              <a:spcAft>
+                <a:spcPts val="0"/>
+              </a:spcAft>
+              <a:buSzPts val="1700"/>
               <a:buAutoNum type="arabicPeriod"/>
             </a:pPr>
             <a:r>
-              <a:rPr lang="ru"/>
+              <a:rPr lang="ru" sz="1700" dirty="0"/>
               <a:t>Карта Сервисов</a:t>
             </a:r>
-            <a:endParaRPr/>
+            <a:endParaRPr sz="1700" dirty="0"/>
           </a:p>
           <a:p>
-            <a:pPr indent="-342900" lvl="0" marL="457200" rtl="0" algn="l">
-              <a:spcBef>
-                <a:spcPts val="0"/>
-              </a:spcBef>
-              <a:spcAft>
-                <a:spcPts val="0"/>
-              </a:spcAft>
-              <a:buSzPts val="1800"/>
+            <a:pPr marL="457200" lvl="0" indent="-336550" algn="l" rtl="0">
+              <a:spcBef>
+                <a:spcPts val="0"/>
+              </a:spcBef>
+              <a:spcAft>
+                <a:spcPts val="0"/>
+              </a:spcAft>
+              <a:buSzPts val="1700"/>
               <a:buAutoNum type="arabicPeriod"/>
             </a:pPr>
             <a:r>
-              <a:rPr lang="ru"/>
-              <a:t>Картинки</a:t>
+              <a:rPr lang="ru" sz="1700" dirty="0" smtClean="0"/>
+              <a:t>Обзоры</a:t>
             </a:r>
-            <a:endParaRPr/>
+            <a:endParaRPr sz="1700" dirty="0"/>
           </a:p>
           <a:p>
-            <a:pPr indent="-342900" lvl="0" marL="457200" rtl="0" algn="l">
-              <a:spcBef>
-                <a:spcPts val="0"/>
-              </a:spcBef>
-              <a:spcAft>
-                <a:spcPts val="0"/>
-              </a:spcAft>
-              <a:buSzPts val="1800"/>
+            <a:pPr marL="457200" lvl="0" indent="-336550" algn="l" rtl="0">
+              <a:spcBef>
+                <a:spcPts val="0"/>
+              </a:spcBef>
+              <a:spcAft>
+                <a:spcPts val="0"/>
+              </a:spcAft>
+              <a:buSzPts val="1700"/>
               <a:buAutoNum type="arabicPeriod"/>
             </a:pPr>
             <a:r>
-              <a:rPr lang="ru"/>
-              <a:t>Обзоры</a:t>
+              <a:rPr lang="ru" sz="1700" dirty="0"/>
+              <a:t>Главная</a:t>
             </a:r>
-            <a:endParaRPr/>
+            <a:endParaRPr sz="1700" dirty="0"/>
           </a:p>
           <a:p>
-            <a:pPr indent="-342900" lvl="0" marL="457200" rtl="0" algn="l">
-              <a:spcBef>
-                <a:spcPts val="0"/>
-              </a:spcBef>
-              <a:spcAft>
-                <a:spcPts val="0"/>
-              </a:spcAft>
-              <a:buSzPts val="1800"/>
+            <a:pPr marL="457200" lvl="0" indent="-336550" algn="l" rtl="0">
+              <a:spcBef>
+                <a:spcPts val="0"/>
+              </a:spcBef>
+              <a:spcAft>
+                <a:spcPts val="0"/>
+              </a:spcAft>
+              <a:buSzPts val="1700"/>
               <a:buAutoNum type="arabicPeriod"/>
             </a:pPr>
             <a:r>
-              <a:rPr lang="ru"/>
-              <a:t>Главная</a:t>
-            </a:r>
-            <a:endParaRPr/>
-          </a:p>
-          <a:p>
-            <a:pPr indent="-342900" lvl="0" marL="457200" rtl="0" algn="l">
-              <a:spcBef>
-                <a:spcPts val="0"/>
-              </a:spcBef>
-              <a:spcAft>
-                <a:spcPts val="0"/>
-              </a:spcAft>
-              <a:buSzPts val="1800"/>
-              <a:buAutoNum type="arabicPeriod"/>
-            </a:pPr>
-            <a:r>
-              <a:rPr lang="ru"/>
+              <a:rPr lang="ru" sz="1700" dirty="0"/>
               <a:t>Личный кабинет</a:t>
             </a:r>
-            <a:endParaRPr/>
+            <a:endParaRPr sz="1700" dirty="0"/>
           </a:p>
         </p:txBody>
       </p:sp>
@@ -6339,11 +7141,11 @@
 </file>
 
 <file path=ppt/slides/slide4.xml><?xml version="1.0" encoding="utf-8"?>
-<p:sld xmlns:a="http://schemas.openxmlformats.org/drawingml/2006/main" xmlns:r="http://schemas.openxmlformats.org/officeDocument/2006/relationships" xmlns:mc="http://schemas.openxmlformats.org/markup-compatibility/2006" xmlns:mv="urn:schemas-microsoft-com:mac:vml" xmlns:p="http://schemas.openxmlformats.org/presentationml/2006/main" xmlns:c="http://schemas.openxmlformats.org/drawingml/2006/chart" xmlns:dgm="http://schemas.openxmlformats.org/drawingml/2006/diagram" xmlns:o="urn:schemas-microsoft-com:office:office" xmlns:v="urn:schemas-microsoft-com:vml" xmlns:pvml="urn:schemas-microsoft-com:office:powerpoint" xmlns:com="http://schemas.openxmlformats.org/drawingml/2006/compatibility" xmlns:p14="http://schemas.microsoft.com/office/powerpoint/2010/main" xmlns:p15="http://schemas.microsoft.com/office/powerpoint/2012/main" xmlns:ahyp="http://schemas.microsoft.com/office/drawing/2018/hyperlinkcolor">
+<p:sld xmlns:a="http://schemas.openxmlformats.org/drawingml/2006/main" xmlns:r="http://schemas.openxmlformats.org/officeDocument/2006/relationships" xmlns:p="http://schemas.openxmlformats.org/presentationml/2006/main">
   <p:cSld>
     <p:spTree>
       <p:nvGrpSpPr>
-        <p:cNvPr id="73" name="Shape 73"/>
+        <p:cNvPr id="1" name="Shape 77"/>
         <p:cNvGrpSpPr/>
         <p:nvPr/>
       </p:nvGrpSpPr>
@@ -6357,8 +7159,10 @@
       </p:grpSpPr>
       <p:sp>
         <p:nvSpPr>
-          <p:cNvPr id="74" name="Google Shape;74;p16"/>
-          <p:cNvSpPr txBox="1"/>
+          <p:cNvPr id="78" name="Google Shape;78;p16"/>
+          <p:cNvSpPr txBox="1">
+            <a:spLocks noGrp="1"/>
+          </p:cNvSpPr>
           <p:nvPr>
             <p:ph type="title"/>
           </p:nvPr>
@@ -6373,12 +7177,12 @@
           </a:prstGeom>
         </p:spPr>
         <p:txBody>
-          <a:bodyPr anchorCtr="0" anchor="t" bIns="91425" lIns="91425" spcFirstLastPara="1" rIns="91425" wrap="square" tIns="91425">
+          <a:bodyPr spcFirstLastPara="1" wrap="square" lIns="91425" tIns="91425" rIns="91425" bIns="91425" anchor="t" anchorCtr="0">
             <a:normAutofit fontScale="90000"/>
           </a:bodyPr>
           <a:lstStyle/>
           <a:p>
-            <a:pPr indent="0" lvl="0" marL="0" rtl="0" algn="l">
+            <a:pPr marL="0" lvl="0" indent="0" algn="l" rtl="0">
               <a:spcBef>
                 <a:spcPts val="0"/>
               </a:spcBef>
@@ -6397,10 +7201,12 @@
       </p:sp>
       <p:sp>
         <p:nvSpPr>
-          <p:cNvPr id="75" name="Google Shape;75;p16"/>
-          <p:cNvSpPr txBox="1"/>
+          <p:cNvPr id="79" name="Google Shape;79;p16"/>
+          <p:cNvSpPr txBox="1">
+            <a:spLocks noGrp="1"/>
+          </p:cNvSpPr>
           <p:nvPr>
-            <p:ph idx="1" type="body"/>
+            <p:ph type="body" idx="1"/>
           </p:nvPr>
         </p:nvSpPr>
         <p:spPr>
@@ -6413,80 +7219,80 @@
           </a:prstGeom>
         </p:spPr>
         <p:txBody>
-          <a:bodyPr anchorCtr="0" anchor="t" bIns="91425" lIns="91425" spcFirstLastPara="1" rIns="91425" wrap="square" tIns="91425">
+          <a:bodyPr spcFirstLastPara="1" wrap="square" lIns="91425" tIns="91425" rIns="91425" bIns="91425" anchor="t" anchorCtr="0">
             <a:normAutofit/>
           </a:bodyPr>
           <a:lstStyle/>
           <a:p>
-            <a:pPr indent="-342900" lvl="0" marL="457200" rtl="0" algn="l">
-              <a:spcBef>
-                <a:spcPts val="0"/>
-              </a:spcBef>
-              <a:spcAft>
-                <a:spcPts val="0"/>
-              </a:spcAft>
-              <a:buSzPts val="1800"/>
+            <a:pPr marL="457200" lvl="0" indent="-336550" algn="l" rtl="0">
+              <a:spcBef>
+                <a:spcPts val="0"/>
+              </a:spcBef>
+              <a:spcAft>
+                <a:spcPts val="0"/>
+              </a:spcAft>
+              <a:buSzPts val="1700"/>
               <a:buAutoNum type="arabicPeriod"/>
             </a:pPr>
             <a:r>
-              <a:rPr lang="ru"/>
+              <a:rPr lang="ru" sz="1700"/>
               <a:t>Интеграция в сайт предложений по продаже модели с различных сайтов</a:t>
             </a:r>
-            <a:endParaRPr/>
+            <a:endParaRPr sz="1700"/>
           </a:p>
           <a:p>
-            <a:pPr indent="-342900" lvl="0" marL="457200" rtl="0" algn="l">
-              <a:spcBef>
-                <a:spcPts val="0"/>
-              </a:spcBef>
-              <a:spcAft>
-                <a:spcPts val="0"/>
-              </a:spcAft>
-              <a:buSzPts val="1800"/>
+            <a:pPr marL="457200" lvl="0" indent="-336550" algn="l" rtl="0">
+              <a:spcBef>
+                <a:spcPts val="0"/>
+              </a:spcBef>
+              <a:spcAft>
+                <a:spcPts val="0"/>
+              </a:spcAft>
+              <a:buSzPts val="1700"/>
               <a:buAutoNum type="arabicPeriod"/>
             </a:pPr>
             <a:r>
-              <a:rPr lang="ru"/>
+              <a:rPr lang="ru" sz="1700"/>
               <a:t>Интеграция в сайт большего количество новостных источников</a:t>
             </a:r>
-            <a:endParaRPr/>
+            <a:endParaRPr sz="1700"/>
           </a:p>
           <a:p>
-            <a:pPr indent="-342900" lvl="0" marL="457200" rtl="0" algn="l">
-              <a:spcBef>
-                <a:spcPts val="0"/>
-              </a:spcBef>
-              <a:spcAft>
-                <a:spcPts val="0"/>
-              </a:spcAft>
-              <a:buSzPts val="1800"/>
+            <a:pPr marL="457200" lvl="0" indent="-336550" algn="l" rtl="0">
+              <a:spcBef>
+                <a:spcPts val="0"/>
+              </a:spcBef>
+              <a:spcAft>
+                <a:spcPts val="0"/>
+              </a:spcAft>
+              <a:buSzPts val="1700"/>
               <a:buAutoNum type="arabicPeriod"/>
             </a:pPr>
             <a:r>
-              <a:rPr lang="ru"/>
+              <a:rPr lang="ru" sz="1700"/>
               <a:t>Добавление рекламы с целью заработка денег</a:t>
             </a:r>
-            <a:endParaRPr/>
+            <a:endParaRPr sz="1700"/>
           </a:p>
           <a:p>
-            <a:pPr indent="-342900" lvl="0" marL="457200" rtl="0" algn="l">
-              <a:spcBef>
-                <a:spcPts val="0"/>
-              </a:spcBef>
-              <a:spcAft>
-                <a:spcPts val="0"/>
-              </a:spcAft>
-              <a:buSzPts val="1800"/>
+            <a:pPr marL="457200" lvl="0" indent="-336550" algn="l" rtl="0">
+              <a:spcBef>
+                <a:spcPts val="0"/>
+              </a:spcBef>
+              <a:spcAft>
+                <a:spcPts val="0"/>
+              </a:spcAft>
+              <a:buSzPts val="1700"/>
               <a:buAutoNum type="arabicPeriod"/>
             </a:pPr>
             <a:r>
-              <a:rPr lang="ru"/>
-              <a:t>Добавление большего количества справочной информации про различные модели</a:t>
+              <a:rPr lang="ru" sz="1700"/>
+              <a:t>Добавление большего количества информации про различные модели</a:t>
             </a:r>
-            <a:endParaRPr/>
+            <a:endParaRPr sz="1700"/>
           </a:p>
           <a:p>
-            <a:pPr indent="0" lvl="0" marL="457200" rtl="0" algn="l">
+            <a:pPr marL="457200" lvl="0" indent="0" algn="l" rtl="0">
               <a:spcBef>
                 <a:spcPts val="1200"/>
               </a:spcBef>
@@ -6495,10 +7301,7 @@
               </a:spcAft>
               <a:buNone/>
             </a:pPr>
-            <a:r>
-              <a:t/>
-            </a:r>
-            <a:endParaRPr/>
+            <a:endParaRPr sz="1700"/>
           </a:p>
         </p:txBody>
       </p:sp>
@@ -6510,8 +7313,431 @@
 </p:sld>
 </file>
 
+<file path=ppt/slides/slide5.xml><?xml version="1.0" encoding="utf-8"?>
+<p:sld xmlns:a="http://schemas.openxmlformats.org/drawingml/2006/main" xmlns:r="http://schemas.openxmlformats.org/officeDocument/2006/relationships" xmlns:p="http://schemas.openxmlformats.org/presentationml/2006/main">
+  <p:cSld>
+    <p:spTree>
+      <p:nvGrpSpPr>
+        <p:cNvPr id="1" name="Shape 83"/>
+        <p:cNvGrpSpPr/>
+        <p:nvPr/>
+      </p:nvGrpSpPr>
+      <p:grpSpPr>
+        <a:xfrm>
+          <a:off x="0" y="0"/>
+          <a:ext cx="0" cy="0"/>
+          <a:chOff x="0" y="0"/>
+          <a:chExt cx="0" cy="0"/>
+        </a:xfrm>
+      </p:grpSpPr>
+      <p:sp>
+        <p:nvSpPr>
+          <p:cNvPr id="84" name="Google Shape;84;p17"/>
+          <p:cNvSpPr txBox="1">
+            <a:spLocks noGrp="1"/>
+          </p:cNvSpPr>
+          <p:nvPr>
+            <p:ph type="title"/>
+          </p:nvPr>
+        </p:nvSpPr>
+        <p:spPr>
+          <a:xfrm>
+            <a:off x="0" y="0"/>
+            <a:ext cx="9144000" cy="1244700"/>
+          </a:xfrm>
+          <a:prstGeom prst="rect">
+            <a:avLst/>
+          </a:prstGeom>
+        </p:spPr>
+        <p:txBody>
+          <a:bodyPr spcFirstLastPara="1" wrap="square" lIns="91425" tIns="91425" rIns="91425" bIns="91425" anchor="ctr" anchorCtr="0">
+            <a:noAutofit/>
+          </a:bodyPr>
+          <a:lstStyle/>
+          <a:p>
+            <a:pPr marL="0" lvl="0" indent="0" algn="ctr" rtl="0">
+              <a:spcBef>
+                <a:spcPts val="0"/>
+              </a:spcBef>
+              <a:spcAft>
+                <a:spcPts val="0"/>
+              </a:spcAft>
+              <a:buNone/>
+            </a:pPr>
+            <a:r>
+              <a:rPr lang="ru" sz="5500"/>
+              <a:t>Перейдем к сайту</a:t>
+            </a:r>
+            <a:endParaRPr sz="5500"/>
+          </a:p>
+        </p:txBody>
+      </p:sp>
+      <p:sp>
+        <p:nvSpPr>
+          <p:cNvPr id="85" name="Google Shape;85;p17"/>
+          <p:cNvSpPr txBox="1"/>
+          <p:nvPr/>
+        </p:nvSpPr>
+        <p:spPr>
+          <a:xfrm>
+            <a:off x="412274" y="1639250"/>
+            <a:ext cx="4746125" cy="923299"/>
+          </a:xfrm>
+          <a:prstGeom prst="rect">
+            <a:avLst/>
+          </a:prstGeom>
+          <a:noFill/>
+          <a:ln>
+            <a:noFill/>
+          </a:ln>
+        </p:spPr>
+        <p:txBody>
+          <a:bodyPr spcFirstLastPara="1" wrap="square" lIns="91425" tIns="91425" rIns="91425" bIns="91425" anchor="t" anchorCtr="0">
+            <a:spAutoFit/>
+          </a:bodyPr>
+          <a:lstStyle/>
+          <a:p>
+            <a:pPr marL="0" lvl="0" indent="0" algn="l" rtl="0">
+              <a:spcBef>
+                <a:spcPts val="0"/>
+              </a:spcBef>
+              <a:spcAft>
+                <a:spcPts val="0"/>
+              </a:spcAft>
+              <a:buNone/>
+            </a:pPr>
+            <a:r>
+              <a:rPr lang="ru" sz="4800" u="sng" dirty="0">
+                <a:solidFill>
+                  <a:schemeClr val="hlink"/>
+                </a:solidFill>
+                <a:hlinkClick r:id="rId3"/>
+              </a:rPr>
+              <a:t>tlc-club.glitch.me</a:t>
+            </a:r>
+            <a:endParaRPr sz="4800" dirty="0"/>
+          </a:p>
+        </p:txBody>
+      </p:sp>
+      <p:pic>
+        <p:nvPicPr>
+          <p:cNvPr id="86" name="Google Shape;86;p17"/>
+          <p:cNvPicPr preferRelativeResize="0"/>
+          <p:nvPr/>
+        </p:nvPicPr>
+        <p:blipFill>
+          <a:blip r:embed="rId4">
+            <a:alphaModFix/>
+          </a:blip>
+          <a:stretch>
+            <a:fillRect/>
+          </a:stretch>
+        </p:blipFill>
+        <p:spPr>
+          <a:xfrm>
+            <a:off x="5158400" y="1387275"/>
+            <a:ext cx="3524250" cy="3524250"/>
+          </a:xfrm>
+          <a:prstGeom prst="rect">
+            <a:avLst/>
+          </a:prstGeom>
+          <a:noFill/>
+          <a:ln>
+            <a:noFill/>
+          </a:ln>
+        </p:spPr>
+      </p:pic>
+    </p:spTree>
+  </p:cSld>
+  <p:clrMapOvr>
+    <a:masterClrMapping/>
+  </p:clrMapOvr>
+</p:sld>
+</file>
+
 <file path=ppt/theme/theme1.xml><?xml version="1.0" encoding="utf-8"?>
-<a:theme xmlns:a="http://schemas.openxmlformats.org/drawingml/2006/main" xmlns:r="http://schemas.openxmlformats.org/officeDocument/2006/relationships">
+<a:theme xmlns:a="http://schemas.openxmlformats.org/drawingml/2006/main" name="Spearmint">
+  <a:themeElements>
+    <a:clrScheme name="Spearmint">
+      <a:dk1>
+        <a:srgbClr val="202729"/>
+      </a:dk1>
+      <a:lt1>
+        <a:srgbClr val="FFFFFF"/>
+      </a:lt1>
+      <a:dk2>
+        <a:srgbClr val="4BA173"/>
+      </a:dk2>
+      <a:lt2>
+        <a:srgbClr val="63D297"/>
+      </a:lt2>
+      <a:accent1>
+        <a:srgbClr val="353744"/>
+      </a:accent1>
+      <a:accent2>
+        <a:srgbClr val="424242"/>
+      </a:accent2>
+      <a:accent3>
+        <a:srgbClr val="616161"/>
+      </a:accent3>
+      <a:accent4>
+        <a:srgbClr val="999999"/>
+      </a:accent4>
+      <a:accent5>
+        <a:srgbClr val="FF5252"/>
+      </a:accent5>
+      <a:accent6>
+        <a:srgbClr val="FFF176"/>
+      </a:accent6>
+      <a:hlink>
+        <a:srgbClr val="FF5252"/>
+      </a:hlink>
+      <a:folHlink>
+        <a:srgbClr val="FF5252"/>
+      </a:folHlink>
+    </a:clrScheme>
+    <a:fontScheme name="Office">
+      <a:majorFont>
+        <a:latin typeface="Arial"/>
+        <a:ea typeface=""/>
+        <a:cs typeface=""/>
+        <a:font script="Jpan" typeface="ＭＳ Ｐゴシック"/>
+        <a:font script="Hang" typeface="맑은 고딕"/>
+        <a:font script="Hans" typeface="宋体"/>
+        <a:font script="Hant" typeface="新細明體"/>
+        <a:font script="Arab" typeface="Times New Roman"/>
+        <a:font script="Hebr" typeface="Times New Roman"/>
+        <a:font script="Thai" typeface="Angsana New"/>
+        <a:font script="Ethi" typeface="Nyala"/>
+        <a:font script="Beng" typeface="Vrinda"/>
+        <a:font script="Gujr" typeface="Shruti"/>
+        <a:font script="Khmr" typeface="MoolBoran"/>
+        <a:font script="Knda" typeface="Tunga"/>
+        <a:font script="Guru" typeface="Raavi"/>
+        <a:font script="Cans" typeface="Euphemia"/>
+        <a:font script="Cher" typeface="Plantagenet Cherokee"/>
+        <a:font script="Yiii" typeface="Microsoft Yi Baiti"/>
+        <a:font script="Tibt" typeface="Microsoft Himalaya"/>
+        <a:font script="Thaa" typeface="MV Boli"/>
+        <a:font script="Deva" typeface="Mangal"/>
+        <a:font script="Telu" typeface="Gautami"/>
+        <a:font script="Taml" typeface="Latha"/>
+        <a:font script="Syrc" typeface="Estrangelo Edessa"/>
+        <a:font script="Orya" typeface="Kalinga"/>
+        <a:font script="Mlym" typeface="Kartika"/>
+        <a:font script="Laoo" typeface="DokChampa"/>
+        <a:font script="Sinh" typeface="Iskoola Pota"/>
+        <a:font script="Mong" typeface="Mongolian Baiti"/>
+        <a:font script="Viet" typeface="Times New Roman"/>
+        <a:font script="Uigh" typeface="Microsoft Uighur"/>
+        <a:font script="Geor" typeface="Sylfaen"/>
+      </a:majorFont>
+      <a:minorFont>
+        <a:latin typeface="Arial"/>
+        <a:ea typeface=""/>
+        <a:cs typeface=""/>
+        <a:font script="Jpan" typeface="ＭＳ Ｐゴシック"/>
+        <a:font script="Hang" typeface="맑은 고딕"/>
+        <a:font script="Hans" typeface="宋体"/>
+        <a:font script="Hant" typeface="新細明體"/>
+        <a:font script="Arab" typeface="Arial"/>
+        <a:font script="Hebr" typeface="Arial"/>
+        <a:font script="Thai" typeface="Cordia New"/>
+        <a:font script="Ethi" typeface="Nyala"/>
+        <a:font script="Beng" typeface="Vrinda"/>
+        <a:font script="Gujr" typeface="Shruti"/>
+        <a:font script="Khmr" typeface="DaunPenh"/>
+        <a:font script="Knda" typeface="Tunga"/>
+        <a:font script="Guru" typeface="Raavi"/>
+        <a:font script="Cans" typeface="Euphemia"/>
+        <a:font script="Cher" typeface="Plantagenet Cherokee"/>
+        <a:font script="Yiii" typeface="Microsoft Yi Baiti"/>
+        <a:font script="Tibt" typeface="Microsoft Himalaya"/>
+        <a:font script="Thaa" typeface="MV Boli"/>
+        <a:font script="Deva" typeface="Mangal"/>
+        <a:font script="Telu" typeface="Gautami"/>
+        <a:font script="Taml" typeface="Latha"/>
+        <a:font script="Syrc" typeface="Estrangelo Edessa"/>
+        <a:font script="Orya" typeface="Kalinga"/>
+        <a:font script="Mlym" typeface="Kartika"/>
+        <a:font script="Laoo" typeface="DokChampa"/>
+        <a:font script="Sinh" typeface="Iskoola Pota"/>
+        <a:font script="Mong" typeface="Mongolian Baiti"/>
+        <a:font script="Viet" typeface="Arial"/>
+        <a:font script="Uigh" typeface="Microsoft Uighur"/>
+        <a:font script="Geor" typeface="Sylfaen"/>
+      </a:minorFont>
+    </a:fontScheme>
+    <a:fmtScheme name="Office">
+      <a:fillStyleLst>
+        <a:solidFill>
+          <a:schemeClr val="phClr"/>
+        </a:solidFill>
+        <a:gradFill rotWithShape="1">
+          <a:gsLst>
+            <a:gs pos="0">
+              <a:schemeClr val="phClr">
+                <a:tint val="50000"/>
+                <a:satMod val="300000"/>
+              </a:schemeClr>
+            </a:gs>
+            <a:gs pos="35000">
+              <a:schemeClr val="phClr">
+                <a:tint val="37000"/>
+                <a:satMod val="300000"/>
+              </a:schemeClr>
+            </a:gs>
+            <a:gs pos="100000">
+              <a:schemeClr val="phClr">
+                <a:tint val="15000"/>
+                <a:satMod val="350000"/>
+              </a:schemeClr>
+            </a:gs>
+          </a:gsLst>
+          <a:lin ang="16200000" scaled="1"/>
+        </a:gradFill>
+        <a:gradFill rotWithShape="1">
+          <a:gsLst>
+            <a:gs pos="0">
+              <a:schemeClr val="phClr">
+                <a:tint val="100000"/>
+                <a:shade val="100000"/>
+                <a:satMod val="130000"/>
+              </a:schemeClr>
+            </a:gs>
+            <a:gs pos="100000">
+              <a:schemeClr val="phClr">
+                <a:tint val="50000"/>
+                <a:shade val="100000"/>
+                <a:satMod val="350000"/>
+              </a:schemeClr>
+            </a:gs>
+          </a:gsLst>
+          <a:lin ang="16200000" scaled="0"/>
+        </a:gradFill>
+      </a:fillStyleLst>
+      <a:lnStyleLst>
+        <a:ln w="9525" cap="flat" cmpd="sng" algn="ctr">
+          <a:solidFill>
+            <a:schemeClr val="phClr">
+              <a:shade val="95000"/>
+              <a:satMod val="105000"/>
+            </a:schemeClr>
+          </a:solidFill>
+          <a:prstDash val="solid"/>
+        </a:ln>
+        <a:ln w="25400" cap="flat" cmpd="sng" algn="ctr">
+          <a:solidFill>
+            <a:schemeClr val="phClr"/>
+          </a:solidFill>
+          <a:prstDash val="solid"/>
+        </a:ln>
+        <a:ln w="38100" cap="flat" cmpd="sng" algn="ctr">
+          <a:solidFill>
+            <a:schemeClr val="phClr"/>
+          </a:solidFill>
+          <a:prstDash val="solid"/>
+        </a:ln>
+      </a:lnStyleLst>
+      <a:effectStyleLst>
+        <a:effectStyle>
+          <a:effectLst>
+            <a:outerShdw blurRad="40000" dist="20000" dir="5400000" rotWithShape="0">
+              <a:srgbClr val="000000">
+                <a:alpha val="38000"/>
+              </a:srgbClr>
+            </a:outerShdw>
+          </a:effectLst>
+        </a:effectStyle>
+        <a:effectStyle>
+          <a:effectLst>
+            <a:outerShdw blurRad="40000" dist="23000" dir="5400000" rotWithShape="0">
+              <a:srgbClr val="000000">
+                <a:alpha val="35000"/>
+              </a:srgbClr>
+            </a:outerShdw>
+          </a:effectLst>
+        </a:effectStyle>
+        <a:effectStyle>
+          <a:effectLst>
+            <a:outerShdw blurRad="40000" dist="23000" dir="5400000" rotWithShape="0">
+              <a:srgbClr val="000000">
+                <a:alpha val="35000"/>
+              </a:srgbClr>
+            </a:outerShdw>
+          </a:effectLst>
+          <a:scene3d>
+            <a:camera prst="orthographicFront">
+              <a:rot lat="0" lon="0" rev="0"/>
+            </a:camera>
+            <a:lightRig rig="threePt" dir="t">
+              <a:rot lat="0" lon="0" rev="1200000"/>
+            </a:lightRig>
+          </a:scene3d>
+          <a:sp3d>
+            <a:bevelT w="63500" h="25400"/>
+          </a:sp3d>
+        </a:effectStyle>
+      </a:effectStyleLst>
+      <a:bgFillStyleLst>
+        <a:solidFill>
+          <a:schemeClr val="phClr"/>
+        </a:solidFill>
+        <a:gradFill rotWithShape="1">
+          <a:gsLst>
+            <a:gs pos="0">
+              <a:schemeClr val="phClr">
+                <a:tint val="40000"/>
+                <a:satMod val="350000"/>
+              </a:schemeClr>
+            </a:gs>
+            <a:gs pos="40000">
+              <a:schemeClr val="phClr">
+                <a:tint val="45000"/>
+                <a:shade val="99000"/>
+                <a:satMod val="350000"/>
+              </a:schemeClr>
+            </a:gs>
+            <a:gs pos="100000">
+              <a:schemeClr val="phClr">
+                <a:shade val="20000"/>
+                <a:satMod val="255000"/>
+              </a:schemeClr>
+            </a:gs>
+          </a:gsLst>
+          <a:path path="circle">
+            <a:fillToRect l="50000" t="-80000" r="50000" b="180000"/>
+          </a:path>
+        </a:gradFill>
+        <a:gradFill rotWithShape="1">
+          <a:gsLst>
+            <a:gs pos="0">
+              <a:schemeClr val="phClr">
+                <a:tint val="80000"/>
+                <a:satMod val="300000"/>
+              </a:schemeClr>
+            </a:gs>
+            <a:gs pos="100000">
+              <a:schemeClr val="phClr">
+                <a:shade val="30000"/>
+                <a:satMod val="200000"/>
+              </a:schemeClr>
+            </a:gs>
+          </a:gsLst>
+          <a:path path="circle">
+            <a:fillToRect l="50000" t="50000" r="50000" b="50000"/>
+          </a:path>
+        </a:gradFill>
+      </a:bgFillStyleLst>
+    </a:fmtScheme>
+  </a:themeElements>
+  <a:objectDefaults/>
+  <a:extraClrSchemeLst/>
+</a:theme>
+</file>
+
+<file path=ppt/theme/theme2.xml><?xml version="1.0" encoding="utf-8"?>
+<a:theme xmlns:a="http://schemas.openxmlformats.org/drawingml/2006/main">
   <a:themeElements>
     <a:clrScheme name="Default">
       <a:dk1>
@@ -6786,284 +8012,7 @@
       </a:bgFillStyleLst>
     </a:fmtScheme>
   </a:themeElements>
-</a:theme>
-</file>
-
-<file path=ppt/theme/theme2.xml><?xml version="1.0" encoding="utf-8"?>
-<a:theme xmlns:a="http://schemas.openxmlformats.org/drawingml/2006/main" xmlns:r="http://schemas.openxmlformats.org/officeDocument/2006/relationships" name="Simple Dark">
-  <a:themeElements>
-    <a:clrScheme name="Simple Dark">
-      <a:dk1>
-        <a:srgbClr val="FFFFFF"/>
-      </a:dk1>
-      <a:lt1>
-        <a:srgbClr val="212121"/>
-      </a:lt1>
-      <a:dk2>
-        <a:srgbClr val="303030"/>
-      </a:dk2>
-      <a:lt2>
-        <a:srgbClr val="ADADAD"/>
-      </a:lt2>
-      <a:accent1>
-        <a:srgbClr val="009688"/>
-      </a:accent1>
-      <a:accent2>
-        <a:srgbClr val="EEEEEE"/>
-      </a:accent2>
-      <a:accent3>
-        <a:srgbClr val="78909C"/>
-      </a:accent3>
-      <a:accent4>
-        <a:srgbClr val="FFAB40"/>
-      </a:accent4>
-      <a:accent5>
-        <a:srgbClr val="4DD0E1"/>
-      </a:accent5>
-      <a:accent6>
-        <a:srgbClr val="EEFF41"/>
-      </a:accent6>
-      <a:hlink>
-        <a:srgbClr val="4DD0E1"/>
-      </a:hlink>
-      <a:folHlink>
-        <a:srgbClr val="4DD0E1"/>
-      </a:folHlink>
-    </a:clrScheme>
-    <a:fontScheme name="Office">
-      <a:majorFont>
-        <a:latin typeface="Arial"/>
-        <a:ea typeface=""/>
-        <a:cs typeface=""/>
-        <a:font script="Jpan" typeface="ＭＳ Ｐゴシック"/>
-        <a:font script="Hang" typeface="맑은 고딕"/>
-        <a:font script="Hans" typeface="宋体"/>
-        <a:font script="Hant" typeface="新細明體"/>
-        <a:font script="Arab" typeface="Times New Roman"/>
-        <a:font script="Hebr" typeface="Times New Roman"/>
-        <a:font script="Thai" typeface="Angsana New"/>
-        <a:font script="Ethi" typeface="Nyala"/>
-        <a:font script="Beng" typeface="Vrinda"/>
-        <a:font script="Gujr" typeface="Shruti"/>
-        <a:font script="Khmr" typeface="MoolBoran"/>
-        <a:font script="Knda" typeface="Tunga"/>
-        <a:font script="Guru" typeface="Raavi"/>
-        <a:font script="Cans" typeface="Euphemia"/>
-        <a:font script="Cher" typeface="Plantagenet Cherokee"/>
-        <a:font script="Yiii" typeface="Microsoft Yi Baiti"/>
-        <a:font script="Tibt" typeface="Microsoft Himalaya"/>
-        <a:font script="Thaa" typeface="MV Boli"/>
-        <a:font script="Deva" typeface="Mangal"/>
-        <a:font script="Telu" typeface="Gautami"/>
-        <a:font script="Taml" typeface="Latha"/>
-        <a:font script="Syrc" typeface="Estrangelo Edessa"/>
-        <a:font script="Orya" typeface="Kalinga"/>
-        <a:font script="Mlym" typeface="Kartika"/>
-        <a:font script="Laoo" typeface="DokChampa"/>
-        <a:font script="Sinh" typeface="Iskoola Pota"/>
-        <a:font script="Mong" typeface="Mongolian Baiti"/>
-        <a:font script="Viet" typeface="Times New Roman"/>
-        <a:font script="Uigh" typeface="Microsoft Uighur"/>
-        <a:font script="Geor" typeface="Sylfaen"/>
-      </a:majorFont>
-      <a:minorFont>
-        <a:latin typeface="Arial"/>
-        <a:ea typeface=""/>
-        <a:cs typeface=""/>
-        <a:font script="Jpan" typeface="ＭＳ Ｐゴシック"/>
-        <a:font script="Hang" typeface="맑은 고딕"/>
-        <a:font script="Hans" typeface="宋体"/>
-        <a:font script="Hant" typeface="新細明體"/>
-        <a:font script="Arab" typeface="Arial"/>
-        <a:font script="Hebr" typeface="Arial"/>
-        <a:font script="Thai" typeface="Cordia New"/>
-        <a:font script="Ethi" typeface="Nyala"/>
-        <a:font script="Beng" typeface="Vrinda"/>
-        <a:font script="Gujr" typeface="Shruti"/>
-        <a:font script="Khmr" typeface="DaunPenh"/>
-        <a:font script="Knda" typeface="Tunga"/>
-        <a:font script="Guru" typeface="Raavi"/>
-        <a:font script="Cans" typeface="Euphemia"/>
-        <a:font script="Cher" typeface="Plantagenet Cherokee"/>
-        <a:font script="Yiii" typeface="Microsoft Yi Baiti"/>
-        <a:font script="Tibt" typeface="Microsoft Himalaya"/>
-        <a:font script="Thaa" typeface="MV Boli"/>
-        <a:font script="Deva" typeface="Mangal"/>
-        <a:font script="Telu" typeface="Gautami"/>
-        <a:font script="Taml" typeface="Latha"/>
-        <a:font script="Syrc" typeface="Estrangelo Edessa"/>
-        <a:font script="Orya" typeface="Kalinga"/>
-        <a:font script="Mlym" typeface="Kartika"/>
-        <a:font script="Laoo" typeface="DokChampa"/>
-        <a:font script="Sinh" typeface="Iskoola Pota"/>
-        <a:font script="Mong" typeface="Mongolian Baiti"/>
-        <a:font script="Viet" typeface="Arial"/>
-        <a:font script="Uigh" typeface="Microsoft Uighur"/>
-        <a:font script="Geor" typeface="Sylfaen"/>
-      </a:minorFont>
-    </a:fontScheme>
-    <a:fmtScheme name="Office">
-      <a:fillStyleLst>
-        <a:solidFill>
-          <a:schemeClr val="phClr"/>
-        </a:solidFill>
-        <a:gradFill rotWithShape="1">
-          <a:gsLst>
-            <a:gs pos="0">
-              <a:schemeClr val="phClr">
-                <a:tint val="50000"/>
-                <a:satMod val="300000"/>
-              </a:schemeClr>
-            </a:gs>
-            <a:gs pos="35000">
-              <a:schemeClr val="phClr">
-                <a:tint val="37000"/>
-                <a:satMod val="300000"/>
-              </a:schemeClr>
-            </a:gs>
-            <a:gs pos="100000">
-              <a:schemeClr val="phClr">
-                <a:tint val="15000"/>
-                <a:satMod val="350000"/>
-              </a:schemeClr>
-            </a:gs>
-          </a:gsLst>
-          <a:lin ang="16200000" scaled="1"/>
-        </a:gradFill>
-        <a:gradFill rotWithShape="1">
-          <a:gsLst>
-            <a:gs pos="0">
-              <a:schemeClr val="phClr">
-                <a:tint val="100000"/>
-                <a:shade val="100000"/>
-                <a:satMod val="130000"/>
-              </a:schemeClr>
-            </a:gs>
-            <a:gs pos="100000">
-              <a:schemeClr val="phClr">
-                <a:tint val="50000"/>
-                <a:shade val="100000"/>
-                <a:satMod val="350000"/>
-              </a:schemeClr>
-            </a:gs>
-          </a:gsLst>
-          <a:lin ang="16200000" scaled="0"/>
-        </a:gradFill>
-      </a:fillStyleLst>
-      <a:lnStyleLst>
-        <a:ln w="9525" cap="flat" cmpd="sng" algn="ctr">
-          <a:solidFill>
-            <a:schemeClr val="phClr">
-              <a:shade val="95000"/>
-              <a:satMod val="105000"/>
-            </a:schemeClr>
-          </a:solidFill>
-          <a:prstDash val="solid"/>
-        </a:ln>
-        <a:ln w="25400" cap="flat" cmpd="sng" algn="ctr">
-          <a:solidFill>
-            <a:schemeClr val="phClr"/>
-          </a:solidFill>
-          <a:prstDash val="solid"/>
-        </a:ln>
-        <a:ln w="38100" cap="flat" cmpd="sng" algn="ctr">
-          <a:solidFill>
-            <a:schemeClr val="phClr"/>
-          </a:solidFill>
-          <a:prstDash val="solid"/>
-        </a:ln>
-      </a:lnStyleLst>
-      <a:effectStyleLst>
-        <a:effectStyle>
-          <a:effectLst>
-            <a:outerShdw blurRad="40000" dist="20000" dir="5400000" rotWithShape="0">
-              <a:srgbClr val="000000">
-                <a:alpha val="38000"/>
-              </a:srgbClr>
-            </a:outerShdw>
-          </a:effectLst>
-        </a:effectStyle>
-        <a:effectStyle>
-          <a:effectLst>
-            <a:outerShdw blurRad="40000" dist="23000" dir="5400000" rotWithShape="0">
-              <a:srgbClr val="000000">
-                <a:alpha val="35000"/>
-              </a:srgbClr>
-            </a:outerShdw>
-          </a:effectLst>
-        </a:effectStyle>
-        <a:effectStyle>
-          <a:effectLst>
-            <a:outerShdw blurRad="40000" dist="23000" dir="5400000" rotWithShape="0">
-              <a:srgbClr val="000000">
-                <a:alpha val="35000"/>
-              </a:srgbClr>
-            </a:outerShdw>
-          </a:effectLst>
-          <a:scene3d>
-            <a:camera prst="orthographicFront">
-              <a:rot lat="0" lon="0" rev="0"/>
-            </a:camera>
-            <a:lightRig rig="threePt" dir="t">
-              <a:rot lat="0" lon="0" rev="1200000"/>
-            </a:lightRig>
-          </a:scene3d>
-          <a:sp3d>
-            <a:bevelT w="63500" h="25400"/>
-          </a:sp3d>
-        </a:effectStyle>
-      </a:effectStyleLst>
-      <a:bgFillStyleLst>
-        <a:solidFill>
-          <a:schemeClr val="phClr"/>
-        </a:solidFill>
-        <a:gradFill rotWithShape="1">
-          <a:gsLst>
-            <a:gs pos="0">
-              <a:schemeClr val="phClr">
-                <a:tint val="40000"/>
-                <a:satMod val="350000"/>
-              </a:schemeClr>
-            </a:gs>
-            <a:gs pos="40000">
-              <a:schemeClr val="phClr">
-                <a:tint val="45000"/>
-                <a:shade val="99000"/>
-                <a:satMod val="350000"/>
-              </a:schemeClr>
-            </a:gs>
-            <a:gs pos="100000">
-              <a:schemeClr val="phClr">
-                <a:shade val="20000"/>
-                <a:satMod val="255000"/>
-              </a:schemeClr>
-            </a:gs>
-          </a:gsLst>
-          <a:path path="circle">
-            <a:fillToRect l="50000" t="-80000" r="50000" b="180000"/>
-          </a:path>
-        </a:gradFill>
-        <a:gradFill rotWithShape="1">
-          <a:gsLst>
-            <a:gs pos="0">
-              <a:schemeClr val="phClr">
-                <a:tint val="80000"/>
-                <a:satMod val="300000"/>
-              </a:schemeClr>
-            </a:gs>
-            <a:gs pos="100000">
-              <a:schemeClr val="phClr">
-                <a:shade val="30000"/>
-                <a:satMod val="200000"/>
-              </a:schemeClr>
-            </a:gs>
-          </a:gsLst>
-          <a:path path="circle">
-            <a:fillToRect l="50000" t="50000" r="50000" b="50000"/>
-          </a:path>
-        </a:gradFill>
-      </a:bgFillStyleLst>
-    </a:fmtScheme>
-  </a:themeElements>
+  <a:objectDefaults/>
+  <a:extraClrSchemeLst/>
 </a:theme>
 </file>
--- a/docs/TLC-Club.pptx
+++ b/docs/TLC-Club.pptx
@@ -7397,54 +7397,62 @@
           </a:bodyPr>
           <a:lstStyle/>
           <a:p>
-            <a:pPr marL="0" lvl="0" indent="0" algn="l" rtl="0">
-              <a:spcBef>
-                <a:spcPts val="0"/>
-              </a:spcBef>
-              <a:spcAft>
-                <a:spcPts val="0"/>
-              </a:spcAft>
-              <a:buNone/>
-            </a:pPr>
+            <a:pPr lvl="0"/>
             <a:r>
-              <a:rPr lang="ru" sz="4800" u="sng" dirty="0">
-                <a:solidFill>
-                  <a:schemeClr val="hlink"/>
-                </a:solidFill>
-                <a:hlinkClick r:id="rId3"/>
+              <a:rPr lang="en-US" sz="4800" i="1" u="sng" dirty="0" smtClean="0">
+                <a:solidFill>
+                  <a:srgbClr val="FF0000"/>
+                </a:solidFill>
               </a:rPr>
-              <a:t>tlc-club.glitch.me</a:t>
+              <a:t>tlcclub.glitch.me</a:t>
             </a:r>
-            <a:endParaRPr sz="4800" dirty="0"/>
+            <a:endParaRPr sz="4800" i="1" u="sng" dirty="0">
+              <a:solidFill>
+                <a:srgbClr val="FF0000"/>
+              </a:solidFill>
+            </a:endParaRPr>
           </a:p>
         </p:txBody>
       </p:sp>
       <p:pic>
         <p:nvPicPr>
-          <p:cNvPr id="86" name="Google Shape;86;p17"/>
-          <p:cNvPicPr preferRelativeResize="0"/>
+          <p:cNvPr id="1026" name="Picture 2" descr="http://qrcoder.ru/code/?https%3A%2F%2Ftlcclub.glitch.me%2Fhome&amp;10&amp;0"/>
+          <p:cNvPicPr>
+            <a:picLocks noChangeAspect="1" noChangeArrowheads="1"/>
+          </p:cNvPicPr>
           <p:nvPr/>
         </p:nvPicPr>
         <p:blipFill>
-          <a:blip r:embed="rId4">
-            <a:alphaModFix/>
+          <a:blip r:embed="rId3">
+            <a:extLst>
+              <a:ext uri="{28A0092B-C50C-407E-A947-70E740481C1C}">
+                <a14:useLocalDpi xmlns:a14="http://schemas.microsoft.com/office/drawing/2010/main" val="0"/>
+              </a:ext>
+            </a:extLst>
           </a:blip>
+          <a:srcRect/>
           <a:stretch>
             <a:fillRect/>
           </a:stretch>
         </p:blipFill>
-        <p:spPr>
+        <p:spPr bwMode="auto">
           <a:xfrm>
-            <a:off x="5158400" y="1387275"/>
-            <a:ext cx="3524250" cy="3524250"/>
+            <a:off x="5158399" y="1244700"/>
+            <a:ext cx="3524250" cy="3524251"/>
           </a:xfrm>
           <a:prstGeom prst="rect">
             <a:avLst/>
           </a:prstGeom>
           <a:noFill/>
-          <a:ln>
-            <a:noFill/>
-          </a:ln>
+          <a:extLst>
+            <a:ext uri="{909E8E84-426E-40DD-AFC4-6F175D3DCCD1}">
+              <a14:hiddenFill xmlns:a14="http://schemas.microsoft.com/office/drawing/2010/main">
+                <a:solidFill>
+                  <a:srgbClr val="FFFFFF"/>
+                </a:solidFill>
+              </a14:hiddenFill>
+            </a:ext>
+          </a:extLst>
         </p:spPr>
       </p:pic>
     </p:spTree>

--- a/docs/TLC-Club.pptx
+++ b/docs/TLC-Club.pptx
@@ -7404,7 +7404,7 @@
                   <a:srgbClr val="FF0000"/>
                 </a:solidFill>
               </a:rPr>
-              <a:t>tlcclub.glitch.me</a:t>
+              <a:t>tlclub.glitch.me</a:t>
             </a:r>
             <a:endParaRPr sz="4800" i="1" u="sng" dirty="0">
               <a:solidFill>
@@ -7416,7 +7416,7 @@
       </p:sp>
       <p:pic>
         <p:nvPicPr>
-          <p:cNvPr id="1026" name="Picture 2" descr="http://qrcoder.ru/code/?https%3A%2F%2Ftlcclub.glitch.me%2Fhome&amp;10&amp;0"/>
+          <p:cNvPr id="2" name="Picture 2" descr="http://qrcoder.ru/code/?tlclub.glitch.me&amp;10&amp;0"/>
           <p:cNvPicPr>
             <a:picLocks noChangeAspect="1" noChangeArrowheads="1"/>
           </p:cNvPicPr>
@@ -7438,7 +7438,7 @@
         <p:spPr bwMode="auto">
           <a:xfrm>
             <a:off x="5158399" y="1244700"/>
-            <a:ext cx="3524250" cy="3524251"/>
+            <a:ext cx="3143250" cy="3143250"/>
           </a:xfrm>
           <a:prstGeom prst="rect">
             <a:avLst/>
